--- a/AD산출물.pptx
+++ b/AD산출물.pptx
@@ -5,22 +5,23 @@
     <p:sldMasterId id="2147483648" r:id="rId1"/>
   </p:sldMasterIdLst>
   <p:notesMasterIdLst>
-    <p:notesMasterId r:id="rId15"/>
+    <p:notesMasterId r:id="rId16"/>
   </p:notesMasterIdLst>
   <p:sldIdLst>
     <p:sldId id="256" r:id="rId2"/>
     <p:sldId id="257" r:id="rId3"/>
     <p:sldId id="258" r:id="rId4"/>
     <p:sldId id="259" r:id="rId5"/>
-    <p:sldId id="260" r:id="rId6"/>
-    <p:sldId id="261" r:id="rId7"/>
-    <p:sldId id="262" r:id="rId8"/>
-    <p:sldId id="263" r:id="rId9"/>
+    <p:sldId id="263" r:id="rId6"/>
+    <p:sldId id="260" r:id="rId7"/>
+    <p:sldId id="261" r:id="rId8"/>
+    <p:sldId id="262" r:id="rId9"/>
     <p:sldId id="264" r:id="rId10"/>
-    <p:sldId id="268" r:id="rId11"/>
+    <p:sldId id="269" r:id="rId11"/>
     <p:sldId id="265" r:id="rId12"/>
     <p:sldId id="266" r:id="rId13"/>
     <p:sldId id="267" r:id="rId14"/>
+    <p:sldId id="270" r:id="rId15"/>
   </p:sldIdLst>
   <p:sldSz cx="12192000" cy="6858000"/>
   <p:notesSz cx="6858000" cy="9144000"/>
@@ -3845,7 +3846,7 @@
           <p:cNvPr id="2" name="제목 1">
             <a:extLst>
               <a:ext uri="{FF2B5EF4-FFF2-40B4-BE49-F238E27FC236}">
-                <a16:creationId xmlns:a16="http://schemas.microsoft.com/office/drawing/2014/main" id="{19379B37-4D8A-4516-8DDF-785692194A10}"/>
+                <a16:creationId xmlns:a16="http://schemas.microsoft.com/office/drawing/2014/main" id="{E8E19220-F0EC-4B87-95E9-70952AB15AAB}"/>
               </a:ext>
             </a:extLst>
           </p:cNvPr>
@@ -3866,43 +3867,2019 @@
                 <a:latin typeface="HY견고딕" panose="02030600000101010101" pitchFamily="18" charset="-127"/>
                 <a:ea typeface="HY견고딕" panose="02030600000101010101" pitchFamily="18" charset="-127"/>
               </a:rPr>
-              <a:t>단위 테스트</a:t>
-            </a:r>
+              <a:t>구현 간단 로직</a:t>
+            </a:r>
+            <a:r>
+              <a:rPr lang="en-US" altLang="ko-KR" b="1" dirty="0">
+                <a:latin typeface="HY견고딕" panose="02030600000101010101" pitchFamily="18" charset="-127"/>
+                <a:ea typeface="HY견고딕" panose="02030600000101010101" pitchFamily="18" charset="-127"/>
+              </a:rPr>
+              <a:t>(game.py : </a:t>
+            </a:r>
+            <a:r>
+              <a:rPr lang="en-US" altLang="ko-KR" b="1" dirty="0" err="1">
+                <a:latin typeface="HY견고딕" panose="02030600000101010101" pitchFamily="18" charset="-127"/>
+                <a:ea typeface="HY견고딕" panose="02030600000101010101" pitchFamily="18" charset="-127"/>
+              </a:rPr>
+              <a:t>mainGame</a:t>
+            </a:r>
+            <a:r>
+              <a:rPr lang="en-US" altLang="ko-KR" b="1" dirty="0">
+                <a:latin typeface="HY견고딕" panose="02030600000101010101" pitchFamily="18" charset="-127"/>
+                <a:ea typeface="HY견고딕" panose="02030600000101010101" pitchFamily="18" charset="-127"/>
+              </a:rPr>
+              <a:t>)</a:t>
+            </a:r>
+            <a:endParaRPr lang="ko-KR" altLang="en-US" b="1" dirty="0">
+              <a:latin typeface="HY견고딕" panose="02030600000101010101" pitchFamily="18" charset="-127"/>
+              <a:ea typeface="HY견고딕" panose="02030600000101010101" pitchFamily="18" charset="-127"/>
+            </a:endParaRPr>
+          </a:p>
+        </p:txBody>
+      </p:sp>
+      <p:grpSp>
+        <p:nvGrpSpPr>
+          <p:cNvPr id="273" name="그룹 272">
+            <a:extLst>
+              <a:ext uri="{FF2B5EF4-FFF2-40B4-BE49-F238E27FC236}">
+                <a16:creationId xmlns:a16="http://schemas.microsoft.com/office/drawing/2014/main" id="{FA6D4F04-5386-4578-8313-BEBA4B33A345}"/>
+              </a:ext>
+            </a:extLst>
+          </p:cNvPr>
+          <p:cNvGrpSpPr/>
+          <p:nvPr/>
+        </p:nvGrpSpPr>
+        <p:grpSpPr>
+          <a:xfrm>
+            <a:off x="367747" y="1601236"/>
+            <a:ext cx="4880113" cy="5097738"/>
+            <a:chOff x="3766931" y="1387734"/>
+            <a:chExt cx="5623472" cy="5470266"/>
+          </a:xfrm>
+        </p:grpSpPr>
+        <p:sp>
+          <p:nvSpPr>
+            <p:cNvPr id="272" name="직사각형 271">
+              <a:extLst>
+                <a:ext uri="{FF2B5EF4-FFF2-40B4-BE49-F238E27FC236}">
+                  <a16:creationId xmlns:a16="http://schemas.microsoft.com/office/drawing/2014/main" id="{6FB18F33-F05F-41F4-B3F3-ED11D1A636D6}"/>
+                </a:ext>
+              </a:extLst>
+            </p:cNvPr>
+            <p:cNvSpPr/>
+            <p:nvPr/>
+          </p:nvSpPr>
+          <p:spPr>
+            <a:xfrm>
+              <a:off x="3766931" y="1387734"/>
+              <a:ext cx="5623472" cy="5470266"/>
+            </a:xfrm>
+            <a:prstGeom prst="rect">
+              <a:avLst/>
+            </a:prstGeom>
+            <a:solidFill>
+              <a:schemeClr val="accent1">
+                <a:lumMod val="20000"/>
+                <a:lumOff val="80000"/>
+              </a:schemeClr>
+            </a:solidFill>
+            <a:ln>
+              <a:noFill/>
+            </a:ln>
+          </p:spPr>
+          <p:style>
+            <a:lnRef idx="2">
+              <a:schemeClr val="accent1">
+                <a:shade val="50000"/>
+              </a:schemeClr>
+            </a:lnRef>
+            <a:fillRef idx="1">
+              <a:schemeClr val="accent1"/>
+            </a:fillRef>
+            <a:effectRef idx="0">
+              <a:schemeClr val="accent1"/>
+            </a:effectRef>
+            <a:fontRef idx="minor">
+              <a:schemeClr val="lt1"/>
+            </a:fontRef>
+          </p:style>
+          <p:txBody>
+            <a:bodyPr rtlCol="0" anchor="ctr"/>
+            <a:lstStyle/>
+            <a:p>
+              <a:pPr algn="ctr"/>
+              <a:endParaRPr lang="ko-KR" altLang="en-US"/>
+            </a:p>
+          </p:txBody>
+        </p:sp>
+        <p:sp>
+          <p:nvSpPr>
+            <p:cNvPr id="3" name="직사각형 2">
+              <a:extLst>
+                <a:ext uri="{FF2B5EF4-FFF2-40B4-BE49-F238E27FC236}">
+                  <a16:creationId xmlns:a16="http://schemas.microsoft.com/office/drawing/2014/main" id="{4F4269A7-4CAB-4ADE-9372-D8013CC2D36A}"/>
+                </a:ext>
+              </a:extLst>
+            </p:cNvPr>
+            <p:cNvSpPr/>
+            <p:nvPr/>
+          </p:nvSpPr>
+          <p:spPr>
+            <a:xfrm>
+              <a:off x="4928981" y="1841774"/>
+              <a:ext cx="1588605" cy="477078"/>
+            </a:xfrm>
+            <a:prstGeom prst="rect">
+              <a:avLst/>
+            </a:prstGeom>
+            <a:solidFill>
+              <a:schemeClr val="bg1"/>
+            </a:solidFill>
+            <a:ln>
+              <a:solidFill>
+                <a:schemeClr val="tx1"/>
+              </a:solidFill>
+            </a:ln>
+          </p:spPr>
+          <p:style>
+            <a:lnRef idx="2">
+              <a:schemeClr val="accent1">
+                <a:shade val="50000"/>
+              </a:schemeClr>
+            </a:lnRef>
+            <a:fillRef idx="1">
+              <a:schemeClr val="accent1"/>
+            </a:fillRef>
+            <a:effectRef idx="0">
+              <a:schemeClr val="accent1"/>
+            </a:effectRef>
+            <a:fontRef idx="minor">
+              <a:schemeClr val="lt1"/>
+            </a:fontRef>
+          </p:style>
+          <p:txBody>
+            <a:bodyPr rtlCol="0" anchor="ctr"/>
+            <a:lstStyle/>
+            <a:p>
+              <a:pPr algn="ctr"/>
+              <a:r>
+                <a:rPr lang="en-US" altLang="ko-KR" sz="1400" dirty="0">
+                  <a:solidFill>
+                    <a:schemeClr val="tx1"/>
+                  </a:solidFill>
+                  <a:latin typeface="이롭게 바탕체 OTF Medium" panose="020B0600000101010101" pitchFamily="34" charset="-127"/>
+                  <a:ea typeface="이롭게 바탕체 OTF Medium" panose="020B0600000101010101" pitchFamily="34" charset="-127"/>
+                </a:rPr>
+                <a:t>die = False</a:t>
+              </a:r>
+              <a:endParaRPr lang="ko-KR" altLang="en-US" sz="1400" dirty="0">
+                <a:solidFill>
+                  <a:schemeClr val="tx1"/>
+                </a:solidFill>
+                <a:latin typeface="이롭게 바탕체 OTF Medium" panose="020B0600000101010101" pitchFamily="34" charset="-127"/>
+                <a:ea typeface="이롭게 바탕체 OTF Medium" panose="020B0600000101010101" pitchFamily="34" charset="-127"/>
+              </a:endParaRPr>
+            </a:p>
+          </p:txBody>
+        </p:sp>
+        <p:sp>
+          <p:nvSpPr>
+            <p:cNvPr id="52" name="다이아몬드 51">
+              <a:extLst>
+                <a:ext uri="{FF2B5EF4-FFF2-40B4-BE49-F238E27FC236}">
+                  <a16:creationId xmlns:a16="http://schemas.microsoft.com/office/drawing/2014/main" id="{E14E4384-2367-43EB-84C1-D64B0AB13748}"/>
+                </a:ext>
+              </a:extLst>
+            </p:cNvPr>
+            <p:cNvSpPr/>
+            <p:nvPr/>
+          </p:nvSpPr>
+          <p:spPr>
+            <a:xfrm>
+              <a:off x="4839531" y="3059647"/>
+              <a:ext cx="1767508" cy="536713"/>
+            </a:xfrm>
+            <a:prstGeom prst="diamond">
+              <a:avLst/>
+            </a:prstGeom>
+            <a:solidFill>
+              <a:schemeClr val="bg1"/>
+            </a:solidFill>
+            <a:ln>
+              <a:solidFill>
+                <a:schemeClr val="tx1"/>
+              </a:solidFill>
+            </a:ln>
+          </p:spPr>
+          <p:style>
+            <a:lnRef idx="2">
+              <a:schemeClr val="accent1">
+                <a:shade val="50000"/>
+              </a:schemeClr>
+            </a:lnRef>
+            <a:fillRef idx="1">
+              <a:schemeClr val="accent1"/>
+            </a:fillRef>
+            <a:effectRef idx="0">
+              <a:schemeClr val="accent1"/>
+            </a:effectRef>
+            <a:fontRef idx="minor">
+              <a:schemeClr val="lt1"/>
+            </a:fontRef>
+          </p:style>
+          <p:txBody>
+            <a:bodyPr rtlCol="0" anchor="ctr"/>
+            <a:lstStyle/>
+            <a:p>
+              <a:pPr algn="ctr"/>
+              <a:r>
+                <a:rPr lang="en-US" altLang="ko-KR" sz="1200" dirty="0" err="1">
+                  <a:solidFill>
+                    <a:schemeClr val="tx1"/>
+                  </a:solidFill>
+                  <a:latin typeface="이롭게 바탕체 OTF Medium" panose="020B0600000101010101" pitchFamily="34" charset="-127"/>
+                  <a:ea typeface="이롭게 바탕체 OTF Medium" panose="020B0600000101010101" pitchFamily="34" charset="-127"/>
+                </a:rPr>
+                <a:t>jump_key</a:t>
+              </a:r>
+              <a:endParaRPr lang="ko-KR" altLang="en-US" sz="1200" dirty="0">
+                <a:solidFill>
+                  <a:schemeClr val="tx1"/>
+                </a:solidFill>
+                <a:latin typeface="이롭게 바탕체 OTF Medium" panose="020B0600000101010101" pitchFamily="34" charset="-127"/>
+                <a:ea typeface="이롭게 바탕체 OTF Medium" panose="020B0600000101010101" pitchFamily="34" charset="-127"/>
+              </a:endParaRPr>
+            </a:p>
+          </p:txBody>
+        </p:sp>
+        <p:sp>
+          <p:nvSpPr>
+            <p:cNvPr id="53" name="다이아몬드 52">
+              <a:extLst>
+                <a:ext uri="{FF2B5EF4-FFF2-40B4-BE49-F238E27FC236}">
+                  <a16:creationId xmlns:a16="http://schemas.microsoft.com/office/drawing/2014/main" id="{A8E8970D-7EEE-40F2-B242-ED2BB4B2F8EA}"/>
+                </a:ext>
+              </a:extLst>
+            </p:cNvPr>
+            <p:cNvSpPr/>
+            <p:nvPr/>
+          </p:nvSpPr>
+          <p:spPr>
+            <a:xfrm>
+              <a:off x="4844088" y="3722826"/>
+              <a:ext cx="1767508" cy="536713"/>
+            </a:xfrm>
+            <a:prstGeom prst="diamond">
+              <a:avLst/>
+            </a:prstGeom>
+            <a:solidFill>
+              <a:schemeClr val="bg1"/>
+            </a:solidFill>
+            <a:ln>
+              <a:solidFill>
+                <a:schemeClr val="tx1"/>
+              </a:solidFill>
+            </a:ln>
+          </p:spPr>
+          <p:style>
+            <a:lnRef idx="2">
+              <a:schemeClr val="accent1">
+                <a:shade val="50000"/>
+              </a:schemeClr>
+            </a:lnRef>
+            <a:fillRef idx="1">
+              <a:schemeClr val="accent1"/>
+            </a:fillRef>
+            <a:effectRef idx="0">
+              <a:schemeClr val="accent1"/>
+            </a:effectRef>
+            <a:fontRef idx="minor">
+              <a:schemeClr val="lt1"/>
+            </a:fontRef>
+          </p:style>
+          <p:txBody>
+            <a:bodyPr rtlCol="0" anchor="ctr"/>
+            <a:lstStyle/>
+            <a:p>
+              <a:pPr algn="ctr"/>
+              <a:r>
+                <a:rPr lang="en-US" altLang="ko-KR" sz="1200" dirty="0" err="1">
+                  <a:solidFill>
+                    <a:schemeClr val="tx1"/>
+                  </a:solidFill>
+                  <a:latin typeface="이롭게 바탕체 OTF Medium" panose="020B0600000101010101" pitchFamily="34" charset="-127"/>
+                  <a:ea typeface="이롭게 바탕체 OTF Medium" panose="020B0600000101010101" pitchFamily="34" charset="-127"/>
+                </a:rPr>
+                <a:t>slide_key</a:t>
+              </a:r>
+              <a:endParaRPr lang="ko-KR" altLang="en-US" sz="1200" dirty="0">
+                <a:solidFill>
+                  <a:schemeClr val="tx1"/>
+                </a:solidFill>
+                <a:latin typeface="이롭게 바탕체 OTF Medium" panose="020B0600000101010101" pitchFamily="34" charset="-127"/>
+                <a:ea typeface="이롭게 바탕체 OTF Medium" panose="020B0600000101010101" pitchFamily="34" charset="-127"/>
+              </a:endParaRPr>
+            </a:p>
+          </p:txBody>
+        </p:sp>
+        <p:cxnSp>
+          <p:nvCxnSpPr>
+            <p:cNvPr id="5" name="직선 화살표 연결선 4">
+              <a:extLst>
+                <a:ext uri="{FF2B5EF4-FFF2-40B4-BE49-F238E27FC236}">
+                  <a16:creationId xmlns:a16="http://schemas.microsoft.com/office/drawing/2014/main" id="{71089E62-7110-4C47-A6D2-52FEBBE45FC0}"/>
+                </a:ext>
+              </a:extLst>
+            </p:cNvPr>
+            <p:cNvCxnSpPr>
+              <a:cxnSpLocks/>
+              <a:stCxn id="52" idx="2"/>
+              <a:endCxn id="53" idx="0"/>
+            </p:cNvCxnSpPr>
+            <p:nvPr/>
+          </p:nvCxnSpPr>
+          <p:spPr>
+            <a:xfrm>
+              <a:off x="5723285" y="3596360"/>
+              <a:ext cx="4557" cy="126466"/>
+            </a:xfrm>
+            <a:prstGeom prst="straightConnector1">
+              <a:avLst/>
+            </a:prstGeom>
+            <a:ln w="28575">
+              <a:solidFill>
+                <a:srgbClr val="FF0000"/>
+              </a:solidFill>
+              <a:tailEnd type="triangle"/>
+            </a:ln>
+          </p:spPr>
+          <p:style>
+            <a:lnRef idx="1">
+              <a:schemeClr val="accent1"/>
+            </a:lnRef>
+            <a:fillRef idx="0">
+              <a:schemeClr val="accent1"/>
+            </a:fillRef>
+            <a:effectRef idx="0">
+              <a:schemeClr val="accent1"/>
+            </a:effectRef>
+            <a:fontRef idx="minor">
+              <a:schemeClr val="tx1"/>
+            </a:fontRef>
+          </p:style>
+        </p:cxnSp>
+        <p:sp>
+          <p:nvSpPr>
+            <p:cNvPr id="56" name="직사각형 55">
+              <a:extLst>
+                <a:ext uri="{FF2B5EF4-FFF2-40B4-BE49-F238E27FC236}">
+                  <a16:creationId xmlns:a16="http://schemas.microsoft.com/office/drawing/2014/main" id="{FFD8E443-915E-4FF8-9DEC-F488CC443E68}"/>
+                </a:ext>
+              </a:extLst>
+            </p:cNvPr>
+            <p:cNvSpPr/>
+            <p:nvPr/>
+          </p:nvSpPr>
+          <p:spPr>
+            <a:xfrm>
+              <a:off x="4928982" y="2444758"/>
+              <a:ext cx="1588605" cy="477078"/>
+            </a:xfrm>
+            <a:prstGeom prst="rect">
+              <a:avLst/>
+            </a:prstGeom>
+            <a:solidFill>
+              <a:schemeClr val="bg1"/>
+            </a:solidFill>
+            <a:ln>
+              <a:solidFill>
+                <a:schemeClr val="tx1"/>
+              </a:solidFill>
+            </a:ln>
+          </p:spPr>
+          <p:style>
+            <a:lnRef idx="2">
+              <a:schemeClr val="accent1">
+                <a:shade val="50000"/>
+              </a:schemeClr>
+            </a:lnRef>
+            <a:fillRef idx="1">
+              <a:schemeClr val="accent1"/>
+            </a:fillRef>
+            <a:effectRef idx="0">
+              <a:schemeClr val="accent1"/>
+            </a:effectRef>
+            <a:fontRef idx="minor">
+              <a:schemeClr val="lt1"/>
+            </a:fontRef>
+          </p:style>
+          <p:txBody>
+            <a:bodyPr rtlCol="0" anchor="ctr"/>
+            <a:lstStyle/>
+            <a:p>
+              <a:pPr algn="ctr"/>
+              <a:r>
+                <a:rPr lang="en-US" altLang="ko-KR" sz="1400" dirty="0">
+                  <a:solidFill>
+                    <a:schemeClr val="tx1"/>
+                  </a:solidFill>
+                  <a:latin typeface="이롭게 바탕체 OTF Medium" panose="020B0600000101010101" pitchFamily="34" charset="-127"/>
+                  <a:ea typeface="이롭게 바탕체 OTF Medium" panose="020B0600000101010101" pitchFamily="34" charset="-127"/>
+                </a:rPr>
+                <a:t>event</a:t>
+              </a:r>
+              <a:endParaRPr lang="ko-KR" altLang="en-US" sz="1400" dirty="0">
+                <a:solidFill>
+                  <a:schemeClr val="tx1"/>
+                </a:solidFill>
+                <a:latin typeface="이롭게 바탕체 OTF Medium" panose="020B0600000101010101" pitchFamily="34" charset="-127"/>
+                <a:ea typeface="이롭게 바탕체 OTF Medium" panose="020B0600000101010101" pitchFamily="34" charset="-127"/>
+              </a:endParaRPr>
+            </a:p>
+          </p:txBody>
+        </p:sp>
+        <p:cxnSp>
+          <p:nvCxnSpPr>
+            <p:cNvPr id="11" name="직선 화살표 연결선 10">
+              <a:extLst>
+                <a:ext uri="{FF2B5EF4-FFF2-40B4-BE49-F238E27FC236}">
+                  <a16:creationId xmlns:a16="http://schemas.microsoft.com/office/drawing/2014/main" id="{4297EA93-86DE-4146-B4E5-9EA1112EFD19}"/>
+                </a:ext>
+              </a:extLst>
+            </p:cNvPr>
+            <p:cNvCxnSpPr>
+              <a:cxnSpLocks/>
+              <a:stCxn id="56" idx="2"/>
+              <a:endCxn id="52" idx="0"/>
+            </p:cNvCxnSpPr>
+            <p:nvPr/>
+          </p:nvCxnSpPr>
+          <p:spPr>
+            <a:xfrm>
+              <a:off x="5723285" y="2921836"/>
+              <a:ext cx="0" cy="137811"/>
+            </a:xfrm>
+            <a:prstGeom prst="straightConnector1">
+              <a:avLst/>
+            </a:prstGeom>
+            <a:ln w="28575">
+              <a:solidFill>
+                <a:srgbClr val="0070C0"/>
+              </a:solidFill>
+              <a:tailEnd type="triangle"/>
+            </a:ln>
+          </p:spPr>
+          <p:style>
+            <a:lnRef idx="1">
+              <a:schemeClr val="accent1"/>
+            </a:lnRef>
+            <a:fillRef idx="0">
+              <a:schemeClr val="accent1"/>
+            </a:fillRef>
+            <a:effectRef idx="0">
+              <a:schemeClr val="accent1"/>
+            </a:effectRef>
+            <a:fontRef idx="minor">
+              <a:schemeClr val="tx1"/>
+            </a:fontRef>
+          </p:style>
+        </p:cxnSp>
+        <p:sp>
+          <p:nvSpPr>
+            <p:cNvPr id="61" name="직사각형 60">
+              <a:extLst>
+                <a:ext uri="{FF2B5EF4-FFF2-40B4-BE49-F238E27FC236}">
+                  <a16:creationId xmlns:a16="http://schemas.microsoft.com/office/drawing/2014/main" id="{4ED4F3C4-7C2F-4490-99AE-B1E5FCE96A35}"/>
+                </a:ext>
+              </a:extLst>
+            </p:cNvPr>
+            <p:cNvSpPr/>
+            <p:nvPr/>
+          </p:nvSpPr>
+          <p:spPr>
+            <a:xfrm>
+              <a:off x="4953823" y="6239201"/>
+              <a:ext cx="1588605" cy="477078"/>
+            </a:xfrm>
+            <a:prstGeom prst="rect">
+              <a:avLst/>
+            </a:prstGeom>
+            <a:solidFill>
+              <a:schemeClr val="bg1"/>
+            </a:solidFill>
+            <a:ln>
+              <a:solidFill>
+                <a:schemeClr val="tx1"/>
+              </a:solidFill>
+            </a:ln>
+          </p:spPr>
+          <p:style>
+            <a:lnRef idx="2">
+              <a:schemeClr val="accent1">
+                <a:shade val="50000"/>
+              </a:schemeClr>
+            </a:lnRef>
+            <a:fillRef idx="1">
+              <a:schemeClr val="accent1"/>
+            </a:fillRef>
+            <a:effectRef idx="0">
+              <a:schemeClr val="accent1"/>
+            </a:effectRef>
+            <a:fontRef idx="minor">
+              <a:schemeClr val="lt1"/>
+            </a:fontRef>
+          </p:style>
+          <p:txBody>
+            <a:bodyPr rtlCol="0" anchor="ctr"/>
+            <a:lstStyle/>
+            <a:p>
+              <a:pPr algn="ctr"/>
+              <a:r>
+                <a:rPr lang="en-US" altLang="ko-KR" sz="1400" dirty="0">
+                  <a:solidFill>
+                    <a:schemeClr val="tx1"/>
+                  </a:solidFill>
+                  <a:latin typeface="이롭게 바탕체 OTF Medium" panose="020B0600000101010101" pitchFamily="34" charset="-127"/>
+                  <a:ea typeface="이롭게 바탕체 OTF Medium" panose="020B0600000101010101" pitchFamily="34" charset="-127"/>
+                </a:rPr>
+                <a:t>finish()</a:t>
+              </a:r>
+              <a:endParaRPr lang="ko-KR" altLang="en-US" sz="1400" dirty="0">
+                <a:solidFill>
+                  <a:schemeClr val="tx1"/>
+                </a:solidFill>
+                <a:latin typeface="이롭게 바탕체 OTF Medium" panose="020B0600000101010101" pitchFamily="34" charset="-127"/>
+                <a:ea typeface="이롭게 바탕체 OTF Medium" panose="020B0600000101010101" pitchFamily="34" charset="-127"/>
+              </a:endParaRPr>
+            </a:p>
+          </p:txBody>
+        </p:sp>
+        <p:cxnSp>
+          <p:nvCxnSpPr>
+            <p:cNvPr id="16" name="연결선: 꺾임 15">
+              <a:extLst>
+                <a:ext uri="{FF2B5EF4-FFF2-40B4-BE49-F238E27FC236}">
+                  <a16:creationId xmlns:a16="http://schemas.microsoft.com/office/drawing/2014/main" id="{FAEEF5E0-D31F-4FF7-A31F-AB848982EF77}"/>
+                </a:ext>
+              </a:extLst>
+            </p:cNvPr>
+            <p:cNvCxnSpPr>
+              <a:cxnSpLocks/>
+              <a:stCxn id="3" idx="1"/>
+              <a:endCxn id="61" idx="1"/>
+            </p:cNvCxnSpPr>
+            <p:nvPr/>
+          </p:nvCxnSpPr>
+          <p:spPr>
+            <a:xfrm rot="10800000" flipH="1" flipV="1">
+              <a:off x="4928981" y="2080312"/>
+              <a:ext cx="24842" cy="4397427"/>
+            </a:xfrm>
+            <a:prstGeom prst="bentConnector3">
+              <a:avLst>
+                <a:gd name="adj1" fmla="val -2520590"/>
+              </a:avLst>
+            </a:prstGeom>
+            <a:ln w="28575">
+              <a:solidFill>
+                <a:srgbClr val="FF0000"/>
+              </a:solidFill>
+              <a:tailEnd type="triangle"/>
+            </a:ln>
+          </p:spPr>
+          <p:style>
+            <a:lnRef idx="1">
+              <a:schemeClr val="accent1"/>
+            </a:lnRef>
+            <a:fillRef idx="0">
+              <a:schemeClr val="accent1"/>
+            </a:fillRef>
+            <a:effectRef idx="0">
+              <a:schemeClr val="accent1"/>
+            </a:effectRef>
+            <a:fontRef idx="minor">
+              <a:schemeClr val="tx1"/>
+            </a:fontRef>
+          </p:style>
+        </p:cxnSp>
+        <p:cxnSp>
+          <p:nvCxnSpPr>
+            <p:cNvPr id="18" name="직선 화살표 연결선 17">
+              <a:extLst>
+                <a:ext uri="{FF2B5EF4-FFF2-40B4-BE49-F238E27FC236}">
+                  <a16:creationId xmlns:a16="http://schemas.microsoft.com/office/drawing/2014/main" id="{BFB80C8C-81F4-4E4D-A052-B24CFD51C8C2}"/>
+                </a:ext>
+              </a:extLst>
+            </p:cNvPr>
+            <p:cNvCxnSpPr>
+              <a:stCxn id="3" idx="2"/>
+              <a:endCxn id="56" idx="0"/>
+            </p:cNvCxnSpPr>
+            <p:nvPr/>
+          </p:nvCxnSpPr>
+          <p:spPr>
+            <a:xfrm>
+              <a:off x="5723284" y="2318852"/>
+              <a:ext cx="1" cy="125906"/>
+            </a:xfrm>
+            <a:prstGeom prst="straightConnector1">
+              <a:avLst/>
+            </a:prstGeom>
+            <a:ln w="28575">
+              <a:solidFill>
+                <a:srgbClr val="0070C0"/>
+              </a:solidFill>
+              <a:tailEnd type="triangle"/>
+            </a:ln>
+          </p:spPr>
+          <p:style>
+            <a:lnRef idx="1">
+              <a:schemeClr val="accent1"/>
+            </a:lnRef>
+            <a:fillRef idx="0">
+              <a:schemeClr val="accent1"/>
+            </a:fillRef>
+            <a:effectRef idx="0">
+              <a:schemeClr val="accent1"/>
+            </a:effectRef>
+            <a:fontRef idx="minor">
+              <a:schemeClr val="tx1"/>
+            </a:fontRef>
+          </p:style>
+        </p:cxnSp>
+        <p:sp>
+          <p:nvSpPr>
+            <p:cNvPr id="68" name="직사각형 67">
+              <a:extLst>
+                <a:ext uri="{FF2B5EF4-FFF2-40B4-BE49-F238E27FC236}">
+                  <a16:creationId xmlns:a16="http://schemas.microsoft.com/office/drawing/2014/main" id="{05091D45-178B-4F73-B6C2-AFCA7CE6B254}"/>
+                </a:ext>
+              </a:extLst>
+            </p:cNvPr>
+            <p:cNvSpPr/>
+            <p:nvPr/>
+          </p:nvSpPr>
+          <p:spPr>
+            <a:xfrm>
+              <a:off x="7078321" y="3087619"/>
+              <a:ext cx="1588605" cy="477078"/>
+            </a:xfrm>
+            <a:prstGeom prst="rect">
+              <a:avLst/>
+            </a:prstGeom>
+            <a:solidFill>
+              <a:schemeClr val="bg1"/>
+            </a:solidFill>
+            <a:ln>
+              <a:solidFill>
+                <a:schemeClr val="tx1"/>
+              </a:solidFill>
+            </a:ln>
+          </p:spPr>
+          <p:style>
+            <a:lnRef idx="2">
+              <a:schemeClr val="accent1">
+                <a:shade val="50000"/>
+              </a:schemeClr>
+            </a:lnRef>
+            <a:fillRef idx="1">
+              <a:schemeClr val="accent1"/>
+            </a:fillRef>
+            <a:effectRef idx="0">
+              <a:schemeClr val="accent1"/>
+            </a:effectRef>
+            <a:fontRef idx="minor">
+              <a:schemeClr val="lt1"/>
+            </a:fontRef>
+          </p:style>
+          <p:txBody>
+            <a:bodyPr rtlCol="0" anchor="ctr"/>
+            <a:lstStyle/>
+            <a:p>
+              <a:pPr algn="ctr"/>
+              <a:r>
+                <a:rPr lang="en-US" altLang="ko-KR" sz="1400" dirty="0">
+                  <a:solidFill>
+                    <a:schemeClr val="tx1"/>
+                  </a:solidFill>
+                  <a:latin typeface="이롭게 바탕체 OTF Medium" panose="020B0600000101010101" pitchFamily="34" charset="-127"/>
+                  <a:ea typeface="이롭게 바탕체 OTF Medium" panose="020B0600000101010101" pitchFamily="34" charset="-127"/>
+                </a:rPr>
+                <a:t>jump</a:t>
+              </a:r>
+              <a:endParaRPr lang="ko-KR" altLang="en-US" sz="1400" dirty="0">
+                <a:solidFill>
+                  <a:schemeClr val="tx1"/>
+                </a:solidFill>
+                <a:latin typeface="이롭게 바탕체 OTF Medium" panose="020B0600000101010101" pitchFamily="34" charset="-127"/>
+                <a:ea typeface="이롭게 바탕체 OTF Medium" panose="020B0600000101010101" pitchFamily="34" charset="-127"/>
+              </a:endParaRPr>
+            </a:p>
+          </p:txBody>
+        </p:sp>
+        <p:sp>
+          <p:nvSpPr>
+            <p:cNvPr id="71" name="직사각형 70">
+              <a:extLst>
+                <a:ext uri="{FF2B5EF4-FFF2-40B4-BE49-F238E27FC236}">
+                  <a16:creationId xmlns:a16="http://schemas.microsoft.com/office/drawing/2014/main" id="{9F13977F-B52D-4C7F-B2DF-4D888B172ECD}"/>
+                </a:ext>
+              </a:extLst>
+            </p:cNvPr>
+            <p:cNvSpPr/>
+            <p:nvPr/>
+          </p:nvSpPr>
+          <p:spPr>
+            <a:xfrm>
+              <a:off x="7087435" y="3750469"/>
+              <a:ext cx="1588605" cy="477078"/>
+            </a:xfrm>
+            <a:prstGeom prst="rect">
+              <a:avLst/>
+            </a:prstGeom>
+            <a:solidFill>
+              <a:schemeClr val="bg1"/>
+            </a:solidFill>
+            <a:ln>
+              <a:solidFill>
+                <a:schemeClr val="tx1"/>
+              </a:solidFill>
+            </a:ln>
+          </p:spPr>
+          <p:style>
+            <a:lnRef idx="2">
+              <a:schemeClr val="accent1">
+                <a:shade val="50000"/>
+              </a:schemeClr>
+            </a:lnRef>
+            <a:fillRef idx="1">
+              <a:schemeClr val="accent1"/>
+            </a:fillRef>
+            <a:effectRef idx="0">
+              <a:schemeClr val="accent1"/>
+            </a:effectRef>
+            <a:fontRef idx="minor">
+              <a:schemeClr val="lt1"/>
+            </a:fontRef>
+          </p:style>
+          <p:txBody>
+            <a:bodyPr rtlCol="0" anchor="ctr"/>
+            <a:lstStyle/>
+            <a:p>
+              <a:pPr algn="ctr"/>
+              <a:r>
+                <a:rPr lang="en-US" altLang="ko-KR" sz="1400" dirty="0">
+                  <a:solidFill>
+                    <a:schemeClr val="tx1"/>
+                  </a:solidFill>
+                  <a:latin typeface="이롭게 바탕체 OTF Medium" panose="020B0600000101010101" pitchFamily="34" charset="-127"/>
+                  <a:ea typeface="이롭게 바탕체 OTF Medium" panose="020B0600000101010101" pitchFamily="34" charset="-127"/>
+                </a:rPr>
+                <a:t>slide</a:t>
+              </a:r>
+              <a:endParaRPr lang="ko-KR" altLang="en-US" sz="1400" dirty="0">
+                <a:solidFill>
+                  <a:schemeClr val="tx1"/>
+                </a:solidFill>
+                <a:latin typeface="이롭게 바탕체 OTF Medium" panose="020B0600000101010101" pitchFamily="34" charset="-127"/>
+                <a:ea typeface="이롭게 바탕체 OTF Medium" panose="020B0600000101010101" pitchFamily="34" charset="-127"/>
+              </a:endParaRPr>
+            </a:p>
+          </p:txBody>
+        </p:sp>
+        <p:cxnSp>
+          <p:nvCxnSpPr>
+            <p:cNvPr id="29" name="연결선: 꺾임 28">
+              <a:extLst>
+                <a:ext uri="{FF2B5EF4-FFF2-40B4-BE49-F238E27FC236}">
+                  <a16:creationId xmlns:a16="http://schemas.microsoft.com/office/drawing/2014/main" id="{A2EDADED-5407-4767-B8AD-71C3A6A8292B}"/>
+                </a:ext>
+              </a:extLst>
+            </p:cNvPr>
+            <p:cNvCxnSpPr>
+              <a:cxnSpLocks/>
+              <a:stCxn id="52" idx="3"/>
+              <a:endCxn id="68" idx="1"/>
+            </p:cNvCxnSpPr>
+            <p:nvPr/>
+          </p:nvCxnSpPr>
+          <p:spPr>
+            <a:xfrm flipV="1">
+              <a:off x="6607039" y="3326158"/>
+              <a:ext cx="471282" cy="1846"/>
+            </a:xfrm>
+            <a:prstGeom prst="bentConnector3">
+              <a:avLst>
+                <a:gd name="adj1" fmla="val 50000"/>
+              </a:avLst>
+            </a:prstGeom>
+            <a:ln w="28575">
+              <a:solidFill>
+                <a:srgbClr val="0070C0"/>
+              </a:solidFill>
+              <a:tailEnd type="triangle"/>
+            </a:ln>
+          </p:spPr>
+          <p:style>
+            <a:lnRef idx="1">
+              <a:schemeClr val="accent1"/>
+            </a:lnRef>
+            <a:fillRef idx="0">
+              <a:schemeClr val="accent1"/>
+            </a:fillRef>
+            <a:effectRef idx="0">
+              <a:schemeClr val="accent1"/>
+            </a:effectRef>
+            <a:fontRef idx="minor">
+              <a:schemeClr val="tx1"/>
+            </a:fontRef>
+          </p:style>
+        </p:cxnSp>
+        <p:cxnSp>
+          <p:nvCxnSpPr>
+            <p:cNvPr id="35" name="연결선: 꺾임 34">
+              <a:extLst>
+                <a:ext uri="{FF2B5EF4-FFF2-40B4-BE49-F238E27FC236}">
+                  <a16:creationId xmlns:a16="http://schemas.microsoft.com/office/drawing/2014/main" id="{B7147A0D-4523-45D7-9E91-D49BAA9C49EC}"/>
+                </a:ext>
+              </a:extLst>
+            </p:cNvPr>
+            <p:cNvCxnSpPr>
+              <a:cxnSpLocks/>
+              <a:stCxn id="53" idx="3"/>
+              <a:endCxn id="71" idx="1"/>
+            </p:cNvCxnSpPr>
+            <p:nvPr/>
+          </p:nvCxnSpPr>
+          <p:spPr>
+            <a:xfrm flipV="1">
+              <a:off x="6611596" y="3989008"/>
+              <a:ext cx="475839" cy="2175"/>
+            </a:xfrm>
+            <a:prstGeom prst="bentConnector3">
+              <a:avLst>
+                <a:gd name="adj1" fmla="val 50000"/>
+              </a:avLst>
+            </a:prstGeom>
+            <a:ln w="28575">
+              <a:solidFill>
+                <a:srgbClr val="0070C0"/>
+              </a:solidFill>
+              <a:tailEnd type="triangle"/>
+            </a:ln>
+          </p:spPr>
+          <p:style>
+            <a:lnRef idx="1">
+              <a:schemeClr val="accent1"/>
+            </a:lnRef>
+            <a:fillRef idx="0">
+              <a:schemeClr val="accent1"/>
+            </a:fillRef>
+            <a:effectRef idx="0">
+              <a:schemeClr val="accent1"/>
+            </a:effectRef>
+            <a:fontRef idx="minor">
+              <a:schemeClr val="tx1"/>
+            </a:fontRef>
+          </p:style>
+        </p:cxnSp>
+        <p:sp>
+          <p:nvSpPr>
+            <p:cNvPr id="124" name="직사각형 123">
+              <a:extLst>
+                <a:ext uri="{FF2B5EF4-FFF2-40B4-BE49-F238E27FC236}">
+                  <a16:creationId xmlns:a16="http://schemas.microsoft.com/office/drawing/2014/main" id="{7654871C-9EB3-4192-9203-F951A6DB8356}"/>
+                </a:ext>
+              </a:extLst>
+            </p:cNvPr>
+            <p:cNvSpPr/>
+            <p:nvPr/>
+          </p:nvSpPr>
+          <p:spPr>
+            <a:xfrm>
+              <a:off x="4939748" y="4439355"/>
+              <a:ext cx="1588605" cy="477078"/>
+            </a:xfrm>
+            <a:prstGeom prst="rect">
+              <a:avLst/>
+            </a:prstGeom>
+            <a:solidFill>
+              <a:schemeClr val="bg1"/>
+            </a:solidFill>
+            <a:ln>
+              <a:solidFill>
+                <a:schemeClr val="tx1"/>
+              </a:solidFill>
+            </a:ln>
+          </p:spPr>
+          <p:style>
+            <a:lnRef idx="2">
+              <a:schemeClr val="accent1">
+                <a:shade val="50000"/>
+              </a:schemeClr>
+            </a:lnRef>
+            <a:fillRef idx="1">
+              <a:schemeClr val="accent1"/>
+            </a:fillRef>
+            <a:effectRef idx="0">
+              <a:schemeClr val="accent1"/>
+            </a:effectRef>
+            <a:fontRef idx="minor">
+              <a:schemeClr val="lt1"/>
+            </a:fontRef>
+          </p:style>
+          <p:txBody>
+            <a:bodyPr rtlCol="0" anchor="ctr"/>
+            <a:lstStyle/>
+            <a:p>
+              <a:pPr algn="ctr"/>
+              <a:r>
+                <a:rPr lang="en-US" altLang="ko-KR" sz="1400" dirty="0">
+                  <a:solidFill>
+                    <a:schemeClr val="tx1"/>
+                  </a:solidFill>
+                  <a:latin typeface="이롭게 바탕체 OTF Medium" panose="020B0600000101010101" pitchFamily="34" charset="-127"/>
+                  <a:ea typeface="이롭게 바탕체 OTF Medium" panose="020B0600000101010101" pitchFamily="34" charset="-127"/>
+                </a:rPr>
+                <a:t>create obstacle</a:t>
+              </a:r>
+              <a:endParaRPr lang="ko-KR" altLang="en-US" sz="1400" dirty="0">
+                <a:solidFill>
+                  <a:schemeClr val="tx1"/>
+                </a:solidFill>
+                <a:latin typeface="이롭게 바탕체 OTF Medium" panose="020B0600000101010101" pitchFamily="34" charset="-127"/>
+                <a:ea typeface="이롭게 바탕체 OTF Medium" panose="020B0600000101010101" pitchFamily="34" charset="-127"/>
+              </a:endParaRPr>
+            </a:p>
+          </p:txBody>
+        </p:sp>
+        <p:sp>
+          <p:nvSpPr>
+            <p:cNvPr id="129" name="직사각형 128">
+              <a:extLst>
+                <a:ext uri="{FF2B5EF4-FFF2-40B4-BE49-F238E27FC236}">
+                  <a16:creationId xmlns:a16="http://schemas.microsoft.com/office/drawing/2014/main" id="{3C136141-59EA-4E93-9CFF-ACE3D7D6AC06}"/>
+                </a:ext>
+              </a:extLst>
+            </p:cNvPr>
+            <p:cNvSpPr/>
+            <p:nvPr/>
+          </p:nvSpPr>
+          <p:spPr>
+            <a:xfrm>
+              <a:off x="4939748" y="5054423"/>
+              <a:ext cx="1588605" cy="477078"/>
+            </a:xfrm>
+            <a:prstGeom prst="rect">
+              <a:avLst/>
+            </a:prstGeom>
+            <a:solidFill>
+              <a:schemeClr val="bg1"/>
+            </a:solidFill>
+            <a:ln>
+              <a:solidFill>
+                <a:schemeClr val="tx1"/>
+              </a:solidFill>
+            </a:ln>
+          </p:spPr>
+          <p:style>
+            <a:lnRef idx="2">
+              <a:schemeClr val="accent1">
+                <a:shade val="50000"/>
+              </a:schemeClr>
+            </a:lnRef>
+            <a:fillRef idx="1">
+              <a:schemeClr val="accent1"/>
+            </a:fillRef>
+            <a:effectRef idx="0">
+              <a:schemeClr val="accent1"/>
+            </a:effectRef>
+            <a:fontRef idx="minor">
+              <a:schemeClr val="lt1"/>
+            </a:fontRef>
+          </p:style>
+          <p:txBody>
+            <a:bodyPr rtlCol="0" anchor="ctr"/>
+            <a:lstStyle/>
+            <a:p>
+              <a:pPr algn="ctr"/>
+              <a:r>
+                <a:rPr lang="en-US" altLang="ko-KR" sz="1400" dirty="0">
+                  <a:solidFill>
+                    <a:schemeClr val="tx1"/>
+                  </a:solidFill>
+                  <a:latin typeface="이롭게 바탕체 OTF Medium" panose="020B0600000101010101" pitchFamily="34" charset="-127"/>
+                  <a:ea typeface="이롭게 바탕체 OTF Medium" panose="020B0600000101010101" pitchFamily="34" charset="-127"/>
+                </a:rPr>
+                <a:t>collide obstacle</a:t>
+              </a:r>
+              <a:endParaRPr lang="ko-KR" altLang="en-US" sz="1400" dirty="0">
+                <a:solidFill>
+                  <a:schemeClr val="tx1"/>
+                </a:solidFill>
+                <a:latin typeface="이롭게 바탕체 OTF Medium" panose="020B0600000101010101" pitchFamily="34" charset="-127"/>
+                <a:ea typeface="이롭게 바탕체 OTF Medium" panose="020B0600000101010101" pitchFamily="34" charset="-127"/>
+              </a:endParaRPr>
+            </a:p>
+          </p:txBody>
+        </p:sp>
+        <p:cxnSp>
+          <p:nvCxnSpPr>
+            <p:cNvPr id="130" name="직선 화살표 연결선 129">
+              <a:extLst>
+                <a:ext uri="{FF2B5EF4-FFF2-40B4-BE49-F238E27FC236}">
+                  <a16:creationId xmlns:a16="http://schemas.microsoft.com/office/drawing/2014/main" id="{8EFE2848-0B2E-48D0-8181-860333DD1E34}"/>
+                </a:ext>
+              </a:extLst>
+            </p:cNvPr>
+            <p:cNvCxnSpPr>
+              <a:cxnSpLocks/>
+              <a:stCxn id="124" idx="2"/>
+              <a:endCxn id="129" idx="0"/>
+            </p:cNvCxnSpPr>
+            <p:nvPr/>
+          </p:nvCxnSpPr>
+          <p:spPr>
+            <a:xfrm>
+              <a:off x="5734051" y="4916433"/>
+              <a:ext cx="0" cy="137990"/>
+            </a:xfrm>
+            <a:prstGeom prst="straightConnector1">
+              <a:avLst/>
+            </a:prstGeom>
+            <a:ln w="28575">
+              <a:solidFill>
+                <a:schemeClr val="tx1"/>
+              </a:solidFill>
+              <a:tailEnd type="triangle"/>
+            </a:ln>
+          </p:spPr>
+          <p:style>
+            <a:lnRef idx="1">
+              <a:schemeClr val="accent1"/>
+            </a:lnRef>
+            <a:fillRef idx="0">
+              <a:schemeClr val="accent1"/>
+            </a:fillRef>
+            <a:effectRef idx="0">
+              <a:schemeClr val="accent1"/>
+            </a:effectRef>
+            <a:fontRef idx="minor">
+              <a:schemeClr val="tx1"/>
+            </a:fontRef>
+          </p:style>
+        </p:cxnSp>
+        <p:sp>
+          <p:nvSpPr>
+            <p:cNvPr id="131" name="직사각형 130">
+              <a:extLst>
+                <a:ext uri="{FF2B5EF4-FFF2-40B4-BE49-F238E27FC236}">
+                  <a16:creationId xmlns:a16="http://schemas.microsoft.com/office/drawing/2014/main" id="{6C10FB63-7C47-4E7C-A4FC-6B79C92EE86E}"/>
+                </a:ext>
+              </a:extLst>
+            </p:cNvPr>
+            <p:cNvSpPr/>
+            <p:nvPr/>
+          </p:nvSpPr>
+          <p:spPr>
+            <a:xfrm>
+              <a:off x="4948021" y="5669134"/>
+              <a:ext cx="1588605" cy="477078"/>
+            </a:xfrm>
+            <a:prstGeom prst="rect">
+              <a:avLst/>
+            </a:prstGeom>
+            <a:solidFill>
+              <a:schemeClr val="bg1"/>
+            </a:solidFill>
+            <a:ln>
+              <a:solidFill>
+                <a:schemeClr val="tx1"/>
+              </a:solidFill>
+            </a:ln>
+          </p:spPr>
+          <p:style>
+            <a:lnRef idx="2">
+              <a:schemeClr val="accent1">
+                <a:shade val="50000"/>
+              </a:schemeClr>
+            </a:lnRef>
+            <a:fillRef idx="1">
+              <a:schemeClr val="accent1"/>
+            </a:fillRef>
+            <a:effectRef idx="0">
+              <a:schemeClr val="accent1"/>
+            </a:effectRef>
+            <a:fontRef idx="minor">
+              <a:schemeClr val="lt1"/>
+            </a:fontRef>
+          </p:style>
+          <p:txBody>
+            <a:bodyPr rtlCol="0" anchor="ctr"/>
+            <a:lstStyle/>
+            <a:p>
+              <a:pPr algn="ctr"/>
+              <a:r>
+                <a:rPr lang="en-US" altLang="ko-KR" sz="1400" dirty="0">
+                  <a:solidFill>
+                    <a:schemeClr val="tx1"/>
+                  </a:solidFill>
+                  <a:latin typeface="이롭게 바탕체 OTF Medium" panose="020B0600000101010101" pitchFamily="34" charset="-127"/>
+                  <a:ea typeface="이롭게 바탕체 OTF Medium" panose="020B0600000101010101" pitchFamily="34" charset="-127"/>
+                </a:rPr>
+                <a:t>update, draw</a:t>
+              </a:r>
+              <a:endParaRPr lang="ko-KR" altLang="en-US" sz="1400" dirty="0">
+                <a:solidFill>
+                  <a:schemeClr val="tx1"/>
+                </a:solidFill>
+                <a:latin typeface="이롭게 바탕체 OTF Medium" panose="020B0600000101010101" pitchFamily="34" charset="-127"/>
+                <a:ea typeface="이롭게 바탕체 OTF Medium" panose="020B0600000101010101" pitchFamily="34" charset="-127"/>
+              </a:endParaRPr>
+            </a:p>
+          </p:txBody>
+        </p:sp>
+        <p:cxnSp>
+          <p:nvCxnSpPr>
+            <p:cNvPr id="132" name="직선 화살표 연결선 131">
+              <a:extLst>
+                <a:ext uri="{FF2B5EF4-FFF2-40B4-BE49-F238E27FC236}">
+                  <a16:creationId xmlns:a16="http://schemas.microsoft.com/office/drawing/2014/main" id="{9B26731F-F22C-4974-A94D-083263985D5A}"/>
+                </a:ext>
+              </a:extLst>
+            </p:cNvPr>
+            <p:cNvCxnSpPr>
+              <a:cxnSpLocks/>
+              <a:stCxn id="129" idx="2"/>
+              <a:endCxn id="131" idx="0"/>
+            </p:cNvCxnSpPr>
+            <p:nvPr/>
+          </p:nvCxnSpPr>
+          <p:spPr>
+            <a:xfrm>
+              <a:off x="5734051" y="5531501"/>
+              <a:ext cx="8273" cy="137633"/>
+            </a:xfrm>
+            <a:prstGeom prst="straightConnector1">
+              <a:avLst/>
+            </a:prstGeom>
+            <a:ln w="28575">
+              <a:solidFill>
+                <a:schemeClr val="tx1"/>
+              </a:solidFill>
+              <a:tailEnd type="triangle"/>
+            </a:ln>
+          </p:spPr>
+          <p:style>
+            <a:lnRef idx="1">
+              <a:schemeClr val="accent1"/>
+            </a:lnRef>
+            <a:fillRef idx="0">
+              <a:schemeClr val="accent1"/>
+            </a:fillRef>
+            <a:effectRef idx="0">
+              <a:schemeClr val="accent1"/>
+            </a:effectRef>
+            <a:fontRef idx="minor">
+              <a:schemeClr val="tx1"/>
+            </a:fontRef>
+          </p:style>
+        </p:cxnSp>
+        <p:cxnSp>
+          <p:nvCxnSpPr>
+            <p:cNvPr id="147" name="연결선: 꺾임 146">
+              <a:extLst>
+                <a:ext uri="{FF2B5EF4-FFF2-40B4-BE49-F238E27FC236}">
+                  <a16:creationId xmlns:a16="http://schemas.microsoft.com/office/drawing/2014/main" id="{F2EA2EEE-D2FD-4325-B167-12E2CD2B0307}"/>
+                </a:ext>
+              </a:extLst>
+            </p:cNvPr>
+            <p:cNvCxnSpPr>
+              <a:cxnSpLocks/>
+              <a:stCxn id="131" idx="3"/>
+            </p:cNvCxnSpPr>
+            <p:nvPr/>
+          </p:nvCxnSpPr>
+          <p:spPr>
+            <a:xfrm flipH="1" flipV="1">
+              <a:off x="5738187" y="1625548"/>
+              <a:ext cx="798439" cy="4282125"/>
+            </a:xfrm>
+            <a:prstGeom prst="bentConnector4">
+              <a:avLst>
+                <a:gd name="adj1" fmla="val -311205"/>
+                <a:gd name="adj2" fmla="val 99903"/>
+              </a:avLst>
+            </a:prstGeom>
+            <a:ln w="28575">
+              <a:solidFill>
+                <a:schemeClr val="tx1"/>
+              </a:solidFill>
+              <a:tailEnd type="triangle"/>
+            </a:ln>
+          </p:spPr>
+          <p:style>
+            <a:lnRef idx="1">
+              <a:schemeClr val="accent1"/>
+            </a:lnRef>
+            <a:fillRef idx="0">
+              <a:schemeClr val="accent1"/>
+            </a:fillRef>
+            <a:effectRef idx="0">
+              <a:schemeClr val="accent1"/>
+            </a:effectRef>
+            <a:fontRef idx="minor">
+              <a:schemeClr val="tx1"/>
+            </a:fontRef>
+          </p:style>
+        </p:cxnSp>
+        <p:cxnSp>
+          <p:nvCxnSpPr>
+            <p:cNvPr id="150" name="직선 화살표 연결선 149">
+              <a:extLst>
+                <a:ext uri="{FF2B5EF4-FFF2-40B4-BE49-F238E27FC236}">
+                  <a16:creationId xmlns:a16="http://schemas.microsoft.com/office/drawing/2014/main" id="{D5F06DFA-0FA9-401E-895A-2132943E7F56}"/>
+                </a:ext>
+              </a:extLst>
+            </p:cNvPr>
+            <p:cNvCxnSpPr>
+              <a:cxnSpLocks/>
+              <a:endCxn id="3" idx="0"/>
+            </p:cNvCxnSpPr>
+            <p:nvPr/>
+          </p:nvCxnSpPr>
+          <p:spPr>
+            <a:xfrm>
+              <a:off x="5723284" y="1476045"/>
+              <a:ext cx="0" cy="365729"/>
+            </a:xfrm>
+            <a:prstGeom prst="straightConnector1">
+              <a:avLst/>
+            </a:prstGeom>
+            <a:ln w="28575">
+              <a:solidFill>
+                <a:schemeClr val="tx1"/>
+              </a:solidFill>
+              <a:tailEnd type="triangle"/>
+            </a:ln>
+          </p:spPr>
+          <p:style>
+            <a:lnRef idx="1">
+              <a:schemeClr val="accent1"/>
+            </a:lnRef>
+            <a:fillRef idx="0">
+              <a:schemeClr val="accent1"/>
+            </a:fillRef>
+            <a:effectRef idx="0">
+              <a:schemeClr val="accent1"/>
+            </a:effectRef>
+            <a:fontRef idx="minor">
+              <a:schemeClr val="tx1"/>
+            </a:fontRef>
+          </p:style>
+        </p:cxnSp>
+        <p:cxnSp>
+          <p:nvCxnSpPr>
+            <p:cNvPr id="153" name="연결선: 꺾임 152">
+              <a:extLst>
+                <a:ext uri="{FF2B5EF4-FFF2-40B4-BE49-F238E27FC236}">
+                  <a16:creationId xmlns:a16="http://schemas.microsoft.com/office/drawing/2014/main" id="{69B36320-2B1C-4758-AED3-C11B1EC91861}"/>
+                </a:ext>
+              </a:extLst>
+            </p:cNvPr>
+            <p:cNvCxnSpPr>
+              <a:cxnSpLocks/>
+              <a:stCxn id="56" idx="3"/>
+              <a:endCxn id="68" idx="0"/>
+            </p:cNvCxnSpPr>
+            <p:nvPr/>
+          </p:nvCxnSpPr>
+          <p:spPr>
+            <a:xfrm>
+              <a:off x="6517587" y="2683297"/>
+              <a:ext cx="1355037" cy="404322"/>
+            </a:xfrm>
+            <a:prstGeom prst="bentConnector2">
+              <a:avLst/>
+            </a:prstGeom>
+            <a:ln w="28575">
+              <a:solidFill>
+                <a:srgbClr val="FF0000"/>
+              </a:solidFill>
+              <a:tailEnd type="triangle"/>
+            </a:ln>
+          </p:spPr>
+          <p:style>
+            <a:lnRef idx="1">
+              <a:schemeClr val="accent1"/>
+            </a:lnRef>
+            <a:fillRef idx="0">
+              <a:schemeClr val="accent1"/>
+            </a:fillRef>
+            <a:effectRef idx="0">
+              <a:schemeClr val="accent1"/>
+            </a:effectRef>
+            <a:fontRef idx="minor">
+              <a:schemeClr val="tx1"/>
+            </a:fontRef>
+          </p:style>
+        </p:cxnSp>
+        <p:cxnSp>
+          <p:nvCxnSpPr>
+            <p:cNvPr id="159" name="연결선: 꺾임 158">
+              <a:extLst>
+                <a:ext uri="{FF2B5EF4-FFF2-40B4-BE49-F238E27FC236}">
+                  <a16:creationId xmlns:a16="http://schemas.microsoft.com/office/drawing/2014/main" id="{0F7B3331-223B-4703-A67E-7681068137C8}"/>
+                </a:ext>
+              </a:extLst>
+            </p:cNvPr>
+            <p:cNvCxnSpPr>
+              <a:cxnSpLocks/>
+              <a:stCxn id="71" idx="2"/>
+              <a:endCxn id="124" idx="3"/>
+            </p:cNvCxnSpPr>
+            <p:nvPr/>
+          </p:nvCxnSpPr>
+          <p:spPr>
+            <a:xfrm rot="5400000">
+              <a:off x="6979873" y="3776028"/>
+              <a:ext cx="450347" cy="1353385"/>
+            </a:xfrm>
+            <a:prstGeom prst="bentConnector2">
+              <a:avLst/>
+            </a:prstGeom>
+            <a:ln w="28575">
+              <a:solidFill>
+                <a:schemeClr val="tx1"/>
+              </a:solidFill>
+              <a:tailEnd type="triangle"/>
+            </a:ln>
+          </p:spPr>
+          <p:style>
+            <a:lnRef idx="1">
+              <a:schemeClr val="accent1"/>
+            </a:lnRef>
+            <a:fillRef idx="0">
+              <a:schemeClr val="accent1"/>
+            </a:fillRef>
+            <a:effectRef idx="0">
+              <a:schemeClr val="accent1"/>
+            </a:effectRef>
+            <a:fontRef idx="minor">
+              <a:schemeClr val="tx1"/>
+            </a:fontRef>
+          </p:style>
+        </p:cxnSp>
+        <p:cxnSp>
+          <p:nvCxnSpPr>
+            <p:cNvPr id="222" name="직선 화살표 연결선 221">
+              <a:extLst>
+                <a:ext uri="{FF2B5EF4-FFF2-40B4-BE49-F238E27FC236}">
+                  <a16:creationId xmlns:a16="http://schemas.microsoft.com/office/drawing/2014/main" id="{AC257430-51EE-420D-B895-18122F74F23A}"/>
+                </a:ext>
+              </a:extLst>
+            </p:cNvPr>
+            <p:cNvCxnSpPr>
+              <a:stCxn id="53" idx="2"/>
+              <a:endCxn id="124" idx="0"/>
+            </p:cNvCxnSpPr>
+            <p:nvPr/>
+          </p:nvCxnSpPr>
+          <p:spPr>
+            <a:xfrm>
+              <a:off x="5727842" y="4259539"/>
+              <a:ext cx="6209" cy="179816"/>
+            </a:xfrm>
+            <a:prstGeom prst="straightConnector1">
+              <a:avLst/>
+            </a:prstGeom>
+            <a:ln w="28575">
+              <a:solidFill>
+                <a:srgbClr val="FF0000"/>
+              </a:solidFill>
+              <a:tailEnd type="triangle"/>
+            </a:ln>
+          </p:spPr>
+          <p:style>
+            <a:lnRef idx="1">
+              <a:schemeClr val="accent1"/>
+            </a:lnRef>
+            <a:fillRef idx="0">
+              <a:schemeClr val="accent1"/>
+            </a:fillRef>
+            <a:effectRef idx="0">
+              <a:schemeClr val="accent1"/>
+            </a:effectRef>
+            <a:fontRef idx="minor">
+              <a:schemeClr val="tx1"/>
+            </a:fontRef>
+          </p:style>
+        </p:cxnSp>
+        <p:cxnSp>
+          <p:nvCxnSpPr>
+            <p:cNvPr id="248" name="직선 화살표 연결선 247">
+              <a:extLst>
+                <a:ext uri="{FF2B5EF4-FFF2-40B4-BE49-F238E27FC236}">
+                  <a16:creationId xmlns:a16="http://schemas.microsoft.com/office/drawing/2014/main" id="{86CC97B5-1F81-4E94-B67D-06100F791E56}"/>
+                </a:ext>
+              </a:extLst>
+            </p:cNvPr>
+            <p:cNvCxnSpPr>
+              <a:stCxn id="68" idx="2"/>
+              <a:endCxn id="71" idx="0"/>
+            </p:cNvCxnSpPr>
+            <p:nvPr/>
+          </p:nvCxnSpPr>
+          <p:spPr>
+            <a:xfrm>
+              <a:off x="7872624" y="3564697"/>
+              <a:ext cx="9114" cy="185772"/>
+            </a:xfrm>
+            <a:prstGeom prst="straightConnector1">
+              <a:avLst/>
+            </a:prstGeom>
+            <a:ln w="28575">
+              <a:solidFill>
+                <a:schemeClr val="tx1"/>
+              </a:solidFill>
+              <a:tailEnd type="triangle"/>
+            </a:ln>
+          </p:spPr>
+          <p:style>
+            <a:lnRef idx="1">
+              <a:schemeClr val="accent1"/>
+            </a:lnRef>
+            <a:fillRef idx="0">
+              <a:schemeClr val="accent1"/>
+            </a:fillRef>
+            <a:effectRef idx="0">
+              <a:schemeClr val="accent1"/>
+            </a:effectRef>
+            <a:fontRef idx="minor">
+              <a:schemeClr val="tx1"/>
+            </a:fontRef>
+          </p:style>
+        </p:cxnSp>
+      </p:grpSp>
+      <p:sp>
+        <p:nvSpPr>
+          <p:cNvPr id="274" name="직사각형 273">
+            <a:extLst>
+              <a:ext uri="{FF2B5EF4-FFF2-40B4-BE49-F238E27FC236}">
+                <a16:creationId xmlns:a16="http://schemas.microsoft.com/office/drawing/2014/main" id="{C48351A4-EABD-467C-9E05-A57253A4D7D4}"/>
+              </a:ext>
+            </a:extLst>
+          </p:cNvPr>
+          <p:cNvSpPr/>
+          <p:nvPr/>
+        </p:nvSpPr>
+        <p:spPr>
+          <a:xfrm>
+            <a:off x="6111912" y="2211764"/>
+            <a:ext cx="2085561" cy="3379306"/>
+          </a:xfrm>
+          <a:prstGeom prst="rect">
+            <a:avLst/>
+          </a:prstGeom>
+          <a:solidFill>
+            <a:schemeClr val="accent1">
+              <a:lumMod val="20000"/>
+              <a:lumOff val="80000"/>
+            </a:schemeClr>
+          </a:solidFill>
+          <a:ln>
+            <a:noFill/>
+          </a:ln>
+        </p:spPr>
+        <p:style>
+          <a:lnRef idx="2">
+            <a:schemeClr val="accent1">
+              <a:shade val="50000"/>
+            </a:schemeClr>
+          </a:lnRef>
+          <a:fillRef idx="1">
+            <a:schemeClr val="accent1"/>
+          </a:fillRef>
+          <a:effectRef idx="0">
+            <a:schemeClr val="accent1"/>
+          </a:effectRef>
+          <a:fontRef idx="minor">
+            <a:schemeClr val="lt1"/>
+          </a:fontRef>
+        </p:style>
+        <p:txBody>
+          <a:bodyPr rtlCol="0" anchor="ctr"/>
+          <a:lstStyle/>
+          <a:p>
+            <a:pPr algn="ctr"/>
+            <a:endParaRPr lang="ko-KR" altLang="en-US"/>
           </a:p>
         </p:txBody>
       </p:sp>
       <p:sp>
         <p:nvSpPr>
-          <p:cNvPr id="3" name="내용 개체 틀 2">
-            <a:extLst>
-              <a:ext uri="{FF2B5EF4-FFF2-40B4-BE49-F238E27FC236}">
-                <a16:creationId xmlns:a16="http://schemas.microsoft.com/office/drawing/2014/main" id="{3682C3C4-878D-4795-B6F6-F27D834A0521}"/>
-              </a:ext>
-            </a:extLst>
-          </p:cNvPr>
-          <p:cNvSpPr>
-            <a:spLocks noGrp="1"/>
-          </p:cNvSpPr>
-          <p:nvPr>
-            <p:ph idx="1"/>
-          </p:nvPr>
+          <p:cNvPr id="275" name="TextBox 274">
+            <a:extLst>
+              <a:ext uri="{FF2B5EF4-FFF2-40B4-BE49-F238E27FC236}">
+                <a16:creationId xmlns:a16="http://schemas.microsoft.com/office/drawing/2014/main" id="{F431D0DA-2B45-47EE-99E6-216A6777427B}"/>
+              </a:ext>
+            </a:extLst>
+          </p:cNvPr>
+          <p:cNvSpPr txBox="1"/>
+          <p:nvPr/>
         </p:nvSpPr>
-        <p:spPr/>
+        <p:spPr>
+          <a:xfrm>
+            <a:off x="6058071" y="1552907"/>
+            <a:ext cx="2122011" cy="646331"/>
+          </a:xfrm>
+          <a:prstGeom prst="rect">
+            <a:avLst/>
+          </a:prstGeom>
+          <a:noFill/>
+        </p:spPr>
         <p:txBody>
-          <a:bodyPr/>
+          <a:bodyPr wrap="square" rtlCol="0">
+            <a:spAutoFit/>
+          </a:bodyPr>
           <a:lstStyle/>
           <a:p>
-            <a:pPr marL="0" indent="0">
-              <a:buNone/>
-            </a:pPr>
-            <a:endParaRPr lang="en-US" altLang="ko-KR" dirty="0"/>
+            <a:r>
+              <a:rPr lang="en-US" altLang="ko-KR" dirty="0">
+                <a:latin typeface="이롭게 바탕체 OTF Medium" panose="020B0600000101010101" pitchFamily="34" charset="-127"/>
+                <a:ea typeface="이롭게 바탕체 OTF Medium" panose="020B0600000101010101" pitchFamily="34" charset="-127"/>
+              </a:rPr>
+              <a:t>widgets.py </a:t>
+            </a:r>
+            <a:r>
+              <a:rPr lang="en-US" altLang="ko-KR" dirty="0" err="1">
+                <a:latin typeface="이롭게 바탕체 OTF Medium" panose="020B0600000101010101" pitchFamily="34" charset="-127"/>
+                <a:ea typeface="이롭게 바탕체 OTF Medium" panose="020B0600000101010101" pitchFamily="34" charset="-127"/>
+              </a:rPr>
+              <a:t>gameWidget</a:t>
+            </a:r>
+            <a:endParaRPr lang="ko-KR" altLang="en-US" dirty="0">
+              <a:latin typeface="이롭게 바탕체 OTF Medium" panose="020B0600000101010101" pitchFamily="34" charset="-127"/>
+              <a:ea typeface="이롭게 바탕체 OTF Medium" panose="020B0600000101010101" pitchFamily="34" charset="-127"/>
+            </a:endParaRPr>
           </a:p>
         </p:txBody>
       </p:sp>
+      <p:sp>
+        <p:nvSpPr>
+          <p:cNvPr id="276" name="직사각형 275">
+            <a:extLst>
+              <a:ext uri="{FF2B5EF4-FFF2-40B4-BE49-F238E27FC236}">
+                <a16:creationId xmlns:a16="http://schemas.microsoft.com/office/drawing/2014/main" id="{9F17E9F5-AB40-43F4-8678-885AA7FD1B4B}"/>
+              </a:ext>
+            </a:extLst>
+          </p:cNvPr>
+          <p:cNvSpPr/>
+          <p:nvPr/>
+        </p:nvSpPr>
+        <p:spPr>
+          <a:xfrm>
+            <a:off x="6373641" y="4117391"/>
+            <a:ext cx="1490870" cy="680208"/>
+          </a:xfrm>
+          <a:prstGeom prst="rect">
+            <a:avLst/>
+          </a:prstGeom>
+          <a:solidFill>
+            <a:schemeClr val="bg1"/>
+          </a:solidFill>
+          <a:ln>
+            <a:solidFill>
+              <a:schemeClr val="tx1"/>
+            </a:solidFill>
+          </a:ln>
+        </p:spPr>
+        <p:style>
+          <a:lnRef idx="2">
+            <a:schemeClr val="accent1">
+              <a:shade val="50000"/>
+            </a:schemeClr>
+          </a:lnRef>
+          <a:fillRef idx="1">
+            <a:schemeClr val="accent1"/>
+          </a:fillRef>
+          <a:effectRef idx="0">
+            <a:schemeClr val="accent1"/>
+          </a:effectRef>
+          <a:fontRef idx="minor">
+            <a:schemeClr val="lt1"/>
+          </a:fontRef>
+        </p:style>
+        <p:txBody>
+          <a:bodyPr rtlCol="0" anchor="ctr"/>
+          <a:lstStyle/>
+          <a:p>
+            <a:pPr algn="ctr"/>
+            <a:r>
+              <a:rPr lang="en-US" altLang="ko-KR" dirty="0">
+                <a:solidFill>
+                  <a:schemeClr val="tx1"/>
+                </a:solidFill>
+                <a:latin typeface="이롭게 바탕체 OTF Medium" panose="020B0600000101010101" pitchFamily="34" charset="-127"/>
+                <a:ea typeface="이롭게 바탕체 OTF Medium" panose="020B0600000101010101" pitchFamily="34" charset="-127"/>
+              </a:rPr>
+              <a:t>game</a:t>
+            </a:r>
+            <a:endParaRPr lang="ko-KR" altLang="en-US" dirty="0">
+              <a:solidFill>
+                <a:schemeClr val="tx1"/>
+              </a:solidFill>
+              <a:latin typeface="이롭게 바탕체 OTF Medium" panose="020B0600000101010101" pitchFamily="34" charset="-127"/>
+              <a:ea typeface="이롭게 바탕체 OTF Medium" panose="020B0600000101010101" pitchFamily="34" charset="-127"/>
+            </a:endParaRPr>
+          </a:p>
+        </p:txBody>
+      </p:sp>
+      <p:sp>
+        <p:nvSpPr>
+          <p:cNvPr id="277" name="직사각형 276">
+            <a:extLst>
+              <a:ext uri="{FF2B5EF4-FFF2-40B4-BE49-F238E27FC236}">
+                <a16:creationId xmlns:a16="http://schemas.microsoft.com/office/drawing/2014/main" id="{7CD68788-1408-42BF-8CF5-0A4E65A5FCA7}"/>
+              </a:ext>
+            </a:extLst>
+          </p:cNvPr>
+          <p:cNvSpPr/>
+          <p:nvPr/>
+        </p:nvSpPr>
+        <p:spPr>
+          <a:xfrm>
+            <a:off x="8705021" y="2199238"/>
+            <a:ext cx="2184463" cy="3379306"/>
+          </a:xfrm>
+          <a:prstGeom prst="rect">
+            <a:avLst/>
+          </a:prstGeom>
+          <a:solidFill>
+            <a:schemeClr val="accent1">
+              <a:lumMod val="20000"/>
+              <a:lumOff val="80000"/>
+            </a:schemeClr>
+          </a:solidFill>
+          <a:ln>
+            <a:noFill/>
+          </a:ln>
+        </p:spPr>
+        <p:style>
+          <a:lnRef idx="2">
+            <a:schemeClr val="accent1">
+              <a:shade val="50000"/>
+            </a:schemeClr>
+          </a:lnRef>
+          <a:fillRef idx="1">
+            <a:schemeClr val="accent1"/>
+          </a:fillRef>
+          <a:effectRef idx="0">
+            <a:schemeClr val="accent1"/>
+          </a:effectRef>
+          <a:fontRef idx="minor">
+            <a:schemeClr val="lt1"/>
+          </a:fontRef>
+        </p:style>
+        <p:txBody>
+          <a:bodyPr rtlCol="0" anchor="ctr"/>
+          <a:lstStyle/>
+          <a:p>
+            <a:pPr algn="ctr"/>
+            <a:endParaRPr lang="ko-KR" altLang="en-US"/>
+          </a:p>
+        </p:txBody>
+      </p:sp>
+      <p:sp>
+        <p:nvSpPr>
+          <p:cNvPr id="278" name="TextBox 277">
+            <a:extLst>
+              <a:ext uri="{FF2B5EF4-FFF2-40B4-BE49-F238E27FC236}">
+                <a16:creationId xmlns:a16="http://schemas.microsoft.com/office/drawing/2014/main" id="{E10D1F05-168F-4E22-9680-180DF1E16CC8}"/>
+              </a:ext>
+            </a:extLst>
+          </p:cNvPr>
+          <p:cNvSpPr txBox="1"/>
+          <p:nvPr/>
+        </p:nvSpPr>
+        <p:spPr>
+          <a:xfrm>
+            <a:off x="8685142" y="1822855"/>
+            <a:ext cx="2297597" cy="369332"/>
+          </a:xfrm>
+          <a:prstGeom prst="rect">
+            <a:avLst/>
+          </a:prstGeom>
+          <a:noFill/>
+        </p:spPr>
+        <p:txBody>
+          <a:bodyPr wrap="square" rtlCol="0">
+            <a:spAutoFit/>
+          </a:bodyPr>
+          <a:lstStyle/>
+          <a:p>
+            <a:r>
+              <a:rPr lang="en-US" altLang="ko-KR" dirty="0">
+                <a:latin typeface="이롭게 바탕체 OTF Medium" panose="020B0600000101010101" pitchFamily="34" charset="-127"/>
+                <a:ea typeface="이롭게 바탕체 OTF Medium" panose="020B0600000101010101" pitchFamily="34" charset="-127"/>
+              </a:rPr>
+              <a:t>main.py </a:t>
+            </a:r>
+            <a:r>
+              <a:rPr lang="en-US" altLang="ko-KR" dirty="0" err="1">
+                <a:latin typeface="이롭게 바탕체 OTF Medium" panose="020B0600000101010101" pitchFamily="34" charset="-127"/>
+                <a:ea typeface="이롭게 바탕체 OTF Medium" panose="020B0600000101010101" pitchFamily="34" charset="-127"/>
+              </a:rPr>
+              <a:t>new_content</a:t>
+            </a:r>
+            <a:endParaRPr lang="ko-KR" altLang="en-US" dirty="0">
+              <a:latin typeface="이롭게 바탕체 OTF Medium" panose="020B0600000101010101" pitchFamily="34" charset="-127"/>
+              <a:ea typeface="이롭게 바탕체 OTF Medium" panose="020B0600000101010101" pitchFamily="34" charset="-127"/>
+            </a:endParaRPr>
+          </a:p>
+        </p:txBody>
+      </p:sp>
+      <p:sp>
+        <p:nvSpPr>
+          <p:cNvPr id="279" name="직사각형 278">
+            <a:extLst>
+              <a:ext uri="{FF2B5EF4-FFF2-40B4-BE49-F238E27FC236}">
+                <a16:creationId xmlns:a16="http://schemas.microsoft.com/office/drawing/2014/main" id="{2A3166DE-420D-4470-B91C-46FAEA007346}"/>
+              </a:ext>
+            </a:extLst>
+          </p:cNvPr>
+          <p:cNvSpPr/>
+          <p:nvPr/>
+        </p:nvSpPr>
+        <p:spPr>
+          <a:xfrm>
+            <a:off x="9085368" y="3349230"/>
+            <a:ext cx="1490870" cy="680208"/>
+          </a:xfrm>
+          <a:prstGeom prst="rect">
+            <a:avLst/>
+          </a:prstGeom>
+          <a:solidFill>
+            <a:schemeClr val="bg1"/>
+          </a:solidFill>
+          <a:ln>
+            <a:solidFill>
+              <a:schemeClr val="tx1"/>
+            </a:solidFill>
+          </a:ln>
+        </p:spPr>
+        <p:style>
+          <a:lnRef idx="2">
+            <a:schemeClr val="accent1">
+              <a:shade val="50000"/>
+            </a:schemeClr>
+          </a:lnRef>
+          <a:fillRef idx="1">
+            <a:schemeClr val="accent1"/>
+          </a:fillRef>
+          <a:effectRef idx="0">
+            <a:schemeClr val="accent1"/>
+          </a:effectRef>
+          <a:fontRef idx="minor">
+            <a:schemeClr val="lt1"/>
+          </a:fontRef>
+        </p:style>
+        <p:txBody>
+          <a:bodyPr rtlCol="0" anchor="ctr"/>
+          <a:lstStyle/>
+          <a:p>
+            <a:pPr algn="ctr"/>
+            <a:r>
+              <a:rPr lang="en-US" altLang="ko-KR" dirty="0">
+                <a:solidFill>
+                  <a:schemeClr val="tx1"/>
+                </a:solidFill>
+                <a:latin typeface="이롭게 바탕체 OTF Medium" panose="020B0600000101010101" pitchFamily="34" charset="-127"/>
+                <a:ea typeface="이롭게 바탕체 OTF Medium" panose="020B0600000101010101" pitchFamily="34" charset="-127"/>
+              </a:rPr>
+              <a:t>‘Result’</a:t>
+            </a:r>
+            <a:endParaRPr lang="ko-KR" altLang="en-US" dirty="0">
+              <a:solidFill>
+                <a:schemeClr val="tx1"/>
+              </a:solidFill>
+              <a:latin typeface="이롭게 바탕체 OTF Medium" panose="020B0600000101010101" pitchFamily="34" charset="-127"/>
+              <a:ea typeface="이롭게 바탕체 OTF Medium" panose="020B0600000101010101" pitchFamily="34" charset="-127"/>
+            </a:endParaRPr>
+          </a:p>
+        </p:txBody>
+      </p:sp>
+      <p:cxnSp>
+        <p:nvCxnSpPr>
+          <p:cNvPr id="281" name="연결선: 꺾임 280">
+            <a:extLst>
+              <a:ext uri="{FF2B5EF4-FFF2-40B4-BE49-F238E27FC236}">
+                <a16:creationId xmlns:a16="http://schemas.microsoft.com/office/drawing/2014/main" id="{C79039A0-4871-4459-953C-A7A30D1D2478}"/>
+              </a:ext>
+            </a:extLst>
+          </p:cNvPr>
+          <p:cNvCxnSpPr>
+            <a:cxnSpLocks/>
+            <a:stCxn id="61" idx="3"/>
+            <a:endCxn id="276" idx="2"/>
+          </p:cNvCxnSpPr>
+          <p:nvPr/>
+        </p:nvCxnSpPr>
+        <p:spPr>
+          <a:xfrm flipV="1">
+            <a:off x="2776354" y="4797599"/>
+            <a:ext cx="4342722" cy="1547012"/>
+          </a:xfrm>
+          <a:prstGeom prst="bentConnector2">
+            <a:avLst/>
+          </a:prstGeom>
+          <a:ln w="28575">
+            <a:solidFill>
+              <a:schemeClr val="tx1"/>
+            </a:solidFill>
+            <a:tailEnd type="triangle"/>
+          </a:ln>
+        </p:spPr>
+        <p:style>
+          <a:lnRef idx="1">
+            <a:schemeClr val="accent1"/>
+          </a:lnRef>
+          <a:fillRef idx="0">
+            <a:schemeClr val="accent1"/>
+          </a:fillRef>
+          <a:effectRef idx="0">
+            <a:schemeClr val="accent1"/>
+          </a:effectRef>
+          <a:fontRef idx="minor">
+            <a:schemeClr val="tx1"/>
+          </a:fontRef>
+        </p:style>
+      </p:cxnSp>
+      <p:cxnSp>
+        <p:nvCxnSpPr>
+          <p:cNvPr id="284" name="직선 화살표 연결선 283">
+            <a:extLst>
+              <a:ext uri="{FF2B5EF4-FFF2-40B4-BE49-F238E27FC236}">
+                <a16:creationId xmlns:a16="http://schemas.microsoft.com/office/drawing/2014/main" id="{7D8D3F79-835D-4672-BE90-20E9D86C0FB0}"/>
+              </a:ext>
+            </a:extLst>
+          </p:cNvPr>
+          <p:cNvCxnSpPr>
+            <a:cxnSpLocks/>
+            <a:stCxn id="287" idx="3"/>
+            <a:endCxn id="279" idx="1"/>
+          </p:cNvCxnSpPr>
+          <p:nvPr/>
+        </p:nvCxnSpPr>
+        <p:spPr>
+          <a:xfrm>
+            <a:off x="7864511" y="3368818"/>
+            <a:ext cx="1220857" cy="320516"/>
+          </a:xfrm>
+          <a:prstGeom prst="straightConnector1">
+            <a:avLst/>
+          </a:prstGeom>
+          <a:ln w="28575">
+            <a:solidFill>
+              <a:srgbClr val="00B050"/>
+            </a:solidFill>
+            <a:tailEnd type="triangle"/>
+          </a:ln>
+        </p:spPr>
+        <p:style>
+          <a:lnRef idx="1">
+            <a:schemeClr val="accent1"/>
+          </a:lnRef>
+          <a:fillRef idx="0">
+            <a:schemeClr val="accent1"/>
+          </a:fillRef>
+          <a:effectRef idx="0">
+            <a:schemeClr val="accent1"/>
+          </a:effectRef>
+          <a:fontRef idx="minor">
+            <a:schemeClr val="tx1"/>
+          </a:fontRef>
+        </p:style>
+      </p:cxnSp>
+      <p:sp>
+        <p:nvSpPr>
+          <p:cNvPr id="287" name="직사각형 286">
+            <a:extLst>
+              <a:ext uri="{FF2B5EF4-FFF2-40B4-BE49-F238E27FC236}">
+                <a16:creationId xmlns:a16="http://schemas.microsoft.com/office/drawing/2014/main" id="{2D825826-0989-4B0E-A909-AD0EDFF8D48C}"/>
+              </a:ext>
+            </a:extLst>
+          </p:cNvPr>
+          <p:cNvSpPr/>
+          <p:nvPr/>
+        </p:nvSpPr>
+        <p:spPr>
+          <a:xfrm>
+            <a:off x="6373641" y="3028714"/>
+            <a:ext cx="1490870" cy="680208"/>
+          </a:xfrm>
+          <a:prstGeom prst="rect">
+            <a:avLst/>
+          </a:prstGeom>
+          <a:solidFill>
+            <a:schemeClr val="bg1"/>
+          </a:solidFill>
+          <a:ln>
+            <a:solidFill>
+              <a:schemeClr val="tx1"/>
+            </a:solidFill>
+          </a:ln>
+        </p:spPr>
+        <p:style>
+          <a:lnRef idx="2">
+            <a:schemeClr val="accent1">
+              <a:shade val="50000"/>
+            </a:schemeClr>
+          </a:lnRef>
+          <a:fillRef idx="1">
+            <a:schemeClr val="accent1"/>
+          </a:fillRef>
+          <a:effectRef idx="0">
+            <a:schemeClr val="accent1"/>
+          </a:effectRef>
+          <a:fontRef idx="minor">
+            <a:schemeClr val="lt1"/>
+          </a:fontRef>
+        </p:style>
+        <p:txBody>
+          <a:bodyPr rtlCol="0" anchor="ctr"/>
+          <a:lstStyle/>
+          <a:p>
+            <a:pPr algn="ctr"/>
+            <a:r>
+              <a:rPr lang="en-US" altLang="ko-KR" sz="1600" dirty="0" err="1">
+                <a:solidFill>
+                  <a:schemeClr val="tx1"/>
+                </a:solidFill>
+                <a:latin typeface="이롭게 바탕체 OTF Medium" panose="020B0600000101010101" pitchFamily="34" charset="-127"/>
+                <a:ea typeface="이롭게 바탕체 OTF Medium" panose="020B0600000101010101" pitchFamily="34" charset="-127"/>
+              </a:rPr>
+              <a:t>gameFinished</a:t>
+            </a:r>
+            <a:endParaRPr lang="ko-KR" altLang="en-US" sz="1600" dirty="0">
+              <a:solidFill>
+                <a:schemeClr val="tx1"/>
+              </a:solidFill>
+              <a:latin typeface="이롭게 바탕체 OTF Medium" panose="020B0600000101010101" pitchFamily="34" charset="-127"/>
+              <a:ea typeface="이롭게 바탕체 OTF Medium" panose="020B0600000101010101" pitchFamily="34" charset="-127"/>
+            </a:endParaRPr>
+          </a:p>
+        </p:txBody>
+      </p:sp>
+      <p:cxnSp>
+        <p:nvCxnSpPr>
+          <p:cNvPr id="293" name="직선 화살표 연결선 292">
+            <a:extLst>
+              <a:ext uri="{FF2B5EF4-FFF2-40B4-BE49-F238E27FC236}">
+                <a16:creationId xmlns:a16="http://schemas.microsoft.com/office/drawing/2014/main" id="{8EA71E6A-4430-45CB-9F1B-CD8C54A3179B}"/>
+              </a:ext>
+            </a:extLst>
+          </p:cNvPr>
+          <p:cNvCxnSpPr>
+            <a:stCxn id="276" idx="0"/>
+            <a:endCxn id="287" idx="2"/>
+          </p:cNvCxnSpPr>
+          <p:nvPr/>
+        </p:nvCxnSpPr>
+        <p:spPr>
+          <a:xfrm flipV="1">
+            <a:off x="7119076" y="3708922"/>
+            <a:ext cx="0" cy="408469"/>
+          </a:xfrm>
+          <a:prstGeom prst="straightConnector1">
+            <a:avLst/>
+          </a:prstGeom>
+          <a:ln w="28575">
+            <a:solidFill>
+              <a:schemeClr val="tx1"/>
+            </a:solidFill>
+            <a:tailEnd type="triangle"/>
+          </a:ln>
+        </p:spPr>
+        <p:style>
+          <a:lnRef idx="1">
+            <a:schemeClr val="accent1"/>
+          </a:lnRef>
+          <a:fillRef idx="0">
+            <a:schemeClr val="accent1"/>
+          </a:fillRef>
+          <a:effectRef idx="0">
+            <a:schemeClr val="accent1"/>
+          </a:effectRef>
+          <a:fontRef idx="minor">
+            <a:schemeClr val="tx1"/>
+          </a:fontRef>
+        </p:style>
+      </p:cxnSp>
     </p:spTree>
     <p:extLst>
       <p:ext uri="{BB962C8B-B14F-4D97-AF65-F5344CB8AC3E}">
-        <p14:creationId xmlns:p14="http://schemas.microsoft.com/office/powerpoint/2010/main" val="1493780045"/>
+        <p14:creationId xmlns:p14="http://schemas.microsoft.com/office/powerpoint/2010/main" val="536016053"/>
       </p:ext>
     </p:extLst>
   </p:cSld>
@@ -4403,6 +6380,189 @@
 </p:sld>
 </file>
 
+<file path=ppt/slides/slide14.xml><?xml version="1.0" encoding="utf-8"?>
+<p:sld xmlns:a="http://schemas.openxmlformats.org/drawingml/2006/main" xmlns:r="http://schemas.openxmlformats.org/officeDocument/2006/relationships" xmlns:p="http://schemas.openxmlformats.org/presentationml/2006/main">
+  <p:cSld>
+    <p:spTree>
+      <p:nvGrpSpPr>
+        <p:cNvPr id="1" name=""/>
+        <p:cNvGrpSpPr/>
+        <p:nvPr/>
+      </p:nvGrpSpPr>
+      <p:grpSpPr>
+        <a:xfrm>
+          <a:off x="0" y="0"/>
+          <a:ext cx="0" cy="0"/>
+          <a:chOff x="0" y="0"/>
+          <a:chExt cx="0" cy="0"/>
+        </a:xfrm>
+      </p:grpSpPr>
+      <p:pic>
+        <p:nvPicPr>
+          <p:cNvPr id="10" name="그림 9">
+            <a:extLst>
+              <a:ext uri="{FF2B5EF4-FFF2-40B4-BE49-F238E27FC236}">
+                <a16:creationId xmlns:a16="http://schemas.microsoft.com/office/drawing/2014/main" id="{9621AE11-2222-45E8-A94E-3C8E4A50A5E5}"/>
+              </a:ext>
+            </a:extLst>
+          </p:cNvPr>
+          <p:cNvPicPr>
+            <a:picLocks noChangeAspect="1"/>
+          </p:cNvPicPr>
+          <p:nvPr/>
+        </p:nvPicPr>
+        <p:blipFill>
+          <a:blip r:embed="rId2">
+            <a:extLst>
+              <a:ext uri="{28A0092B-C50C-407E-A947-70E740481C1C}">
+                <a14:useLocalDpi xmlns:a14="http://schemas.microsoft.com/office/drawing/2010/main" val="0"/>
+              </a:ext>
+            </a:extLst>
+          </a:blip>
+          <a:stretch>
+            <a:fillRect/>
+          </a:stretch>
+        </p:blipFill>
+        <p:spPr>
+          <a:xfrm>
+            <a:off x="7894153" y="365125"/>
+            <a:ext cx="4127144" cy="5329657"/>
+          </a:xfrm>
+          <a:prstGeom prst="rect">
+            <a:avLst/>
+          </a:prstGeom>
+        </p:spPr>
+      </p:pic>
+      <p:pic>
+        <p:nvPicPr>
+          <p:cNvPr id="5" name="그림 4">
+            <a:extLst>
+              <a:ext uri="{FF2B5EF4-FFF2-40B4-BE49-F238E27FC236}">
+                <a16:creationId xmlns:a16="http://schemas.microsoft.com/office/drawing/2014/main" id="{2F97889F-7D41-415C-AAA1-4C8913C7B05F}"/>
+              </a:ext>
+            </a:extLst>
+          </p:cNvPr>
+          <p:cNvPicPr>
+            <a:picLocks noChangeAspect="1"/>
+          </p:cNvPicPr>
+          <p:nvPr/>
+        </p:nvPicPr>
+        <p:blipFill rotWithShape="1">
+          <a:blip r:embed="rId3">
+            <a:extLst>
+              <a:ext uri="{28A0092B-C50C-407E-A947-70E740481C1C}">
+                <a14:useLocalDpi xmlns:a14="http://schemas.microsoft.com/office/drawing/2010/main" val="0"/>
+              </a:ext>
+            </a:extLst>
+          </a:blip>
+          <a:srcRect t="4348" b="46232"/>
+          <a:stretch/>
+        </p:blipFill>
+        <p:spPr>
+          <a:xfrm>
+            <a:off x="30585" y="1705442"/>
+            <a:ext cx="4335592" cy="2766963"/>
+          </a:xfrm>
+          <a:prstGeom prst="rect">
+            <a:avLst/>
+          </a:prstGeom>
+        </p:spPr>
+      </p:pic>
+      <p:sp>
+        <p:nvSpPr>
+          <p:cNvPr id="6" name="제목 1">
+            <a:extLst>
+              <a:ext uri="{FF2B5EF4-FFF2-40B4-BE49-F238E27FC236}">
+                <a16:creationId xmlns:a16="http://schemas.microsoft.com/office/drawing/2014/main" id="{91554BA5-9414-4E77-B49C-7D56017463C5}"/>
+              </a:ext>
+            </a:extLst>
+          </p:cNvPr>
+          <p:cNvSpPr>
+            <a:spLocks noGrp="1"/>
+          </p:cNvSpPr>
+          <p:nvPr>
+            <p:ph type="title"/>
+          </p:nvPr>
+        </p:nvSpPr>
+        <p:spPr>
+          <a:xfrm>
+            <a:off x="838200" y="365125"/>
+            <a:ext cx="10515600" cy="1325563"/>
+          </a:xfrm>
+        </p:spPr>
+        <p:txBody>
+          <a:bodyPr/>
+          <a:lstStyle/>
+          <a:p>
+            <a:r>
+              <a:rPr lang="ko-KR" altLang="en-US" b="1" dirty="0">
+                <a:latin typeface="HY견고딕" panose="02030600000101010101" pitchFamily="18" charset="-127"/>
+                <a:ea typeface="HY견고딕" panose="02030600000101010101" pitchFamily="18" charset="-127"/>
+              </a:rPr>
+              <a:t>초기 아이디어</a:t>
+            </a:r>
+            <a:r>
+              <a:rPr lang="en-US" altLang="ko-KR" b="1" dirty="0">
+                <a:latin typeface="HY견고딕" panose="02030600000101010101" pitchFamily="18" charset="-127"/>
+                <a:ea typeface="HY견고딕" panose="02030600000101010101" pitchFamily="18" charset="-127"/>
+              </a:rPr>
+              <a:t>..</a:t>
+            </a:r>
+            <a:endParaRPr lang="ko-KR" altLang="en-US" b="1" dirty="0">
+              <a:latin typeface="HY견고딕" panose="02030600000101010101" pitchFamily="18" charset="-127"/>
+              <a:ea typeface="HY견고딕" panose="02030600000101010101" pitchFamily="18" charset="-127"/>
+            </a:endParaRPr>
+          </a:p>
+        </p:txBody>
+      </p:sp>
+      <p:pic>
+        <p:nvPicPr>
+          <p:cNvPr id="8" name="그림 7">
+            <a:extLst>
+              <a:ext uri="{FF2B5EF4-FFF2-40B4-BE49-F238E27FC236}">
+                <a16:creationId xmlns:a16="http://schemas.microsoft.com/office/drawing/2014/main" id="{C40BCFC4-A63C-4D72-8352-0A5F736360F4}"/>
+              </a:ext>
+            </a:extLst>
+          </p:cNvPr>
+          <p:cNvPicPr>
+            <a:picLocks noChangeAspect="1"/>
+          </p:cNvPicPr>
+          <p:nvPr/>
+        </p:nvPicPr>
+        <p:blipFill rotWithShape="1">
+          <a:blip r:embed="rId4">
+            <a:extLst>
+              <a:ext uri="{28A0092B-C50C-407E-A947-70E740481C1C}">
+                <a14:useLocalDpi xmlns:a14="http://schemas.microsoft.com/office/drawing/2010/main" val="0"/>
+              </a:ext>
+            </a:extLst>
+          </a:blip>
+          <a:srcRect l="7162" t="2737" r="8696" b="6974"/>
+          <a:stretch/>
+        </p:blipFill>
+        <p:spPr>
+          <a:xfrm>
+            <a:off x="4109005" y="2101563"/>
+            <a:ext cx="3443158" cy="4771192"/>
+          </a:xfrm>
+          <a:prstGeom prst="rect">
+            <a:avLst/>
+          </a:prstGeom>
+        </p:spPr>
+      </p:pic>
+    </p:spTree>
+    <p:extLst>
+      <p:ext uri="{BB962C8B-B14F-4D97-AF65-F5344CB8AC3E}">
+        <p14:creationId xmlns:p14="http://schemas.microsoft.com/office/powerpoint/2010/main" val="3366962750"/>
+      </p:ext>
+    </p:extLst>
+  </p:cSld>
+  <p:clrMapOvr>
+    <a:masterClrMapping/>
+  </p:clrMapOvr>
+</p:sld>
+</file>
+
 <file path=ppt/slides/slide2.xml><?xml version="1.0" encoding="utf-8"?>
 <p:sld xmlns:a="http://schemas.openxmlformats.org/drawingml/2006/main" xmlns:r="http://schemas.openxmlformats.org/officeDocument/2006/relationships" xmlns:p="http://schemas.openxmlformats.org/presentationml/2006/main">
   <p:cSld>
@@ -5284,6 +7444,688 @@
 </file>
 
 <file path=ppt/slides/slide5.xml><?xml version="1.0" encoding="utf-8"?>
+<p:sld xmlns:a="http://schemas.openxmlformats.org/drawingml/2006/main" xmlns:r="http://schemas.openxmlformats.org/officeDocument/2006/relationships" xmlns:p="http://schemas.openxmlformats.org/presentationml/2006/main">
+  <p:cSld>
+    <p:spTree>
+      <p:nvGrpSpPr>
+        <p:cNvPr id="1" name=""/>
+        <p:cNvGrpSpPr/>
+        <p:nvPr/>
+      </p:nvGrpSpPr>
+      <p:grpSpPr>
+        <a:xfrm>
+          <a:off x="0" y="0"/>
+          <a:ext cx="0" cy="0"/>
+          <a:chOff x="0" y="0"/>
+          <a:chExt cx="0" cy="0"/>
+        </a:xfrm>
+      </p:grpSpPr>
+      <p:sp>
+        <p:nvSpPr>
+          <p:cNvPr id="2" name="제목 1">
+            <a:extLst>
+              <a:ext uri="{FF2B5EF4-FFF2-40B4-BE49-F238E27FC236}">
+                <a16:creationId xmlns:a16="http://schemas.microsoft.com/office/drawing/2014/main" id="{28B1C15D-D42E-40BD-8F5D-851BD5D34744}"/>
+              </a:ext>
+            </a:extLst>
+          </p:cNvPr>
+          <p:cNvSpPr>
+            <a:spLocks noGrp="1"/>
+          </p:cNvSpPr>
+          <p:nvPr>
+            <p:ph type="title"/>
+          </p:nvPr>
+        </p:nvSpPr>
+        <p:spPr/>
+        <p:txBody>
+          <a:bodyPr/>
+          <a:lstStyle/>
+          <a:p>
+            <a:r>
+              <a:rPr lang="ko-KR" altLang="en-US" b="1" dirty="0">
+                <a:latin typeface="HY견고딕" panose="02030600000101010101" pitchFamily="18" charset="-127"/>
+                <a:ea typeface="HY견고딕" panose="02030600000101010101" pitchFamily="18" charset="-127"/>
+              </a:rPr>
+              <a:t>소프트웨어 구조 설계서</a:t>
+            </a:r>
+          </a:p>
+        </p:txBody>
+      </p:sp>
+      <p:sp>
+        <p:nvSpPr>
+          <p:cNvPr id="4" name="직사각형 3">
+            <a:extLst>
+              <a:ext uri="{FF2B5EF4-FFF2-40B4-BE49-F238E27FC236}">
+                <a16:creationId xmlns:a16="http://schemas.microsoft.com/office/drawing/2014/main" id="{8869B983-EE44-4932-9FA5-96EFCFEE1220}"/>
+              </a:ext>
+            </a:extLst>
+          </p:cNvPr>
+          <p:cNvSpPr/>
+          <p:nvPr/>
+        </p:nvSpPr>
+        <p:spPr>
+          <a:xfrm>
+            <a:off x="1288023" y="2013155"/>
+            <a:ext cx="2035278" cy="1415845"/>
+          </a:xfrm>
+          <a:prstGeom prst="rect">
+            <a:avLst/>
+          </a:prstGeom>
+          <a:solidFill>
+            <a:schemeClr val="bg1"/>
+          </a:solidFill>
+          <a:ln>
+            <a:solidFill>
+              <a:schemeClr val="tx1"/>
+            </a:solidFill>
+          </a:ln>
+        </p:spPr>
+        <p:style>
+          <a:lnRef idx="2">
+            <a:schemeClr val="accent1">
+              <a:shade val="50000"/>
+            </a:schemeClr>
+          </a:lnRef>
+          <a:fillRef idx="1">
+            <a:schemeClr val="accent1"/>
+          </a:fillRef>
+          <a:effectRef idx="0">
+            <a:schemeClr val="accent1"/>
+          </a:effectRef>
+          <a:fontRef idx="minor">
+            <a:schemeClr val="lt1"/>
+          </a:fontRef>
+        </p:style>
+        <p:txBody>
+          <a:bodyPr rtlCol="0" anchor="ctr"/>
+          <a:lstStyle/>
+          <a:p>
+            <a:pPr algn="ctr"/>
+            <a:r>
+              <a:rPr lang="en-US" altLang="ko-KR" dirty="0">
+                <a:ln>
+                  <a:solidFill>
+                    <a:sysClr val="windowText" lastClr="000000"/>
+                  </a:solidFill>
+                </a:ln>
+                <a:solidFill>
+                  <a:schemeClr val="tx1"/>
+                </a:solidFill>
+              </a:rPr>
+              <a:t>main</a:t>
+            </a:r>
+            <a:endParaRPr lang="ko-KR" altLang="en-US" dirty="0">
+              <a:ln>
+                <a:solidFill>
+                  <a:sysClr val="windowText" lastClr="000000"/>
+                </a:solidFill>
+              </a:ln>
+              <a:solidFill>
+                <a:schemeClr val="tx1"/>
+              </a:solidFill>
+            </a:endParaRPr>
+          </a:p>
+        </p:txBody>
+      </p:sp>
+      <p:sp>
+        <p:nvSpPr>
+          <p:cNvPr id="5" name="직사각형 4">
+            <a:extLst>
+              <a:ext uri="{FF2B5EF4-FFF2-40B4-BE49-F238E27FC236}">
+                <a16:creationId xmlns:a16="http://schemas.microsoft.com/office/drawing/2014/main" id="{BFCCDC65-C706-45BD-AFED-85F181EB0C9B}"/>
+              </a:ext>
+            </a:extLst>
+          </p:cNvPr>
+          <p:cNvSpPr/>
+          <p:nvPr/>
+        </p:nvSpPr>
+        <p:spPr>
+          <a:xfrm>
+            <a:off x="1296412" y="4544961"/>
+            <a:ext cx="2035278" cy="1415845"/>
+          </a:xfrm>
+          <a:prstGeom prst="rect">
+            <a:avLst/>
+          </a:prstGeom>
+          <a:solidFill>
+            <a:schemeClr val="bg1"/>
+          </a:solidFill>
+          <a:ln>
+            <a:solidFill>
+              <a:schemeClr val="tx1"/>
+            </a:solidFill>
+          </a:ln>
+        </p:spPr>
+        <p:style>
+          <a:lnRef idx="2">
+            <a:schemeClr val="accent1">
+              <a:shade val="50000"/>
+            </a:schemeClr>
+          </a:lnRef>
+          <a:fillRef idx="1">
+            <a:schemeClr val="accent1"/>
+          </a:fillRef>
+          <a:effectRef idx="0">
+            <a:schemeClr val="accent1"/>
+          </a:effectRef>
+          <a:fontRef idx="minor">
+            <a:schemeClr val="lt1"/>
+          </a:fontRef>
+        </p:style>
+        <p:txBody>
+          <a:bodyPr rtlCol="0" anchor="ctr"/>
+          <a:lstStyle/>
+          <a:p>
+            <a:pPr algn="ctr"/>
+            <a:r>
+              <a:rPr lang="en-US" altLang="ko-KR" dirty="0">
+                <a:ln>
+                  <a:solidFill>
+                    <a:sysClr val="windowText" lastClr="000000"/>
+                  </a:solidFill>
+                </a:ln>
+                <a:solidFill>
+                  <a:schemeClr val="tx1"/>
+                </a:solidFill>
+              </a:rPr>
+              <a:t>database</a:t>
+            </a:r>
+            <a:endParaRPr lang="ko-KR" altLang="en-US" dirty="0">
+              <a:ln>
+                <a:solidFill>
+                  <a:sysClr val="windowText" lastClr="000000"/>
+                </a:solidFill>
+              </a:ln>
+              <a:solidFill>
+                <a:schemeClr val="tx1"/>
+              </a:solidFill>
+            </a:endParaRPr>
+          </a:p>
+        </p:txBody>
+      </p:sp>
+      <p:sp>
+        <p:nvSpPr>
+          <p:cNvPr id="6" name="직사각형 5">
+            <a:extLst>
+              <a:ext uri="{FF2B5EF4-FFF2-40B4-BE49-F238E27FC236}">
+                <a16:creationId xmlns:a16="http://schemas.microsoft.com/office/drawing/2014/main" id="{528F4BE2-4C62-4DCA-AFE7-754A33EC0E24}"/>
+              </a:ext>
+            </a:extLst>
+          </p:cNvPr>
+          <p:cNvSpPr/>
+          <p:nvPr/>
+        </p:nvSpPr>
+        <p:spPr>
+          <a:xfrm>
+            <a:off x="4820262" y="2013153"/>
+            <a:ext cx="2035278" cy="1415845"/>
+          </a:xfrm>
+          <a:prstGeom prst="rect">
+            <a:avLst/>
+          </a:prstGeom>
+          <a:solidFill>
+            <a:schemeClr val="bg1"/>
+          </a:solidFill>
+          <a:ln>
+            <a:solidFill>
+              <a:schemeClr val="tx1"/>
+            </a:solidFill>
+          </a:ln>
+        </p:spPr>
+        <p:style>
+          <a:lnRef idx="2">
+            <a:schemeClr val="accent1">
+              <a:shade val="50000"/>
+            </a:schemeClr>
+          </a:lnRef>
+          <a:fillRef idx="1">
+            <a:schemeClr val="accent1"/>
+          </a:fillRef>
+          <a:effectRef idx="0">
+            <a:schemeClr val="accent1"/>
+          </a:effectRef>
+          <a:fontRef idx="minor">
+            <a:schemeClr val="lt1"/>
+          </a:fontRef>
+        </p:style>
+        <p:txBody>
+          <a:bodyPr rtlCol="0" anchor="ctr"/>
+          <a:lstStyle/>
+          <a:p>
+            <a:pPr algn="ctr"/>
+            <a:r>
+              <a:rPr lang="en-US" altLang="ko-KR" dirty="0">
+                <a:ln>
+                  <a:solidFill>
+                    <a:sysClr val="windowText" lastClr="000000"/>
+                  </a:solidFill>
+                </a:ln>
+                <a:solidFill>
+                  <a:schemeClr val="tx1"/>
+                </a:solidFill>
+              </a:rPr>
+              <a:t>widgets</a:t>
+            </a:r>
+            <a:endParaRPr lang="ko-KR" altLang="en-US" dirty="0">
+              <a:ln>
+                <a:solidFill>
+                  <a:sysClr val="windowText" lastClr="000000"/>
+                </a:solidFill>
+              </a:ln>
+              <a:solidFill>
+                <a:schemeClr val="tx1"/>
+              </a:solidFill>
+            </a:endParaRPr>
+          </a:p>
+        </p:txBody>
+      </p:sp>
+      <p:sp>
+        <p:nvSpPr>
+          <p:cNvPr id="7" name="직사각형 6">
+            <a:extLst>
+              <a:ext uri="{FF2B5EF4-FFF2-40B4-BE49-F238E27FC236}">
+                <a16:creationId xmlns:a16="http://schemas.microsoft.com/office/drawing/2014/main" id="{7317A12F-8412-4C8A-A2C9-954DB0A8A9D9}"/>
+              </a:ext>
+            </a:extLst>
+          </p:cNvPr>
+          <p:cNvSpPr/>
+          <p:nvPr/>
+        </p:nvSpPr>
+        <p:spPr>
+          <a:xfrm>
+            <a:off x="8352502" y="2013154"/>
+            <a:ext cx="2035278" cy="1415845"/>
+          </a:xfrm>
+          <a:prstGeom prst="rect">
+            <a:avLst/>
+          </a:prstGeom>
+          <a:solidFill>
+            <a:schemeClr val="bg1"/>
+          </a:solidFill>
+          <a:ln>
+            <a:solidFill>
+              <a:schemeClr val="tx1"/>
+            </a:solidFill>
+          </a:ln>
+        </p:spPr>
+        <p:style>
+          <a:lnRef idx="2">
+            <a:schemeClr val="accent1">
+              <a:shade val="50000"/>
+            </a:schemeClr>
+          </a:lnRef>
+          <a:fillRef idx="1">
+            <a:schemeClr val="accent1"/>
+          </a:fillRef>
+          <a:effectRef idx="0">
+            <a:schemeClr val="accent1"/>
+          </a:effectRef>
+          <a:fontRef idx="minor">
+            <a:schemeClr val="lt1"/>
+          </a:fontRef>
+        </p:style>
+        <p:txBody>
+          <a:bodyPr rtlCol="0" anchor="ctr"/>
+          <a:lstStyle/>
+          <a:p>
+            <a:pPr algn="ctr"/>
+            <a:r>
+              <a:rPr lang="en-US" altLang="ko-KR" dirty="0">
+                <a:ln>
+                  <a:solidFill>
+                    <a:sysClr val="windowText" lastClr="000000"/>
+                  </a:solidFill>
+                </a:ln>
+                <a:solidFill>
+                  <a:schemeClr val="tx1"/>
+                </a:solidFill>
+              </a:rPr>
+              <a:t>game</a:t>
+            </a:r>
+            <a:endParaRPr lang="ko-KR" altLang="en-US" dirty="0">
+              <a:ln>
+                <a:solidFill>
+                  <a:sysClr val="windowText" lastClr="000000"/>
+                </a:solidFill>
+              </a:ln>
+              <a:solidFill>
+                <a:schemeClr val="tx1"/>
+              </a:solidFill>
+            </a:endParaRPr>
+          </a:p>
+        </p:txBody>
+      </p:sp>
+      <p:cxnSp>
+        <p:nvCxnSpPr>
+          <p:cNvPr id="9" name="연결선: 꺾임 8">
+            <a:extLst>
+              <a:ext uri="{FF2B5EF4-FFF2-40B4-BE49-F238E27FC236}">
+                <a16:creationId xmlns:a16="http://schemas.microsoft.com/office/drawing/2014/main" id="{6DAF4331-2FDE-45B2-B1A9-85F8BF20164A}"/>
+              </a:ext>
+            </a:extLst>
+          </p:cNvPr>
+          <p:cNvCxnSpPr>
+            <a:cxnSpLocks/>
+            <a:stCxn id="4" idx="3"/>
+            <a:endCxn id="6" idx="1"/>
+          </p:cNvCxnSpPr>
+          <p:nvPr/>
+        </p:nvCxnSpPr>
+        <p:spPr>
+          <a:xfrm flipV="1">
+            <a:off x="3323301" y="2721076"/>
+            <a:ext cx="1496961" cy="2"/>
+          </a:xfrm>
+          <a:prstGeom prst="bentConnector3">
+            <a:avLst/>
+          </a:prstGeom>
+          <a:ln w="57150">
+            <a:solidFill>
+              <a:schemeClr val="tx1"/>
+            </a:solidFill>
+            <a:headEnd type="triangle"/>
+            <a:tailEnd type="triangle"/>
+          </a:ln>
+        </p:spPr>
+        <p:style>
+          <a:lnRef idx="1">
+            <a:schemeClr val="accent1"/>
+          </a:lnRef>
+          <a:fillRef idx="0">
+            <a:schemeClr val="accent1"/>
+          </a:fillRef>
+          <a:effectRef idx="0">
+            <a:schemeClr val="accent1"/>
+          </a:effectRef>
+          <a:fontRef idx="minor">
+            <a:schemeClr val="tx1"/>
+          </a:fontRef>
+        </p:style>
+      </p:cxnSp>
+      <p:cxnSp>
+        <p:nvCxnSpPr>
+          <p:cNvPr id="11" name="연결선: 꺾임 10">
+            <a:extLst>
+              <a:ext uri="{FF2B5EF4-FFF2-40B4-BE49-F238E27FC236}">
+                <a16:creationId xmlns:a16="http://schemas.microsoft.com/office/drawing/2014/main" id="{B3F1265F-B2E5-480B-8325-5BF354596824}"/>
+              </a:ext>
+            </a:extLst>
+          </p:cNvPr>
+          <p:cNvCxnSpPr>
+            <a:cxnSpLocks/>
+          </p:cNvCxnSpPr>
+          <p:nvPr/>
+        </p:nvCxnSpPr>
+        <p:spPr>
+          <a:xfrm flipV="1">
+            <a:off x="6855540" y="2721075"/>
+            <a:ext cx="1496961" cy="2"/>
+          </a:xfrm>
+          <a:prstGeom prst="bentConnector3">
+            <a:avLst/>
+          </a:prstGeom>
+          <a:ln w="57150">
+            <a:solidFill>
+              <a:schemeClr val="tx1"/>
+            </a:solidFill>
+            <a:headEnd type="triangle"/>
+            <a:tailEnd type="triangle"/>
+          </a:ln>
+        </p:spPr>
+        <p:style>
+          <a:lnRef idx="1">
+            <a:schemeClr val="accent1"/>
+          </a:lnRef>
+          <a:fillRef idx="0">
+            <a:schemeClr val="accent1"/>
+          </a:fillRef>
+          <a:effectRef idx="0">
+            <a:schemeClr val="accent1"/>
+          </a:effectRef>
+          <a:fontRef idx="minor">
+            <a:schemeClr val="tx1"/>
+          </a:fontRef>
+        </p:style>
+      </p:cxnSp>
+      <p:cxnSp>
+        <p:nvCxnSpPr>
+          <p:cNvPr id="18" name="연결선: 꺾임 17">
+            <a:extLst>
+              <a:ext uri="{FF2B5EF4-FFF2-40B4-BE49-F238E27FC236}">
+                <a16:creationId xmlns:a16="http://schemas.microsoft.com/office/drawing/2014/main" id="{0E888244-8EEE-49E1-81C1-82988ABF9868}"/>
+              </a:ext>
+            </a:extLst>
+          </p:cNvPr>
+          <p:cNvCxnSpPr>
+            <a:stCxn id="4" idx="2"/>
+            <a:endCxn id="5" idx="0"/>
+          </p:cNvCxnSpPr>
+          <p:nvPr/>
+        </p:nvCxnSpPr>
+        <p:spPr>
+          <a:xfrm rot="16200000" flipH="1">
+            <a:off x="1751876" y="3982785"/>
+            <a:ext cx="1115961" cy="8389"/>
+          </a:xfrm>
+          <a:prstGeom prst="bentConnector3">
+            <a:avLst/>
+          </a:prstGeom>
+          <a:ln w="57150">
+            <a:solidFill>
+              <a:schemeClr val="tx1"/>
+            </a:solidFill>
+            <a:tailEnd type="triangle"/>
+          </a:ln>
+        </p:spPr>
+        <p:style>
+          <a:lnRef idx="1">
+            <a:schemeClr val="accent1"/>
+          </a:lnRef>
+          <a:fillRef idx="0">
+            <a:schemeClr val="accent1"/>
+          </a:fillRef>
+          <a:effectRef idx="0">
+            <a:schemeClr val="accent1"/>
+          </a:effectRef>
+          <a:fontRef idx="minor">
+            <a:schemeClr val="tx1"/>
+          </a:fontRef>
+        </p:style>
+      </p:cxnSp>
+      <p:sp>
+        <p:nvSpPr>
+          <p:cNvPr id="19" name="TextBox 18">
+            <a:extLst>
+              <a:ext uri="{FF2B5EF4-FFF2-40B4-BE49-F238E27FC236}">
+                <a16:creationId xmlns:a16="http://schemas.microsoft.com/office/drawing/2014/main" id="{910D7E35-3563-4911-987B-A284336CF038}"/>
+              </a:ext>
+            </a:extLst>
+          </p:cNvPr>
+          <p:cNvSpPr txBox="1"/>
+          <p:nvPr/>
+        </p:nvSpPr>
+        <p:spPr>
+          <a:xfrm>
+            <a:off x="8352500" y="3726426"/>
+            <a:ext cx="2236841" cy="369332"/>
+          </a:xfrm>
+          <a:prstGeom prst="rect">
+            <a:avLst/>
+          </a:prstGeom>
+          <a:noFill/>
+        </p:spPr>
+        <p:txBody>
+          <a:bodyPr wrap="square" rtlCol="0">
+            <a:spAutoFit/>
+          </a:bodyPr>
+          <a:lstStyle/>
+          <a:p>
+            <a:r>
+              <a:rPr lang="en-US" altLang="ko-KR" dirty="0" err="1">
+                <a:latin typeface="이롭게 바탕체 OTF Medium" panose="020B0600000101010101" pitchFamily="34" charset="-127"/>
+                <a:ea typeface="이롭게 바탕체 OTF Medium" panose="020B0600000101010101" pitchFamily="34" charset="-127"/>
+              </a:rPr>
+              <a:t>pygame</a:t>
+            </a:r>
+            <a:r>
+              <a:rPr lang="en-US" altLang="ko-KR" dirty="0">
+                <a:latin typeface="이롭게 바탕체 OTF Medium" panose="020B0600000101010101" pitchFamily="34" charset="-127"/>
+                <a:ea typeface="이롭게 바탕체 OTF Medium" panose="020B0600000101010101" pitchFamily="34" charset="-127"/>
+              </a:rPr>
+              <a:t> </a:t>
+            </a:r>
+            <a:r>
+              <a:rPr lang="ko-KR" altLang="en-US" dirty="0">
+                <a:latin typeface="이롭게 바탕체 OTF Medium" panose="020B0600000101010101" pitchFamily="34" charset="-127"/>
+                <a:ea typeface="이롭게 바탕체 OTF Medium" panose="020B0600000101010101" pitchFamily="34" charset="-127"/>
+              </a:rPr>
+              <a:t>으로 구현</a:t>
+            </a:r>
+          </a:p>
+        </p:txBody>
+      </p:sp>
+      <p:pic>
+        <p:nvPicPr>
+          <p:cNvPr id="21" name="그림 20">
+            <a:extLst>
+              <a:ext uri="{FF2B5EF4-FFF2-40B4-BE49-F238E27FC236}">
+                <a16:creationId xmlns:a16="http://schemas.microsoft.com/office/drawing/2014/main" id="{E9E70729-1E64-4C16-87AA-F5EC294FC9DC}"/>
+              </a:ext>
+            </a:extLst>
+          </p:cNvPr>
+          <p:cNvPicPr>
+            <a:picLocks noChangeAspect="1"/>
+          </p:cNvPicPr>
+          <p:nvPr/>
+        </p:nvPicPr>
+        <p:blipFill rotWithShape="1">
+          <a:blip r:embed="rId2">
+            <a:extLst>
+              <a:ext uri="{28A0092B-C50C-407E-A947-70E740481C1C}">
+                <a14:useLocalDpi xmlns:a14="http://schemas.microsoft.com/office/drawing/2010/main" val="0"/>
+              </a:ext>
+              <a:ext uri="{837473B0-CC2E-450A-ABE3-18F120FF3D39}">
+                <a1611:picAttrSrcUrl xmlns:a1611="http://schemas.microsoft.com/office/drawing/2016/11/main" r:id="rId3"/>
+              </a:ext>
+            </a:extLst>
+          </a:blip>
+          <a:srcRect l="46814" t="41046" r="44533" b="45173"/>
+          <a:stretch/>
+        </p:blipFill>
+        <p:spPr>
+          <a:xfrm>
+            <a:off x="8986687" y="4393185"/>
+            <a:ext cx="934064" cy="786573"/>
+          </a:xfrm>
+          <a:prstGeom prst="rect">
+            <a:avLst/>
+          </a:prstGeom>
+        </p:spPr>
+      </p:pic>
+      <p:cxnSp>
+        <p:nvCxnSpPr>
+          <p:cNvPr id="26" name="연결선: 꺾임 25">
+            <a:extLst>
+              <a:ext uri="{FF2B5EF4-FFF2-40B4-BE49-F238E27FC236}">
+                <a16:creationId xmlns:a16="http://schemas.microsoft.com/office/drawing/2014/main" id="{2CEA62DC-23D0-42BE-86A2-7ED719789335}"/>
+              </a:ext>
+            </a:extLst>
+          </p:cNvPr>
+          <p:cNvCxnSpPr>
+            <a:cxnSpLocks/>
+            <a:stCxn id="21" idx="3"/>
+            <a:endCxn id="7" idx="3"/>
+          </p:cNvCxnSpPr>
+          <p:nvPr/>
+        </p:nvCxnSpPr>
+        <p:spPr>
+          <a:xfrm flipV="1">
+            <a:off x="9920751" y="2721077"/>
+            <a:ext cx="467029" cy="2065395"/>
+          </a:xfrm>
+          <a:prstGeom prst="bentConnector3">
+            <a:avLst>
+              <a:gd name="adj1" fmla="val 214212"/>
+            </a:avLst>
+          </a:prstGeom>
+          <a:ln w="57150">
+            <a:solidFill>
+              <a:schemeClr val="tx1"/>
+            </a:solidFill>
+            <a:tailEnd type="triangle"/>
+          </a:ln>
+        </p:spPr>
+        <p:style>
+          <a:lnRef idx="1">
+            <a:schemeClr val="accent1"/>
+          </a:lnRef>
+          <a:fillRef idx="0">
+            <a:schemeClr val="accent1"/>
+          </a:fillRef>
+          <a:effectRef idx="0">
+            <a:schemeClr val="accent1"/>
+          </a:effectRef>
+          <a:fontRef idx="minor">
+            <a:schemeClr val="tx1"/>
+          </a:fontRef>
+        </p:style>
+      </p:cxnSp>
+      <p:sp>
+        <p:nvSpPr>
+          <p:cNvPr id="29" name="TextBox 28">
+            <a:extLst>
+              <a:ext uri="{FF2B5EF4-FFF2-40B4-BE49-F238E27FC236}">
+                <a16:creationId xmlns:a16="http://schemas.microsoft.com/office/drawing/2014/main" id="{2F71884A-EAFB-4670-BF29-705368777840}"/>
+              </a:ext>
+            </a:extLst>
+          </p:cNvPr>
+          <p:cNvSpPr txBox="1"/>
+          <p:nvPr/>
+        </p:nvSpPr>
+        <p:spPr>
+          <a:xfrm>
+            <a:off x="9053049" y="5252883"/>
+            <a:ext cx="835742" cy="369332"/>
+          </a:xfrm>
+          <a:prstGeom prst="rect">
+            <a:avLst/>
+          </a:prstGeom>
+          <a:noFill/>
+        </p:spPr>
+        <p:txBody>
+          <a:bodyPr wrap="square" rtlCol="0">
+            <a:spAutoFit/>
+          </a:bodyPr>
+          <a:lstStyle/>
+          <a:p>
+            <a:r>
+              <a:rPr lang="en-US" altLang="ko-KR" dirty="0">
+                <a:latin typeface="이롭게 바탕체 OTF Medium" panose="020B0600000101010101" pitchFamily="34" charset="-127"/>
+                <a:ea typeface="이롭게 바탕체 OTF Medium" panose="020B0600000101010101" pitchFamily="34" charset="-127"/>
+              </a:rPr>
+              <a:t>image</a:t>
+            </a:r>
+            <a:endParaRPr lang="ko-KR" altLang="en-US" dirty="0">
+              <a:latin typeface="이롭게 바탕체 OTF Medium" panose="020B0600000101010101" pitchFamily="34" charset="-127"/>
+              <a:ea typeface="이롭게 바탕체 OTF Medium" panose="020B0600000101010101" pitchFamily="34" charset="-127"/>
+            </a:endParaRPr>
+          </a:p>
+        </p:txBody>
+      </p:sp>
+    </p:spTree>
+    <p:extLst>
+      <p:ext uri="{BB962C8B-B14F-4D97-AF65-F5344CB8AC3E}">
+        <p14:creationId xmlns:p14="http://schemas.microsoft.com/office/powerpoint/2010/main" val="1385836102"/>
+      </p:ext>
+    </p:extLst>
+  </p:cSld>
+  <p:clrMapOvr>
+    <a:masterClrMapping/>
+  </p:clrMapOvr>
+</p:sld>
+</file>
+
+<file path=ppt/slides/slide6.xml><?xml version="1.0" encoding="utf-8"?>
 <p:sld xmlns:a="http://schemas.openxmlformats.org/drawingml/2006/main" xmlns:r="http://schemas.openxmlformats.org/officeDocument/2006/relationships" xmlns:p="http://schemas.openxmlformats.org/presentationml/2006/main">
   <p:cSld>
     <p:spTree>
@@ -5873,7 +8715,7 @@
 </p:sld>
 </file>
 
-<file path=ppt/slides/slide6.xml><?xml version="1.0" encoding="utf-8"?>
+<file path=ppt/slides/slide7.xml><?xml version="1.0" encoding="utf-8"?>
 <p:sld xmlns:a="http://schemas.openxmlformats.org/drawingml/2006/main" xmlns:r="http://schemas.openxmlformats.org/officeDocument/2006/relationships" xmlns:p="http://schemas.openxmlformats.org/presentationml/2006/main">
   <p:cSld>
     <p:spTree>
@@ -6665,7 +9507,7 @@
 </p:sld>
 </file>
 
-<file path=ppt/slides/slide7.xml><?xml version="1.0" encoding="utf-8"?>
+<file path=ppt/slides/slide8.xml><?xml version="1.0" encoding="utf-8"?>
 <p:sld xmlns:a="http://schemas.openxmlformats.org/drawingml/2006/main" xmlns:r="http://schemas.openxmlformats.org/officeDocument/2006/relationships" xmlns:p="http://schemas.openxmlformats.org/presentationml/2006/main">
   <p:cSld>
     <p:spTree>
@@ -6708,8 +9550,19 @@
                 <a:latin typeface="HY견고딕" panose="02030600000101010101" pitchFamily="18" charset="-127"/>
                 <a:ea typeface="HY견고딕" panose="02030600000101010101" pitchFamily="18" charset="-127"/>
               </a:rPr>
-              <a:t>소프트웨어 구조 설계</a:t>
-            </a:r>
+              <a:t>클래스 인터페이스 설계 </a:t>
+            </a:r>
+            <a:r>
+              <a:rPr lang="en-US" altLang="ko-KR" b="1" dirty="0">
+                <a:latin typeface="HY견고딕" panose="02030600000101010101" pitchFamily="18" charset="-127"/>
+                <a:ea typeface="HY견고딕" panose="02030600000101010101" pitchFamily="18" charset="-127"/>
+              </a:rPr>
+              <a:t>(main.py)</a:t>
+            </a:r>
+            <a:endParaRPr lang="ko-KR" altLang="en-US" b="1" dirty="0">
+              <a:latin typeface="HY견고딕" panose="02030600000101010101" pitchFamily="18" charset="-127"/>
+              <a:ea typeface="HY견고딕" panose="02030600000101010101" pitchFamily="18" charset="-127"/>
+            </a:endParaRPr>
           </a:p>
         </p:txBody>
       </p:sp>
@@ -6729,14 +9582,14 @@
             <p:ph idx="1"/>
             <p:extLst>
               <p:ext uri="{D42A27DB-BD31-4B8C-83A1-F6EECF244321}">
-                <p14:modId xmlns:p14="http://schemas.microsoft.com/office/powerpoint/2010/main" val="3810504646"/>
+                <p14:modId xmlns:p14="http://schemas.microsoft.com/office/powerpoint/2010/main" val="1919057325"/>
               </p:ext>
             </p:extLst>
           </p:nvPr>
         </p:nvGraphicFramePr>
         <p:xfrm>
-          <a:off x="838200" y="2074545"/>
-          <a:ext cx="10515602" cy="4038600"/>
+          <a:off x="838200" y="1826067"/>
+          <a:ext cx="10515602" cy="3469640"/>
         </p:xfrm>
         <a:graphic>
           <a:graphicData uri="http://schemas.openxmlformats.org/drawingml/2006/table">
@@ -6859,7 +9712,7 @@
                 </a:extLst>
               </a:tr>
               <a:tr h="370840">
-                <a:tc rowSpan="2">
+                <a:tc rowSpan="7">
                   <a:txBody>
                     <a:bodyPr/>
                     <a:lstStyle/>
@@ -6869,7 +9722,7 @@
                         <a:rPr lang="en-US" altLang="ko-KR" dirty="0" err="1"/>
                         <a:t>MainWindow</a:t>
                       </a:r>
-                      <a:endParaRPr lang="ko-KR" altLang="en-US" dirty="0"/>
+                      <a:endParaRPr lang="en-US" altLang="ko-KR" dirty="0"/>
                     </a:p>
                   </a:txBody>
                   <a:tcPr anchor="ctr"/>
@@ -6882,7 +9735,7 @@
                       <a:pPr algn="ctr" latinLnBrk="1"/>
                       <a:r>
                         <a:rPr lang="en-US" altLang="ko-KR" dirty="0" err="1"/>
-                        <a:t>Set_content</a:t>
+                        <a:t>set_content</a:t>
                       </a:r>
                       <a:endParaRPr lang="ko-KR" altLang="en-US" dirty="0"/>
                     </a:p>
@@ -6975,29 +9828,38 @@
                   </a:txBody>
                   <a:tcPr anchor="ctr"/>
                 </a:tc>
-                <a:tc>
+                <a:tc gridSpan="4">
                   <a:txBody>
                     <a:bodyPr/>
                     <a:lstStyle/>
                     <a:p>
                       <a:pPr algn="ctr" latinLnBrk="1"/>
                       <a:r>
-                        <a:rPr lang="ko-KR" altLang="en-US" sz="1600" dirty="0" err="1"/>
-                        <a:t>게터</a:t>
-                      </a:r>
-                      <a:r>
                         <a:rPr lang="en-US" altLang="ko-KR" sz="1600" dirty="0"/>
-                        <a:t>,</a:t>
+                        <a:t>DB, widgets </a:t>
                       </a:r>
                       <a:r>
                         <a:rPr lang="ko-KR" altLang="en-US" sz="1600" dirty="0"/>
-                        <a:t> 세터</a:t>
-                      </a:r>
+                        <a:t>사이의</a:t>
+                      </a:r>
+                      <a:r>
+                        <a:rPr lang="en-US" altLang="ko-KR" sz="1600" dirty="0"/>
+                        <a:t> </a:t>
+                      </a:r>
+                      <a:r>
+                        <a:rPr lang="ko-KR" altLang="en-US" sz="1600" dirty="0"/>
+                        <a:t>효율적인 제어를 위한 </a:t>
+                      </a:r>
+                      <a:r>
+                        <a:rPr lang="en-US" altLang="ko-KR" sz="1600" dirty="0"/>
+                        <a:t>getter, setter</a:t>
+                      </a:r>
+                      <a:endParaRPr lang="ko-KR" altLang="en-US" sz="1600" dirty="0"/>
                     </a:p>
                   </a:txBody>
                   <a:tcPr anchor="ctr"/>
                 </a:tc>
-                <a:tc>
+                <a:tc hMerge="1">
                   <a:txBody>
                     <a:bodyPr/>
                     <a:lstStyle/>
@@ -7008,7 +9870,7 @@
                   </a:txBody>
                   <a:tcPr anchor="ctr"/>
                 </a:tc>
-                <a:tc>
+                <a:tc hMerge="1">
                   <a:txBody>
                     <a:bodyPr/>
                     <a:lstStyle/>
@@ -7019,7 +9881,7 @@
                   </a:txBody>
                   <a:tcPr anchor="ctr"/>
                 </a:tc>
-                <a:tc>
+                <a:tc hMerge="1">
                   <a:txBody>
                     <a:bodyPr/>
                     <a:lstStyle/>
@@ -7037,7 +9899,7 @@
                 </a:extLst>
               </a:tr>
               <a:tr h="370840">
-                <a:tc rowSpan="3">
+                <a:tc vMerge="1">
                   <a:txBody>
                     <a:bodyPr/>
                     <a:lstStyle/>
@@ -7059,16 +9921,8 @@
                     <a:p>
                       <a:pPr algn="ctr" latinLnBrk="1"/>
                       <a:r>
-                        <a:rPr lang="en-US" altLang="ko-KR" dirty="0"/>
-                        <a:t>__</a:t>
-                      </a:r>
-                      <a:r>
                         <a:rPr lang="en-US" altLang="ko-KR" dirty="0" err="1"/>
-                        <a:t>init</a:t>
-                      </a:r>
-                      <a:r>
-                        <a:rPr lang="en-US" altLang="ko-KR" dirty="0"/>
-                        <a:t>__</a:t>
+                        <a:t>set_info</a:t>
                       </a:r>
                       <a:endParaRPr lang="ko-KR" altLang="en-US" dirty="0"/>
                     </a:p>
@@ -7083,7 +9937,7 @@
                       <a:pPr algn="ctr" latinLnBrk="1"/>
                       <a:r>
                         <a:rPr lang="en-US" altLang="ko-KR" dirty="0"/>
-                        <a:t>character</a:t>
+                        <a:t>id, password</a:t>
                       </a:r>
                       <a:endParaRPr lang="ko-KR" altLang="en-US" dirty="0"/>
                     </a:p>
@@ -7112,41 +9966,18 @@
                     <a:p>
                       <a:pPr algn="ctr" latinLnBrk="1"/>
                       <a:r>
-                        <a:rPr lang="en-US" altLang="ko-KR" dirty="0" err="1"/>
-                        <a:t>rect</a:t>
-                      </a:r>
-                      <a:r>
                         <a:rPr lang="en-US" altLang="ko-KR" dirty="0"/>
-                        <a:t>(</a:t>
-                      </a:r>
-                      <a:r>
-                        <a:rPr lang="en-US" altLang="ko-KR" dirty="0" err="1"/>
-                        <a:t>x,y</a:t>
+                        <a:t>input</a:t>
+                      </a:r>
+                      <a:r>
+                        <a:rPr lang="ko-KR" altLang="en-US" dirty="0"/>
+                        <a:t>으로 </a:t>
                       </a:r>
                       <a:r>
                         <a:rPr lang="en-US" altLang="ko-KR" dirty="0"/>
-                        <a:t>) </a:t>
-                      </a:r>
-                      <a:r>
-                        <a:rPr lang="ko-KR" altLang="en-US" dirty="0"/>
-                        <a:t>설정</a:t>
-                      </a:r>
-                      <a:r>
-                        <a:rPr lang="en-US" altLang="ko-KR" dirty="0"/>
-                        <a:t>, </a:t>
-                      </a:r>
-                      <a:r>
-                        <a:rPr lang="ko-KR" altLang="en-US" dirty="0"/>
-                        <a:t>이미지 설정</a:t>
-                      </a:r>
-                      <a:r>
-                        <a:rPr lang="en-US" altLang="ko-KR" dirty="0"/>
-                        <a:t>, </a:t>
-                      </a:r>
-                      <a:r>
-                        <a:rPr lang="ko-KR" altLang="en-US" dirty="0"/>
-                        <a:t>시간에 따른 이미지 설정</a:t>
-                      </a:r>
+                        <a:t>id, password setting</a:t>
+                      </a:r>
+                      <a:endParaRPr lang="ko-KR" altLang="en-US" dirty="0"/>
                     </a:p>
                   </a:txBody>
                   <a:tcPr anchor="ctr"/>
@@ -7192,8 +10023,8 @@
                         <a:defRPr/>
                       </a:pPr>
                       <a:r>
-                        <a:rPr lang="en-US" altLang="ko-KR" dirty="0"/>
-                        <a:t>draw</a:t>
+                        <a:rPr lang="en-US" altLang="ko-KR" dirty="0" err="1"/>
+                        <a:t>get_info</a:t>
                       </a:r>
                       <a:endParaRPr lang="ko-KR" altLang="en-US" dirty="0"/>
                     </a:p>
@@ -7207,8 +10038,39 @@
                     <a:p>
                       <a:pPr algn="ctr" latinLnBrk="1"/>
                       <a:r>
-                        <a:rPr lang="en-US" altLang="ko-KR" dirty="0" err="1"/>
-                        <a:t>x,y</a:t>
+                        <a:rPr lang="en-US" altLang="ko-KR" dirty="0"/>
+                        <a:t>-</a:t>
+                      </a:r>
+                      <a:endParaRPr lang="ko-KR" altLang="en-US" dirty="0"/>
+                    </a:p>
+                  </a:txBody>
+                  <a:tcPr anchor="ctr"/>
+                </a:tc>
+                <a:tc>
+                  <a:txBody>
+                    <a:bodyPr/>
+                    <a:lstStyle/>
+                    <a:p>
+                      <a:pPr marL="0" marR="0" lvl="0" indent="0" algn="ctr" defTabSz="914400" rtl="0" eaLnBrk="1" fontAlgn="auto" latinLnBrk="1" hangingPunct="1">
+                        <a:lnSpc>
+                          <a:spcPct val="100000"/>
+                        </a:lnSpc>
+                        <a:spcBef>
+                          <a:spcPts val="0"/>
+                        </a:spcBef>
+                        <a:spcAft>
+                          <a:spcPts val="0"/>
+                        </a:spcAft>
+                        <a:buClrTx/>
+                        <a:buSzTx/>
+                        <a:buFontTx/>
+                        <a:buNone/>
+                        <a:tabLst/>
+                        <a:defRPr/>
+                      </a:pPr>
+                      <a:r>
+                        <a:rPr lang="en-US" altLang="ko-KR" dirty="0"/>
+                        <a:t>id, password</a:t>
                       </a:r>
                       <a:endParaRPr lang="ko-KR" altLang="en-US" dirty="0"/>
                     </a:p>
@@ -7223,19 +10085,8 @@
                       <a:pPr algn="ctr" latinLnBrk="1"/>
                       <a:r>
                         <a:rPr lang="en-US" altLang="ko-KR" dirty="0"/>
-                        <a:t>-</a:t>
-                      </a:r>
-                      <a:endParaRPr lang="ko-KR" altLang="en-US" dirty="0"/>
-                    </a:p>
-                  </a:txBody>
-                  <a:tcPr anchor="ctr"/>
-                </a:tc>
-                <a:tc>
-                  <a:txBody>
-                    <a:bodyPr/>
-                    <a:lstStyle/>
-                    <a:p>
-                      <a:pPr algn="ctr" latinLnBrk="1"/>
+                        <a:t>return id, password</a:t>
+                      </a:r>
                       <a:endParaRPr lang="ko-KR" altLang="en-US" dirty="0"/>
                     </a:p>
                   </a:txBody>
@@ -7282,8 +10133,8 @@
                         <a:defRPr/>
                       </a:pPr>
                       <a:r>
-                        <a:rPr lang="en-US" altLang="ko-KR" dirty="0"/>
-                        <a:t>update</a:t>
+                        <a:rPr lang="en-US" altLang="ko-KR" dirty="0" err="1"/>
+                        <a:t>edit_score</a:t>
                       </a:r>
                       <a:endParaRPr lang="ko-KR" altLang="en-US" dirty="0"/>
                     </a:p>
@@ -7297,12 +10148,8 @@
                     <a:p>
                       <a:pPr algn="ctr" latinLnBrk="1"/>
                       <a:r>
-                        <a:rPr lang="en-US" altLang="ko-KR" dirty="0" err="1"/>
-                        <a:t>cnt</a:t>
-                      </a:r>
-                      <a:r>
                         <a:rPr lang="en-US" altLang="ko-KR" dirty="0"/>
-                        <a:t>, status</a:t>
+                        <a:t>score</a:t>
                       </a:r>
                       <a:endParaRPr lang="ko-KR" altLang="en-US" dirty="0"/>
                     </a:p>
@@ -7330,6 +10177,22 @@
                     <a:lstStyle/>
                     <a:p>
                       <a:pPr algn="ctr" latinLnBrk="1"/>
+                      <a:r>
+                        <a:rPr lang="en-US" altLang="ko-KR" dirty="0"/>
+                        <a:t>input</a:t>
+                      </a:r>
+                      <a:r>
+                        <a:rPr lang="ko-KR" altLang="en-US" dirty="0"/>
+                        <a:t>으로 </a:t>
+                      </a:r>
+                      <a:r>
+                        <a:rPr lang="en-US" altLang="ko-KR" dirty="0" err="1"/>
+                        <a:t>DB.editScore</a:t>
+                      </a:r>
+                      <a:r>
+                        <a:rPr lang="en-US" altLang="ko-KR" dirty="0"/>
+                        <a:t>()</a:t>
+                      </a:r>
                       <a:endParaRPr lang="ko-KR" altLang="en-US" dirty="0"/>
                     </a:p>
                   </a:txBody>
@@ -7342,7 +10205,7 @@
                 </a:extLst>
               </a:tr>
               <a:tr h="370840">
-                <a:tc rowSpan="2">
+                <a:tc vMerge="1">
                   <a:txBody>
                     <a:bodyPr/>
                     <a:lstStyle/>
@@ -7381,7 +10244,7 @@
                       </a:pPr>
                       <a:r>
                         <a:rPr lang="en-US" altLang="ko-KR" dirty="0" err="1"/>
-                        <a:t>mainGame</a:t>
+                        <a:t>db_add</a:t>
                       </a:r>
                       <a:endParaRPr lang="ko-KR" altLang="en-US" dirty="0"/>
                     </a:p>
@@ -7395,8 +10258,8 @@
                     <a:p>
                       <a:pPr algn="ctr" latinLnBrk="1"/>
                       <a:r>
-                        <a:rPr lang="en-US" altLang="ko-KR" dirty="0"/>
-                        <a:t>-</a:t>
+                        <a:rPr lang="en-US" altLang="ko-KR" dirty="0" err="1"/>
+                        <a:t>dic</a:t>
                       </a:r>
                       <a:endParaRPr lang="ko-KR" altLang="en-US" dirty="0"/>
                     </a:p>
@@ -7426,31 +10289,19 @@
                       <a:pPr algn="ctr" latinLnBrk="1"/>
                       <a:r>
                         <a:rPr lang="en-US" altLang="ko-KR" dirty="0"/>
-                        <a:t>Jump, slide </a:t>
+                        <a:t>input dictionary </a:t>
                       </a:r>
                       <a:r>
                         <a:rPr lang="ko-KR" altLang="en-US" dirty="0"/>
-                        <a:t>설정</a:t>
+                        <a:t>로 </a:t>
+                      </a:r>
+                      <a:r>
+                        <a:rPr lang="en-US" altLang="ko-KR" dirty="0" err="1"/>
+                        <a:t>DB.addDb</a:t>
                       </a:r>
                       <a:r>
                         <a:rPr lang="en-US" altLang="ko-KR" dirty="0"/>
-                        <a:t>, </a:t>
-                      </a:r>
-                      <a:r>
-                        <a:rPr lang="ko-KR" altLang="en-US" dirty="0"/>
-                        <a:t>다른 </a:t>
-                      </a:r>
-                      <a:r>
-                        <a:rPr lang="en-US" altLang="ko-KR" dirty="0"/>
-                        <a:t>class</a:t>
-                      </a:r>
-                      <a:r>
-                        <a:rPr lang="ko-KR" altLang="en-US" dirty="0"/>
-                        <a:t>들 </a:t>
-                      </a:r>
-                      <a:r>
-                        <a:rPr lang="en-US" altLang="ko-KR" dirty="0"/>
-                        <a:t>draw, update</a:t>
+                        <a:t>()</a:t>
                       </a:r>
                       <a:endParaRPr lang="ko-KR" altLang="en-US" dirty="0"/>
                     </a:p>
@@ -7499,7 +10350,7 @@
                       </a:pPr>
                       <a:r>
                         <a:rPr lang="en-US" altLang="ko-KR" dirty="0" err="1"/>
-                        <a:t>doFinish</a:t>
+                        <a:t>db_reset</a:t>
                       </a:r>
                       <a:endParaRPr lang="ko-KR" altLang="en-US" dirty="0"/>
                     </a:p>
@@ -7544,15 +10395,27 @@
                       <a:pPr algn="ctr" latinLnBrk="1"/>
                       <a:r>
                         <a:rPr lang="ko-KR" altLang="en-US" dirty="0"/>
-                        <a:t>마지막 </a:t>
+                        <a:t>지금까지 </a:t>
+                      </a:r>
+                      <a:r>
+                        <a:rPr lang="en-US" altLang="ko-KR" dirty="0" err="1"/>
+                        <a:t>db</a:t>
+                      </a:r>
+                      <a:r>
+                        <a:rPr lang="ko-KR" altLang="en-US" dirty="0"/>
+                        <a:t>수정사항 저장하고 다시 </a:t>
+                      </a:r>
+                      <a:r>
+                        <a:rPr lang="en-US" altLang="ko-KR" dirty="0" err="1"/>
+                        <a:t>db</a:t>
                       </a:r>
                       <a:r>
                         <a:rPr lang="en-US" altLang="ko-KR" dirty="0"/>
-                        <a:t>cookie died image </a:t>
+                        <a:t> </a:t>
                       </a:r>
                       <a:r>
                         <a:rPr lang="ko-KR" altLang="en-US" dirty="0"/>
-                        <a:t>위해 따로 메서드 정의</a:t>
+                        <a:t>생성</a:t>
                       </a:r>
                     </a:p>
                   </a:txBody>
@@ -7572,685 +10435,6 @@
     <p:extLst>
       <p:ext uri="{BB962C8B-B14F-4D97-AF65-F5344CB8AC3E}">
         <p14:creationId xmlns:p14="http://schemas.microsoft.com/office/powerpoint/2010/main" val="2688259297"/>
-      </p:ext>
-    </p:extLst>
-  </p:cSld>
-  <p:clrMapOvr>
-    <a:masterClrMapping/>
-  </p:clrMapOvr>
-</p:sld>
-</file>
-
-<file path=ppt/slides/slide8.xml><?xml version="1.0" encoding="utf-8"?>
-<p:sld xmlns:a="http://schemas.openxmlformats.org/drawingml/2006/main" xmlns:r="http://schemas.openxmlformats.org/officeDocument/2006/relationships" xmlns:p="http://schemas.openxmlformats.org/presentationml/2006/main">
-  <p:cSld>
-    <p:spTree>
-      <p:nvGrpSpPr>
-        <p:cNvPr id="1" name=""/>
-        <p:cNvGrpSpPr/>
-        <p:nvPr/>
-      </p:nvGrpSpPr>
-      <p:grpSpPr>
-        <a:xfrm>
-          <a:off x="0" y="0"/>
-          <a:ext cx="0" cy="0"/>
-          <a:chOff x="0" y="0"/>
-          <a:chExt cx="0" cy="0"/>
-        </a:xfrm>
-      </p:grpSpPr>
-      <p:sp>
-        <p:nvSpPr>
-          <p:cNvPr id="2" name="제목 1">
-            <a:extLst>
-              <a:ext uri="{FF2B5EF4-FFF2-40B4-BE49-F238E27FC236}">
-                <a16:creationId xmlns:a16="http://schemas.microsoft.com/office/drawing/2014/main" id="{28B1C15D-D42E-40BD-8F5D-851BD5D34744}"/>
-              </a:ext>
-            </a:extLst>
-          </p:cNvPr>
-          <p:cNvSpPr>
-            <a:spLocks noGrp="1"/>
-          </p:cNvSpPr>
-          <p:nvPr>
-            <p:ph type="title"/>
-          </p:nvPr>
-        </p:nvSpPr>
-        <p:spPr/>
-        <p:txBody>
-          <a:bodyPr/>
-          <a:lstStyle/>
-          <a:p>
-            <a:r>
-              <a:rPr lang="ko-KR" altLang="en-US" dirty="0"/>
-              <a:t>소프트웨어 구조 설계서</a:t>
-            </a:r>
-          </a:p>
-        </p:txBody>
-      </p:sp>
-      <p:sp>
-        <p:nvSpPr>
-          <p:cNvPr id="4" name="직사각형 3">
-            <a:extLst>
-              <a:ext uri="{FF2B5EF4-FFF2-40B4-BE49-F238E27FC236}">
-                <a16:creationId xmlns:a16="http://schemas.microsoft.com/office/drawing/2014/main" id="{8869B983-EE44-4932-9FA5-96EFCFEE1220}"/>
-              </a:ext>
-            </a:extLst>
-          </p:cNvPr>
-          <p:cNvSpPr/>
-          <p:nvPr/>
-        </p:nvSpPr>
-        <p:spPr>
-          <a:xfrm>
-            <a:off x="1288023" y="2013155"/>
-            <a:ext cx="2035278" cy="1415845"/>
-          </a:xfrm>
-          <a:prstGeom prst="rect">
-            <a:avLst/>
-          </a:prstGeom>
-          <a:solidFill>
-            <a:schemeClr val="bg1"/>
-          </a:solidFill>
-          <a:ln>
-            <a:solidFill>
-              <a:schemeClr val="tx1"/>
-            </a:solidFill>
-          </a:ln>
-        </p:spPr>
-        <p:style>
-          <a:lnRef idx="2">
-            <a:schemeClr val="accent1">
-              <a:shade val="50000"/>
-            </a:schemeClr>
-          </a:lnRef>
-          <a:fillRef idx="1">
-            <a:schemeClr val="accent1"/>
-          </a:fillRef>
-          <a:effectRef idx="0">
-            <a:schemeClr val="accent1"/>
-          </a:effectRef>
-          <a:fontRef idx="minor">
-            <a:schemeClr val="lt1"/>
-          </a:fontRef>
-        </p:style>
-        <p:txBody>
-          <a:bodyPr rtlCol="0" anchor="ctr"/>
-          <a:lstStyle/>
-          <a:p>
-            <a:pPr algn="ctr"/>
-            <a:r>
-              <a:rPr lang="en-US" altLang="ko-KR" dirty="0">
-                <a:ln>
-                  <a:solidFill>
-                    <a:sysClr val="windowText" lastClr="000000"/>
-                  </a:solidFill>
-                </a:ln>
-                <a:solidFill>
-                  <a:schemeClr val="tx1"/>
-                </a:solidFill>
-              </a:rPr>
-              <a:t>main</a:t>
-            </a:r>
-            <a:endParaRPr lang="ko-KR" altLang="en-US" dirty="0">
-              <a:ln>
-                <a:solidFill>
-                  <a:sysClr val="windowText" lastClr="000000"/>
-                </a:solidFill>
-              </a:ln>
-              <a:solidFill>
-                <a:schemeClr val="tx1"/>
-              </a:solidFill>
-            </a:endParaRPr>
-          </a:p>
-        </p:txBody>
-      </p:sp>
-      <p:sp>
-        <p:nvSpPr>
-          <p:cNvPr id="5" name="직사각형 4">
-            <a:extLst>
-              <a:ext uri="{FF2B5EF4-FFF2-40B4-BE49-F238E27FC236}">
-                <a16:creationId xmlns:a16="http://schemas.microsoft.com/office/drawing/2014/main" id="{BFCCDC65-C706-45BD-AFED-85F181EB0C9B}"/>
-              </a:ext>
-            </a:extLst>
-          </p:cNvPr>
-          <p:cNvSpPr/>
-          <p:nvPr/>
-        </p:nvSpPr>
-        <p:spPr>
-          <a:xfrm>
-            <a:off x="1288023" y="4544961"/>
-            <a:ext cx="2035278" cy="1415845"/>
-          </a:xfrm>
-          <a:prstGeom prst="rect">
-            <a:avLst/>
-          </a:prstGeom>
-          <a:solidFill>
-            <a:schemeClr val="bg1"/>
-          </a:solidFill>
-          <a:ln>
-            <a:solidFill>
-              <a:schemeClr val="tx1"/>
-            </a:solidFill>
-          </a:ln>
-        </p:spPr>
-        <p:style>
-          <a:lnRef idx="2">
-            <a:schemeClr val="accent1">
-              <a:shade val="50000"/>
-            </a:schemeClr>
-          </a:lnRef>
-          <a:fillRef idx="1">
-            <a:schemeClr val="accent1"/>
-          </a:fillRef>
-          <a:effectRef idx="0">
-            <a:schemeClr val="accent1"/>
-          </a:effectRef>
-          <a:fontRef idx="minor">
-            <a:schemeClr val="lt1"/>
-          </a:fontRef>
-        </p:style>
-        <p:txBody>
-          <a:bodyPr rtlCol="0" anchor="ctr"/>
-          <a:lstStyle/>
-          <a:p>
-            <a:pPr algn="ctr"/>
-            <a:r>
-              <a:rPr lang="en-US" altLang="ko-KR" dirty="0">
-                <a:ln>
-                  <a:solidFill>
-                    <a:sysClr val="windowText" lastClr="000000"/>
-                  </a:solidFill>
-                </a:ln>
-                <a:solidFill>
-                  <a:schemeClr val="tx1"/>
-                </a:solidFill>
-              </a:rPr>
-              <a:t>database</a:t>
-            </a:r>
-            <a:endParaRPr lang="ko-KR" altLang="en-US" dirty="0">
-              <a:ln>
-                <a:solidFill>
-                  <a:sysClr val="windowText" lastClr="000000"/>
-                </a:solidFill>
-              </a:ln>
-              <a:solidFill>
-                <a:schemeClr val="tx1"/>
-              </a:solidFill>
-            </a:endParaRPr>
-          </a:p>
-        </p:txBody>
-      </p:sp>
-      <p:sp>
-        <p:nvSpPr>
-          <p:cNvPr id="6" name="직사각형 5">
-            <a:extLst>
-              <a:ext uri="{FF2B5EF4-FFF2-40B4-BE49-F238E27FC236}">
-                <a16:creationId xmlns:a16="http://schemas.microsoft.com/office/drawing/2014/main" id="{528F4BE2-4C62-4DCA-AFE7-754A33EC0E24}"/>
-              </a:ext>
-            </a:extLst>
-          </p:cNvPr>
-          <p:cNvSpPr/>
-          <p:nvPr/>
-        </p:nvSpPr>
-        <p:spPr>
-          <a:xfrm>
-            <a:off x="4820262" y="2013153"/>
-            <a:ext cx="2035278" cy="1415845"/>
-          </a:xfrm>
-          <a:prstGeom prst="rect">
-            <a:avLst/>
-          </a:prstGeom>
-          <a:solidFill>
-            <a:schemeClr val="bg1"/>
-          </a:solidFill>
-          <a:ln>
-            <a:solidFill>
-              <a:schemeClr val="tx1"/>
-            </a:solidFill>
-          </a:ln>
-        </p:spPr>
-        <p:style>
-          <a:lnRef idx="2">
-            <a:schemeClr val="accent1">
-              <a:shade val="50000"/>
-            </a:schemeClr>
-          </a:lnRef>
-          <a:fillRef idx="1">
-            <a:schemeClr val="accent1"/>
-          </a:fillRef>
-          <a:effectRef idx="0">
-            <a:schemeClr val="accent1"/>
-          </a:effectRef>
-          <a:fontRef idx="minor">
-            <a:schemeClr val="lt1"/>
-          </a:fontRef>
-        </p:style>
-        <p:txBody>
-          <a:bodyPr rtlCol="0" anchor="ctr"/>
-          <a:lstStyle/>
-          <a:p>
-            <a:pPr algn="ctr"/>
-            <a:r>
-              <a:rPr lang="en-US" altLang="ko-KR" dirty="0">
-                <a:ln>
-                  <a:solidFill>
-                    <a:sysClr val="windowText" lastClr="000000"/>
-                  </a:solidFill>
-                </a:ln>
-                <a:solidFill>
-                  <a:schemeClr val="tx1"/>
-                </a:solidFill>
-              </a:rPr>
-              <a:t>widgets</a:t>
-            </a:r>
-            <a:endParaRPr lang="ko-KR" altLang="en-US" dirty="0">
-              <a:ln>
-                <a:solidFill>
-                  <a:sysClr val="windowText" lastClr="000000"/>
-                </a:solidFill>
-              </a:ln>
-              <a:solidFill>
-                <a:schemeClr val="tx1"/>
-              </a:solidFill>
-            </a:endParaRPr>
-          </a:p>
-        </p:txBody>
-      </p:sp>
-      <p:sp>
-        <p:nvSpPr>
-          <p:cNvPr id="7" name="직사각형 6">
-            <a:extLst>
-              <a:ext uri="{FF2B5EF4-FFF2-40B4-BE49-F238E27FC236}">
-                <a16:creationId xmlns:a16="http://schemas.microsoft.com/office/drawing/2014/main" id="{7317A12F-8412-4C8A-A2C9-954DB0A8A9D9}"/>
-              </a:ext>
-            </a:extLst>
-          </p:cNvPr>
-          <p:cNvSpPr/>
-          <p:nvPr/>
-        </p:nvSpPr>
-        <p:spPr>
-          <a:xfrm>
-            <a:off x="8352502" y="2013154"/>
-            <a:ext cx="2035278" cy="1415845"/>
-          </a:xfrm>
-          <a:prstGeom prst="rect">
-            <a:avLst/>
-          </a:prstGeom>
-          <a:solidFill>
-            <a:schemeClr val="bg1"/>
-          </a:solidFill>
-          <a:ln>
-            <a:solidFill>
-              <a:schemeClr val="tx1"/>
-            </a:solidFill>
-          </a:ln>
-        </p:spPr>
-        <p:style>
-          <a:lnRef idx="2">
-            <a:schemeClr val="accent1">
-              <a:shade val="50000"/>
-            </a:schemeClr>
-          </a:lnRef>
-          <a:fillRef idx="1">
-            <a:schemeClr val="accent1"/>
-          </a:fillRef>
-          <a:effectRef idx="0">
-            <a:schemeClr val="accent1"/>
-          </a:effectRef>
-          <a:fontRef idx="minor">
-            <a:schemeClr val="lt1"/>
-          </a:fontRef>
-        </p:style>
-        <p:txBody>
-          <a:bodyPr rtlCol="0" anchor="ctr"/>
-          <a:lstStyle/>
-          <a:p>
-            <a:pPr algn="ctr"/>
-            <a:r>
-              <a:rPr lang="en-US" altLang="ko-KR" dirty="0">
-                <a:ln>
-                  <a:solidFill>
-                    <a:sysClr val="windowText" lastClr="000000"/>
-                  </a:solidFill>
-                </a:ln>
-                <a:solidFill>
-                  <a:schemeClr val="tx1"/>
-                </a:solidFill>
-              </a:rPr>
-              <a:t>game</a:t>
-            </a:r>
-            <a:endParaRPr lang="ko-KR" altLang="en-US" dirty="0">
-              <a:ln>
-                <a:solidFill>
-                  <a:sysClr val="windowText" lastClr="000000"/>
-                </a:solidFill>
-              </a:ln>
-              <a:solidFill>
-                <a:schemeClr val="tx1"/>
-              </a:solidFill>
-            </a:endParaRPr>
-          </a:p>
-        </p:txBody>
-      </p:sp>
-      <p:cxnSp>
-        <p:nvCxnSpPr>
-          <p:cNvPr id="9" name="연결선: 꺾임 8">
-            <a:extLst>
-              <a:ext uri="{FF2B5EF4-FFF2-40B4-BE49-F238E27FC236}">
-                <a16:creationId xmlns:a16="http://schemas.microsoft.com/office/drawing/2014/main" id="{6DAF4331-2FDE-45B2-B1A9-85F8BF20164A}"/>
-              </a:ext>
-            </a:extLst>
-          </p:cNvPr>
-          <p:cNvCxnSpPr>
-            <a:cxnSpLocks/>
-            <a:stCxn id="4" idx="3"/>
-            <a:endCxn id="6" idx="1"/>
-          </p:cNvCxnSpPr>
-          <p:nvPr/>
-        </p:nvCxnSpPr>
-        <p:spPr>
-          <a:xfrm flipV="1">
-            <a:off x="3323301" y="2721076"/>
-            <a:ext cx="1496961" cy="2"/>
-          </a:xfrm>
-          <a:prstGeom prst="bentConnector3">
-            <a:avLst/>
-          </a:prstGeom>
-          <a:ln w="57150">
-            <a:solidFill>
-              <a:schemeClr val="tx1"/>
-            </a:solidFill>
-            <a:headEnd type="triangle"/>
-            <a:tailEnd type="triangle"/>
-          </a:ln>
-        </p:spPr>
-        <p:style>
-          <a:lnRef idx="1">
-            <a:schemeClr val="accent1"/>
-          </a:lnRef>
-          <a:fillRef idx="0">
-            <a:schemeClr val="accent1"/>
-          </a:fillRef>
-          <a:effectRef idx="0">
-            <a:schemeClr val="accent1"/>
-          </a:effectRef>
-          <a:fontRef idx="minor">
-            <a:schemeClr val="tx1"/>
-          </a:fontRef>
-        </p:style>
-      </p:cxnSp>
-      <p:cxnSp>
-        <p:nvCxnSpPr>
-          <p:cNvPr id="11" name="연결선: 꺾임 10">
-            <a:extLst>
-              <a:ext uri="{FF2B5EF4-FFF2-40B4-BE49-F238E27FC236}">
-                <a16:creationId xmlns:a16="http://schemas.microsoft.com/office/drawing/2014/main" id="{B3F1265F-B2E5-480B-8325-5BF354596824}"/>
-              </a:ext>
-            </a:extLst>
-          </p:cNvPr>
-          <p:cNvCxnSpPr>
-            <a:cxnSpLocks/>
-          </p:cNvCxnSpPr>
-          <p:nvPr/>
-        </p:nvCxnSpPr>
-        <p:spPr>
-          <a:xfrm flipV="1">
-            <a:off x="6855540" y="2721075"/>
-            <a:ext cx="1496961" cy="2"/>
-          </a:xfrm>
-          <a:prstGeom prst="bentConnector3">
-            <a:avLst/>
-          </a:prstGeom>
-          <a:ln w="57150">
-            <a:solidFill>
-              <a:schemeClr val="tx1"/>
-            </a:solidFill>
-            <a:headEnd type="triangle"/>
-            <a:tailEnd type="triangle"/>
-          </a:ln>
-        </p:spPr>
-        <p:style>
-          <a:lnRef idx="1">
-            <a:schemeClr val="accent1"/>
-          </a:lnRef>
-          <a:fillRef idx="0">
-            <a:schemeClr val="accent1"/>
-          </a:fillRef>
-          <a:effectRef idx="0">
-            <a:schemeClr val="accent1"/>
-          </a:effectRef>
-          <a:fontRef idx="minor">
-            <a:schemeClr val="tx1"/>
-          </a:fontRef>
-        </p:style>
-      </p:cxnSp>
-      <p:cxnSp>
-        <p:nvCxnSpPr>
-          <p:cNvPr id="18" name="연결선: 꺾임 17">
-            <a:extLst>
-              <a:ext uri="{FF2B5EF4-FFF2-40B4-BE49-F238E27FC236}">
-                <a16:creationId xmlns:a16="http://schemas.microsoft.com/office/drawing/2014/main" id="{0E888244-8EEE-49E1-81C1-82988ABF9868}"/>
-              </a:ext>
-            </a:extLst>
-          </p:cNvPr>
-          <p:cNvCxnSpPr>
-            <a:stCxn id="4" idx="2"/>
-            <a:endCxn id="5" idx="0"/>
-          </p:cNvCxnSpPr>
-          <p:nvPr/>
-        </p:nvCxnSpPr>
-        <p:spPr>
-          <a:xfrm rot="5400000">
-            <a:off x="1747682" y="3986980"/>
-            <a:ext cx="1115961" cy="12700"/>
-          </a:xfrm>
-          <a:prstGeom prst="bentConnector3">
-            <a:avLst/>
-          </a:prstGeom>
-          <a:ln w="57150">
-            <a:solidFill>
-              <a:schemeClr val="tx1"/>
-            </a:solidFill>
-            <a:tailEnd type="triangle"/>
-          </a:ln>
-        </p:spPr>
-        <p:style>
-          <a:lnRef idx="1">
-            <a:schemeClr val="accent1"/>
-          </a:lnRef>
-          <a:fillRef idx="0">
-            <a:schemeClr val="accent1"/>
-          </a:fillRef>
-          <a:effectRef idx="0">
-            <a:schemeClr val="accent1"/>
-          </a:effectRef>
-          <a:fontRef idx="minor">
-            <a:schemeClr val="tx1"/>
-          </a:fontRef>
-        </p:style>
-      </p:cxnSp>
-      <p:sp>
-        <p:nvSpPr>
-          <p:cNvPr id="19" name="TextBox 18">
-            <a:extLst>
-              <a:ext uri="{FF2B5EF4-FFF2-40B4-BE49-F238E27FC236}">
-                <a16:creationId xmlns:a16="http://schemas.microsoft.com/office/drawing/2014/main" id="{910D7E35-3563-4911-987B-A284336CF038}"/>
-              </a:ext>
-            </a:extLst>
-          </p:cNvPr>
-          <p:cNvSpPr txBox="1"/>
-          <p:nvPr/>
-        </p:nvSpPr>
-        <p:spPr>
-          <a:xfrm>
-            <a:off x="8352500" y="3726426"/>
-            <a:ext cx="2236841" cy="369332"/>
-          </a:xfrm>
-          <a:prstGeom prst="rect">
-            <a:avLst/>
-          </a:prstGeom>
-          <a:noFill/>
-        </p:spPr>
-        <p:txBody>
-          <a:bodyPr wrap="square" rtlCol="0">
-            <a:spAutoFit/>
-          </a:bodyPr>
-          <a:lstStyle/>
-          <a:p>
-            <a:r>
-              <a:rPr lang="en-US" altLang="ko-KR" dirty="0" err="1">
-                <a:latin typeface="이롭게 바탕체 OTF Medium" panose="020B0600000101010101" pitchFamily="34" charset="-127"/>
-                <a:ea typeface="이롭게 바탕체 OTF Medium" panose="020B0600000101010101" pitchFamily="34" charset="-127"/>
-              </a:rPr>
-              <a:t>pygame</a:t>
-            </a:r>
-            <a:r>
-              <a:rPr lang="en-US" altLang="ko-KR" dirty="0">
-                <a:latin typeface="이롭게 바탕체 OTF Medium" panose="020B0600000101010101" pitchFamily="34" charset="-127"/>
-                <a:ea typeface="이롭게 바탕체 OTF Medium" panose="020B0600000101010101" pitchFamily="34" charset="-127"/>
-              </a:rPr>
-              <a:t> </a:t>
-            </a:r>
-            <a:r>
-              <a:rPr lang="ko-KR" altLang="en-US" dirty="0">
-                <a:latin typeface="이롭게 바탕체 OTF Medium" panose="020B0600000101010101" pitchFamily="34" charset="-127"/>
-                <a:ea typeface="이롭게 바탕체 OTF Medium" panose="020B0600000101010101" pitchFamily="34" charset="-127"/>
-              </a:rPr>
-              <a:t>으로 구현</a:t>
-            </a:r>
-          </a:p>
-        </p:txBody>
-      </p:sp>
-      <p:pic>
-        <p:nvPicPr>
-          <p:cNvPr id="21" name="그림 20">
-            <a:extLst>
-              <a:ext uri="{FF2B5EF4-FFF2-40B4-BE49-F238E27FC236}">
-                <a16:creationId xmlns:a16="http://schemas.microsoft.com/office/drawing/2014/main" id="{E9E70729-1E64-4C16-87AA-F5EC294FC9DC}"/>
-              </a:ext>
-            </a:extLst>
-          </p:cNvPr>
-          <p:cNvPicPr>
-            <a:picLocks noChangeAspect="1"/>
-          </p:cNvPicPr>
-          <p:nvPr/>
-        </p:nvPicPr>
-        <p:blipFill rotWithShape="1">
-          <a:blip r:embed="rId2">
-            <a:extLst>
-              <a:ext uri="{28A0092B-C50C-407E-A947-70E740481C1C}">
-                <a14:useLocalDpi xmlns:a14="http://schemas.microsoft.com/office/drawing/2010/main" val="0"/>
-              </a:ext>
-              <a:ext uri="{837473B0-CC2E-450A-ABE3-18F120FF3D39}">
-                <a1611:picAttrSrcUrl xmlns:a1611="http://schemas.microsoft.com/office/drawing/2016/11/main" r:id="rId3"/>
-              </a:ext>
-            </a:extLst>
-          </a:blip>
-          <a:srcRect l="46814" t="41046" r="44533" b="45173"/>
-          <a:stretch/>
-        </p:blipFill>
-        <p:spPr>
-          <a:xfrm>
-            <a:off x="8986687" y="4393185"/>
-            <a:ext cx="934064" cy="786573"/>
-          </a:xfrm>
-          <a:prstGeom prst="rect">
-            <a:avLst/>
-          </a:prstGeom>
-        </p:spPr>
-      </p:pic>
-      <p:cxnSp>
-        <p:nvCxnSpPr>
-          <p:cNvPr id="26" name="연결선: 꺾임 25">
-            <a:extLst>
-              <a:ext uri="{FF2B5EF4-FFF2-40B4-BE49-F238E27FC236}">
-                <a16:creationId xmlns:a16="http://schemas.microsoft.com/office/drawing/2014/main" id="{2CEA62DC-23D0-42BE-86A2-7ED719789335}"/>
-              </a:ext>
-            </a:extLst>
-          </p:cNvPr>
-          <p:cNvCxnSpPr>
-            <a:cxnSpLocks/>
-            <a:stCxn id="21" idx="3"/>
-            <a:endCxn id="7" idx="3"/>
-          </p:cNvCxnSpPr>
-          <p:nvPr/>
-        </p:nvCxnSpPr>
-        <p:spPr>
-          <a:xfrm flipV="1">
-            <a:off x="9920751" y="2721077"/>
-            <a:ext cx="467029" cy="2065395"/>
-          </a:xfrm>
-          <a:prstGeom prst="bentConnector3">
-            <a:avLst>
-              <a:gd name="adj1" fmla="val 214212"/>
-            </a:avLst>
-          </a:prstGeom>
-          <a:ln w="57150">
-            <a:solidFill>
-              <a:schemeClr val="tx1"/>
-            </a:solidFill>
-            <a:tailEnd type="triangle"/>
-          </a:ln>
-        </p:spPr>
-        <p:style>
-          <a:lnRef idx="1">
-            <a:schemeClr val="accent1"/>
-          </a:lnRef>
-          <a:fillRef idx="0">
-            <a:schemeClr val="accent1"/>
-          </a:fillRef>
-          <a:effectRef idx="0">
-            <a:schemeClr val="accent1"/>
-          </a:effectRef>
-          <a:fontRef idx="minor">
-            <a:schemeClr val="tx1"/>
-          </a:fontRef>
-        </p:style>
-      </p:cxnSp>
-      <p:sp>
-        <p:nvSpPr>
-          <p:cNvPr id="29" name="TextBox 28">
-            <a:extLst>
-              <a:ext uri="{FF2B5EF4-FFF2-40B4-BE49-F238E27FC236}">
-                <a16:creationId xmlns:a16="http://schemas.microsoft.com/office/drawing/2014/main" id="{2F71884A-EAFB-4670-BF29-705368777840}"/>
-              </a:ext>
-            </a:extLst>
-          </p:cNvPr>
-          <p:cNvSpPr txBox="1"/>
-          <p:nvPr/>
-        </p:nvSpPr>
-        <p:spPr>
-          <a:xfrm>
-            <a:off x="9053049" y="5252883"/>
-            <a:ext cx="835742" cy="369332"/>
-          </a:xfrm>
-          <a:prstGeom prst="rect">
-            <a:avLst/>
-          </a:prstGeom>
-          <a:noFill/>
-        </p:spPr>
-        <p:txBody>
-          <a:bodyPr wrap="square" rtlCol="0">
-            <a:spAutoFit/>
-          </a:bodyPr>
-          <a:lstStyle/>
-          <a:p>
-            <a:r>
-              <a:rPr lang="en-US" altLang="ko-KR" dirty="0">
-                <a:latin typeface="이롭게 바탕체 OTF Medium" panose="020B0600000101010101" pitchFamily="34" charset="-127"/>
-                <a:ea typeface="이롭게 바탕체 OTF Medium" panose="020B0600000101010101" pitchFamily="34" charset="-127"/>
-              </a:rPr>
-              <a:t>image</a:t>
-            </a:r>
-            <a:endParaRPr lang="ko-KR" altLang="en-US" dirty="0">
-              <a:latin typeface="이롭게 바탕체 OTF Medium" panose="020B0600000101010101" pitchFamily="34" charset="-127"/>
-              <a:ea typeface="이롭게 바탕체 OTF Medium" panose="020B0600000101010101" pitchFamily="34" charset="-127"/>
-            </a:endParaRPr>
-          </a:p>
-        </p:txBody>
-      </p:sp>
-    </p:spTree>
-    <p:extLst>
-      <p:ext uri="{BB962C8B-B14F-4D97-AF65-F5344CB8AC3E}">
-        <p14:creationId xmlns:p14="http://schemas.microsoft.com/office/powerpoint/2010/main" val="1385836102"/>
       </p:ext>
     </p:extLst>
   </p:cSld>
@@ -8279,6 +10463,158 @@
       </p:grpSpPr>
       <p:sp>
         <p:nvSpPr>
+          <p:cNvPr id="69" name="직사각형 68">
+            <a:extLst>
+              <a:ext uri="{FF2B5EF4-FFF2-40B4-BE49-F238E27FC236}">
+                <a16:creationId xmlns:a16="http://schemas.microsoft.com/office/drawing/2014/main" id="{2D8B00EB-5B2A-40D2-BB58-D97D91BAB381}"/>
+              </a:ext>
+            </a:extLst>
+          </p:cNvPr>
+          <p:cNvSpPr/>
+          <p:nvPr/>
+        </p:nvSpPr>
+        <p:spPr>
+          <a:xfrm>
+            <a:off x="7076661" y="1891529"/>
+            <a:ext cx="1958009" cy="4757751"/>
+          </a:xfrm>
+          <a:prstGeom prst="rect">
+            <a:avLst/>
+          </a:prstGeom>
+          <a:solidFill>
+            <a:schemeClr val="accent1">
+              <a:lumMod val="20000"/>
+              <a:lumOff val="80000"/>
+            </a:schemeClr>
+          </a:solidFill>
+          <a:ln>
+            <a:noFill/>
+          </a:ln>
+        </p:spPr>
+        <p:style>
+          <a:lnRef idx="2">
+            <a:schemeClr val="accent1">
+              <a:shade val="50000"/>
+            </a:schemeClr>
+          </a:lnRef>
+          <a:fillRef idx="1">
+            <a:schemeClr val="accent1"/>
+          </a:fillRef>
+          <a:effectRef idx="0">
+            <a:schemeClr val="accent1"/>
+          </a:effectRef>
+          <a:fontRef idx="minor">
+            <a:schemeClr val="lt1"/>
+          </a:fontRef>
+        </p:style>
+        <p:txBody>
+          <a:bodyPr rtlCol="0" anchor="ctr"/>
+          <a:lstStyle/>
+          <a:p>
+            <a:pPr algn="ctr"/>
+            <a:endParaRPr lang="ko-KR" altLang="en-US"/>
+          </a:p>
+        </p:txBody>
+      </p:sp>
+      <p:sp>
+        <p:nvSpPr>
+          <p:cNvPr id="70" name="TextBox 69">
+            <a:extLst>
+              <a:ext uri="{FF2B5EF4-FFF2-40B4-BE49-F238E27FC236}">
+                <a16:creationId xmlns:a16="http://schemas.microsoft.com/office/drawing/2014/main" id="{4497957E-A587-465C-8042-6720454E0C40}"/>
+              </a:ext>
+            </a:extLst>
+          </p:cNvPr>
+          <p:cNvSpPr txBox="1"/>
+          <p:nvPr/>
+        </p:nvSpPr>
+        <p:spPr>
+          <a:xfrm>
+            <a:off x="7066722" y="1484073"/>
+            <a:ext cx="2693504" cy="369332"/>
+          </a:xfrm>
+          <a:prstGeom prst="rect">
+            <a:avLst/>
+          </a:prstGeom>
+          <a:noFill/>
+        </p:spPr>
+        <p:txBody>
+          <a:bodyPr wrap="square" rtlCol="0">
+            <a:spAutoFit/>
+          </a:bodyPr>
+          <a:lstStyle/>
+          <a:p>
+            <a:r>
+              <a:rPr lang="en-US" altLang="ko-KR" dirty="0">
+                <a:latin typeface="이롭게 바탕체 OTF Medium" panose="020B0600000101010101" pitchFamily="34" charset="-127"/>
+                <a:ea typeface="이롭게 바탕체 OTF Medium" panose="020B0600000101010101" pitchFamily="34" charset="-127"/>
+              </a:rPr>
+              <a:t>widgets.py class</a:t>
+            </a:r>
+            <a:endParaRPr lang="ko-KR" altLang="en-US" dirty="0">
+              <a:latin typeface="이롭게 바탕체 OTF Medium" panose="020B0600000101010101" pitchFamily="34" charset="-127"/>
+              <a:ea typeface="이롭게 바탕체 OTF Medium" panose="020B0600000101010101" pitchFamily="34" charset="-127"/>
+            </a:endParaRPr>
+          </a:p>
+        </p:txBody>
+      </p:sp>
+      <p:sp>
+        <p:nvSpPr>
+          <p:cNvPr id="31" name="직사각형 30">
+            <a:extLst>
+              <a:ext uri="{FF2B5EF4-FFF2-40B4-BE49-F238E27FC236}">
+                <a16:creationId xmlns:a16="http://schemas.microsoft.com/office/drawing/2014/main" id="{D2151F43-3D6F-441E-A137-9A02FA5E6CCC}"/>
+              </a:ext>
+            </a:extLst>
+          </p:cNvPr>
+          <p:cNvSpPr/>
+          <p:nvPr/>
+        </p:nvSpPr>
+        <p:spPr>
+          <a:xfrm>
+            <a:off x="2822707" y="1891529"/>
+            <a:ext cx="3945835" cy="4757751"/>
+          </a:xfrm>
+          <a:prstGeom prst="rect">
+            <a:avLst/>
+          </a:prstGeom>
+          <a:solidFill>
+            <a:schemeClr val="accent1">
+              <a:lumMod val="20000"/>
+              <a:lumOff val="80000"/>
+            </a:schemeClr>
+          </a:solidFill>
+          <a:ln>
+            <a:noFill/>
+          </a:ln>
+        </p:spPr>
+        <p:style>
+          <a:lnRef idx="2">
+            <a:schemeClr val="accent1">
+              <a:shade val="50000"/>
+            </a:schemeClr>
+          </a:lnRef>
+          <a:fillRef idx="1">
+            <a:schemeClr val="accent1"/>
+          </a:fillRef>
+          <a:effectRef idx="0">
+            <a:schemeClr val="accent1"/>
+          </a:effectRef>
+          <a:fontRef idx="minor">
+            <a:schemeClr val="lt1"/>
+          </a:fontRef>
+        </p:style>
+        <p:txBody>
+          <a:bodyPr rtlCol="0" anchor="ctr"/>
+          <a:lstStyle/>
+          <a:p>
+            <a:pPr algn="ctr"/>
+            <a:endParaRPr lang="ko-KR" altLang="en-US"/>
+          </a:p>
+        </p:txBody>
+      </p:sp>
+      <p:sp>
+        <p:nvSpPr>
           <p:cNvPr id="2" name="제목 1">
             <a:extLst>
               <a:ext uri="{FF2B5EF4-FFF2-40B4-BE49-F238E27FC236}">
@@ -8303,67 +10639,2508 @@
                 <a:latin typeface="HY견고딕" panose="02030600000101010101" pitchFamily="18" charset="-127"/>
                 <a:ea typeface="HY견고딕" panose="02030600000101010101" pitchFamily="18" charset="-127"/>
               </a:rPr>
-              <a:t>코드의 구현</a:t>
-            </a:r>
+              <a:t>전체 코드 구현 간단 로직</a:t>
+            </a:r>
+            <a:r>
+              <a:rPr lang="en-US" altLang="ko-KR" b="1" dirty="0">
+                <a:latin typeface="HY견고딕" panose="02030600000101010101" pitchFamily="18" charset="-127"/>
+                <a:ea typeface="HY견고딕" panose="02030600000101010101" pitchFamily="18" charset="-127"/>
+              </a:rPr>
+              <a:t>(main.py)</a:t>
+            </a:r>
+            <a:endParaRPr lang="ko-KR" altLang="en-US" b="1" dirty="0">
+              <a:latin typeface="HY견고딕" panose="02030600000101010101" pitchFamily="18" charset="-127"/>
+              <a:ea typeface="HY견고딕" panose="02030600000101010101" pitchFamily="18" charset="-127"/>
+            </a:endParaRPr>
           </a:p>
         </p:txBody>
       </p:sp>
       <p:sp>
         <p:nvSpPr>
-          <p:cNvPr id="3" name="내용 개체 틀 2">
-            <a:extLst>
-              <a:ext uri="{FF2B5EF4-FFF2-40B4-BE49-F238E27FC236}">
-                <a16:creationId xmlns:a16="http://schemas.microsoft.com/office/drawing/2014/main" id="{CA2682FA-E765-49A0-8629-29C237419AAF}"/>
-              </a:ext>
-            </a:extLst>
-          </p:cNvPr>
-          <p:cNvSpPr>
-            <a:spLocks noGrp="1"/>
-          </p:cNvSpPr>
-          <p:nvPr>
-            <p:ph idx="1"/>
-          </p:nvPr>
+          <p:cNvPr id="8" name="다이아몬드 7">
+            <a:extLst>
+              <a:ext uri="{FF2B5EF4-FFF2-40B4-BE49-F238E27FC236}">
+                <a16:creationId xmlns:a16="http://schemas.microsoft.com/office/drawing/2014/main" id="{7049E620-9645-45BE-B04B-FDDB2EB92E58}"/>
+              </a:ext>
+            </a:extLst>
+          </p:cNvPr>
+          <p:cNvSpPr/>
+          <p:nvPr/>
         </p:nvSpPr>
-        <p:spPr/>
+        <p:spPr>
+          <a:xfrm>
+            <a:off x="3260029" y="2159068"/>
+            <a:ext cx="2994991" cy="536713"/>
+          </a:xfrm>
+          <a:prstGeom prst="diamond">
+            <a:avLst/>
+          </a:prstGeom>
+          <a:solidFill>
+            <a:schemeClr val="bg1"/>
+          </a:solidFill>
+          <a:ln>
+            <a:solidFill>
+              <a:schemeClr val="tx1"/>
+            </a:solidFill>
+          </a:ln>
+        </p:spPr>
+        <p:style>
+          <a:lnRef idx="2">
+            <a:schemeClr val="accent1">
+              <a:shade val="50000"/>
+            </a:schemeClr>
+          </a:lnRef>
+          <a:fillRef idx="1">
+            <a:schemeClr val="accent1"/>
+          </a:fillRef>
+          <a:effectRef idx="0">
+            <a:schemeClr val="accent1"/>
+          </a:effectRef>
+          <a:fontRef idx="minor">
+            <a:schemeClr val="lt1"/>
+          </a:fontRef>
+        </p:style>
         <p:txBody>
-          <a:bodyPr/>
+          <a:bodyPr rtlCol="0" anchor="ctr"/>
           <a:lstStyle/>
           <a:p>
-            <a:r>
-              <a:rPr lang="ko-KR" altLang="en-US" dirty="0"/>
-              <a:t>너무 길어서 </a:t>
-            </a:r>
-            <a:r>
-              <a:rPr lang="en-US" altLang="ko-KR" dirty="0" err="1"/>
-              <a:t>github</a:t>
-            </a:r>
-            <a:r>
-              <a:rPr lang="en-US" altLang="ko-KR" dirty="0"/>
-              <a:t> </a:t>
-            </a:r>
-            <a:r>
-              <a:rPr lang="ko-KR" altLang="en-US" dirty="0"/>
-              <a:t>주소 여기에 추가하겠습니다</a:t>
-            </a:r>
-            <a:r>
-              <a:rPr lang="en-US" altLang="ko-KR" dirty="0"/>
-              <a:t>.</a:t>
-            </a:r>
-          </a:p>
-          <a:p>
-            <a:pPr marL="0" indent="0">
-              <a:buNone/>
-            </a:pPr>
-            <a:r>
-              <a:rPr lang="en-US" altLang="ko-KR" dirty="0">
-                <a:hlinkClick r:id="rId2"/>
+            <a:pPr algn="ctr"/>
+            <a:r>
+              <a:rPr lang="en-US" altLang="ko-KR" sz="1400" dirty="0">
+                <a:solidFill>
+                  <a:schemeClr val="tx1"/>
+                </a:solidFill>
+                <a:latin typeface="이롭게 바탕체 OTF Medium" panose="020B0600000101010101" pitchFamily="34" charset="-127"/>
+                <a:ea typeface="이롭게 바탕체 OTF Medium" panose="020B0600000101010101" pitchFamily="34" charset="-127"/>
               </a:rPr>
-              <a:t>https://github.com/gee2450/swp2_ADproject</a:t>
-            </a:r>
-            <a:endParaRPr lang="en-US" altLang="ko-KR" dirty="0"/>
+              <a:t>“Login”</a:t>
+            </a:r>
+            <a:endParaRPr lang="ko-KR" altLang="en-US" sz="1400" dirty="0">
+              <a:solidFill>
+                <a:schemeClr val="tx1"/>
+              </a:solidFill>
+              <a:latin typeface="이롭게 바탕체 OTF Medium" panose="020B0600000101010101" pitchFamily="34" charset="-127"/>
+              <a:ea typeface="이롭게 바탕체 OTF Medium" panose="020B0600000101010101" pitchFamily="34" charset="-127"/>
+            </a:endParaRPr>
           </a:p>
         </p:txBody>
       </p:sp>
+      <p:sp>
+        <p:nvSpPr>
+          <p:cNvPr id="13" name="다이아몬드 12">
+            <a:extLst>
+              <a:ext uri="{FF2B5EF4-FFF2-40B4-BE49-F238E27FC236}">
+                <a16:creationId xmlns:a16="http://schemas.microsoft.com/office/drawing/2014/main" id="{E3FFED16-C68C-40C1-971E-C787DD88D558}"/>
+              </a:ext>
+            </a:extLst>
+          </p:cNvPr>
+          <p:cNvSpPr/>
+          <p:nvPr/>
+        </p:nvSpPr>
+        <p:spPr>
+          <a:xfrm>
+            <a:off x="3260029" y="2917757"/>
+            <a:ext cx="2994991" cy="536713"/>
+          </a:xfrm>
+          <a:prstGeom prst="diamond">
+            <a:avLst/>
+          </a:prstGeom>
+          <a:solidFill>
+            <a:schemeClr val="bg1"/>
+          </a:solidFill>
+          <a:ln>
+            <a:solidFill>
+              <a:schemeClr val="tx1"/>
+            </a:solidFill>
+          </a:ln>
+        </p:spPr>
+        <p:style>
+          <a:lnRef idx="2">
+            <a:schemeClr val="accent1">
+              <a:shade val="50000"/>
+            </a:schemeClr>
+          </a:lnRef>
+          <a:fillRef idx="1">
+            <a:schemeClr val="accent1"/>
+          </a:fillRef>
+          <a:effectRef idx="0">
+            <a:schemeClr val="accent1"/>
+          </a:effectRef>
+          <a:fontRef idx="minor">
+            <a:schemeClr val="lt1"/>
+          </a:fontRef>
+        </p:style>
+        <p:txBody>
+          <a:bodyPr rtlCol="0" anchor="ctr"/>
+          <a:lstStyle/>
+          <a:p>
+            <a:pPr algn="ctr"/>
+            <a:r>
+              <a:rPr lang="en-US" altLang="ko-KR" sz="1400" dirty="0">
+                <a:solidFill>
+                  <a:schemeClr val="tx1"/>
+                </a:solidFill>
+                <a:latin typeface="이롭게 바탕체 OTF Medium" panose="020B0600000101010101" pitchFamily="34" charset="-127"/>
+                <a:ea typeface="이롭게 바탕체 OTF Medium" panose="020B0600000101010101" pitchFamily="34" charset="-127"/>
+              </a:rPr>
+              <a:t>“</a:t>
+            </a:r>
+            <a:r>
+              <a:rPr lang="en-US" altLang="ko-KR" sz="1400" dirty="0" err="1">
+                <a:solidFill>
+                  <a:schemeClr val="tx1"/>
+                </a:solidFill>
+                <a:latin typeface="이롭게 바탕체 OTF Medium" panose="020B0600000101010101" pitchFamily="34" charset="-127"/>
+                <a:ea typeface="이롭게 바탕체 OTF Medium" panose="020B0600000101010101" pitchFamily="34" charset="-127"/>
+              </a:rPr>
+              <a:t>SignUp</a:t>
+            </a:r>
+            <a:r>
+              <a:rPr lang="en-US" altLang="ko-KR" sz="1400" dirty="0">
+                <a:solidFill>
+                  <a:schemeClr val="tx1"/>
+                </a:solidFill>
+                <a:latin typeface="이롭게 바탕체 OTF Medium" panose="020B0600000101010101" pitchFamily="34" charset="-127"/>
+                <a:ea typeface="이롭게 바탕체 OTF Medium" panose="020B0600000101010101" pitchFamily="34" charset="-127"/>
+              </a:rPr>
+              <a:t>”</a:t>
+            </a:r>
+            <a:endParaRPr lang="ko-KR" altLang="en-US" sz="1400" dirty="0">
+              <a:solidFill>
+                <a:schemeClr val="tx1"/>
+              </a:solidFill>
+              <a:latin typeface="이롭게 바탕체 OTF Medium" panose="020B0600000101010101" pitchFamily="34" charset="-127"/>
+              <a:ea typeface="이롭게 바탕체 OTF Medium" panose="020B0600000101010101" pitchFamily="34" charset="-127"/>
+            </a:endParaRPr>
+          </a:p>
+        </p:txBody>
+      </p:sp>
+      <p:cxnSp>
+        <p:nvCxnSpPr>
+          <p:cNvPr id="19" name="직선 화살표 연결선 18">
+            <a:extLst>
+              <a:ext uri="{FF2B5EF4-FFF2-40B4-BE49-F238E27FC236}">
+                <a16:creationId xmlns:a16="http://schemas.microsoft.com/office/drawing/2014/main" id="{F730B34F-636B-4280-814A-2A3B416B9D4B}"/>
+              </a:ext>
+            </a:extLst>
+          </p:cNvPr>
+          <p:cNvCxnSpPr>
+            <a:stCxn id="8" idx="2"/>
+            <a:endCxn id="13" idx="0"/>
+          </p:cNvCxnSpPr>
+          <p:nvPr/>
+        </p:nvCxnSpPr>
+        <p:spPr>
+          <a:xfrm>
+            <a:off x="4757525" y="2695781"/>
+            <a:ext cx="0" cy="221976"/>
+          </a:xfrm>
+          <a:prstGeom prst="straightConnector1">
+            <a:avLst/>
+          </a:prstGeom>
+          <a:ln w="12700">
+            <a:solidFill>
+              <a:srgbClr val="FF0000"/>
+            </a:solidFill>
+            <a:tailEnd type="triangle"/>
+          </a:ln>
+        </p:spPr>
+        <p:style>
+          <a:lnRef idx="1">
+            <a:schemeClr val="accent1"/>
+          </a:lnRef>
+          <a:fillRef idx="0">
+            <a:schemeClr val="accent1"/>
+          </a:fillRef>
+          <a:effectRef idx="0">
+            <a:schemeClr val="accent1"/>
+          </a:effectRef>
+          <a:fontRef idx="minor">
+            <a:schemeClr val="tx1"/>
+          </a:fontRef>
+        </p:style>
+      </p:cxnSp>
+      <p:sp>
+        <p:nvSpPr>
+          <p:cNvPr id="21" name="다이아몬드 20">
+            <a:extLst>
+              <a:ext uri="{FF2B5EF4-FFF2-40B4-BE49-F238E27FC236}">
+                <a16:creationId xmlns:a16="http://schemas.microsoft.com/office/drawing/2014/main" id="{B7DF12DF-53B8-4191-8C4F-EDF2DC258C41}"/>
+              </a:ext>
+            </a:extLst>
+          </p:cNvPr>
+          <p:cNvSpPr/>
+          <p:nvPr/>
+        </p:nvSpPr>
+        <p:spPr>
+          <a:xfrm>
+            <a:off x="3260029" y="3676446"/>
+            <a:ext cx="2994991" cy="536713"/>
+          </a:xfrm>
+          <a:prstGeom prst="diamond">
+            <a:avLst/>
+          </a:prstGeom>
+          <a:solidFill>
+            <a:schemeClr val="bg1"/>
+          </a:solidFill>
+          <a:ln>
+            <a:solidFill>
+              <a:schemeClr val="tx1"/>
+            </a:solidFill>
+          </a:ln>
+        </p:spPr>
+        <p:style>
+          <a:lnRef idx="2">
+            <a:schemeClr val="accent1">
+              <a:shade val="50000"/>
+            </a:schemeClr>
+          </a:lnRef>
+          <a:fillRef idx="1">
+            <a:schemeClr val="accent1"/>
+          </a:fillRef>
+          <a:effectRef idx="0">
+            <a:schemeClr val="accent1"/>
+          </a:effectRef>
+          <a:fontRef idx="minor">
+            <a:schemeClr val="lt1"/>
+          </a:fontRef>
+        </p:style>
+        <p:txBody>
+          <a:bodyPr rtlCol="0" anchor="ctr"/>
+          <a:lstStyle/>
+          <a:p>
+            <a:pPr algn="ctr"/>
+            <a:r>
+              <a:rPr lang="en-US" altLang="ko-KR" sz="1400" dirty="0">
+                <a:solidFill>
+                  <a:schemeClr val="tx1"/>
+                </a:solidFill>
+                <a:latin typeface="이롭게 바탕체 OTF Medium" panose="020B0600000101010101" pitchFamily="34" charset="-127"/>
+                <a:ea typeface="이롭게 바탕체 OTF Medium" panose="020B0600000101010101" pitchFamily="34" charset="-127"/>
+              </a:rPr>
+              <a:t>“Character Choose”</a:t>
+            </a:r>
+            <a:endParaRPr lang="ko-KR" altLang="en-US" sz="1400" dirty="0">
+              <a:solidFill>
+                <a:schemeClr val="tx1"/>
+              </a:solidFill>
+              <a:latin typeface="이롭게 바탕체 OTF Medium" panose="020B0600000101010101" pitchFamily="34" charset="-127"/>
+              <a:ea typeface="이롭게 바탕체 OTF Medium" panose="020B0600000101010101" pitchFamily="34" charset="-127"/>
+            </a:endParaRPr>
+          </a:p>
+        </p:txBody>
+      </p:sp>
+      <p:cxnSp>
+        <p:nvCxnSpPr>
+          <p:cNvPr id="22" name="직선 화살표 연결선 21">
+            <a:extLst>
+              <a:ext uri="{FF2B5EF4-FFF2-40B4-BE49-F238E27FC236}">
+                <a16:creationId xmlns:a16="http://schemas.microsoft.com/office/drawing/2014/main" id="{16CF9C01-0561-401C-A9EC-BEE931DA3DE9}"/>
+              </a:ext>
+            </a:extLst>
+          </p:cNvPr>
+          <p:cNvCxnSpPr>
+            <a:endCxn id="21" idx="0"/>
+          </p:cNvCxnSpPr>
+          <p:nvPr/>
+        </p:nvCxnSpPr>
+        <p:spPr>
+          <a:xfrm>
+            <a:off x="4757525" y="3454470"/>
+            <a:ext cx="0" cy="221976"/>
+          </a:xfrm>
+          <a:prstGeom prst="straightConnector1">
+            <a:avLst/>
+          </a:prstGeom>
+          <a:ln w="12700">
+            <a:solidFill>
+              <a:srgbClr val="FF0000"/>
+            </a:solidFill>
+            <a:tailEnd type="triangle"/>
+          </a:ln>
+        </p:spPr>
+        <p:style>
+          <a:lnRef idx="1">
+            <a:schemeClr val="accent1"/>
+          </a:lnRef>
+          <a:fillRef idx="0">
+            <a:schemeClr val="accent1"/>
+          </a:fillRef>
+          <a:effectRef idx="0">
+            <a:schemeClr val="accent1"/>
+          </a:effectRef>
+          <a:fontRef idx="minor">
+            <a:schemeClr val="tx1"/>
+          </a:fontRef>
+        </p:style>
+      </p:cxnSp>
+      <p:sp>
+        <p:nvSpPr>
+          <p:cNvPr id="23" name="다이아몬드 22">
+            <a:extLst>
+              <a:ext uri="{FF2B5EF4-FFF2-40B4-BE49-F238E27FC236}">
+                <a16:creationId xmlns:a16="http://schemas.microsoft.com/office/drawing/2014/main" id="{64CF905C-E918-4038-A5D3-800A457CAC91}"/>
+              </a:ext>
+            </a:extLst>
+          </p:cNvPr>
+          <p:cNvSpPr/>
+          <p:nvPr/>
+        </p:nvSpPr>
+        <p:spPr>
+          <a:xfrm>
+            <a:off x="3260029" y="4462263"/>
+            <a:ext cx="2994991" cy="536713"/>
+          </a:xfrm>
+          <a:prstGeom prst="diamond">
+            <a:avLst/>
+          </a:prstGeom>
+          <a:solidFill>
+            <a:schemeClr val="bg1"/>
+          </a:solidFill>
+          <a:ln>
+            <a:solidFill>
+              <a:schemeClr val="tx1"/>
+            </a:solidFill>
+          </a:ln>
+        </p:spPr>
+        <p:style>
+          <a:lnRef idx="2">
+            <a:schemeClr val="accent1">
+              <a:shade val="50000"/>
+            </a:schemeClr>
+          </a:lnRef>
+          <a:fillRef idx="1">
+            <a:schemeClr val="accent1"/>
+          </a:fillRef>
+          <a:effectRef idx="0">
+            <a:schemeClr val="accent1"/>
+          </a:effectRef>
+          <a:fontRef idx="minor">
+            <a:schemeClr val="lt1"/>
+          </a:fontRef>
+        </p:style>
+        <p:txBody>
+          <a:bodyPr rtlCol="0" anchor="ctr"/>
+          <a:lstStyle/>
+          <a:p>
+            <a:pPr algn="ctr"/>
+            <a:r>
+              <a:rPr lang="en-US" altLang="ko-KR" sz="1400" dirty="0">
+                <a:solidFill>
+                  <a:schemeClr val="tx1"/>
+                </a:solidFill>
+                <a:latin typeface="이롭게 바탕체 OTF Medium" panose="020B0600000101010101" pitchFamily="34" charset="-127"/>
+                <a:ea typeface="이롭게 바탕체 OTF Medium" panose="020B0600000101010101" pitchFamily="34" charset="-127"/>
+              </a:rPr>
+              <a:t>“Game”</a:t>
+            </a:r>
+            <a:endParaRPr lang="ko-KR" altLang="en-US" sz="1400" dirty="0">
+              <a:solidFill>
+                <a:schemeClr val="tx1"/>
+              </a:solidFill>
+              <a:latin typeface="이롭게 바탕체 OTF Medium" panose="020B0600000101010101" pitchFamily="34" charset="-127"/>
+              <a:ea typeface="이롭게 바탕체 OTF Medium" panose="020B0600000101010101" pitchFamily="34" charset="-127"/>
+            </a:endParaRPr>
+          </a:p>
+        </p:txBody>
+      </p:sp>
+      <p:cxnSp>
+        <p:nvCxnSpPr>
+          <p:cNvPr id="24" name="직선 화살표 연결선 23">
+            <a:extLst>
+              <a:ext uri="{FF2B5EF4-FFF2-40B4-BE49-F238E27FC236}">
+                <a16:creationId xmlns:a16="http://schemas.microsoft.com/office/drawing/2014/main" id="{7D76A075-62AD-4AD3-BEC9-40D688B98AF7}"/>
+              </a:ext>
+            </a:extLst>
+          </p:cNvPr>
+          <p:cNvCxnSpPr>
+            <a:endCxn id="23" idx="0"/>
+          </p:cNvCxnSpPr>
+          <p:nvPr/>
+        </p:nvCxnSpPr>
+        <p:spPr>
+          <a:xfrm>
+            <a:off x="4757525" y="4240287"/>
+            <a:ext cx="0" cy="221976"/>
+          </a:xfrm>
+          <a:prstGeom prst="straightConnector1">
+            <a:avLst/>
+          </a:prstGeom>
+          <a:ln w="12700">
+            <a:solidFill>
+              <a:srgbClr val="FF0000"/>
+            </a:solidFill>
+            <a:tailEnd type="triangle"/>
+          </a:ln>
+        </p:spPr>
+        <p:style>
+          <a:lnRef idx="1">
+            <a:schemeClr val="accent1"/>
+          </a:lnRef>
+          <a:fillRef idx="0">
+            <a:schemeClr val="accent1"/>
+          </a:fillRef>
+          <a:effectRef idx="0">
+            <a:schemeClr val="accent1"/>
+          </a:effectRef>
+          <a:fontRef idx="minor">
+            <a:schemeClr val="tx1"/>
+          </a:fontRef>
+        </p:style>
+      </p:cxnSp>
+      <p:sp>
+        <p:nvSpPr>
+          <p:cNvPr id="25" name="다이아몬드 24">
+            <a:extLst>
+              <a:ext uri="{FF2B5EF4-FFF2-40B4-BE49-F238E27FC236}">
+                <a16:creationId xmlns:a16="http://schemas.microsoft.com/office/drawing/2014/main" id="{C44F4F30-BE30-4BAE-BE36-1A158DF5642D}"/>
+              </a:ext>
+            </a:extLst>
+          </p:cNvPr>
+          <p:cNvSpPr/>
+          <p:nvPr/>
+        </p:nvSpPr>
+        <p:spPr>
+          <a:xfrm>
+            <a:off x="3260029" y="5220952"/>
+            <a:ext cx="2994991" cy="536713"/>
+          </a:xfrm>
+          <a:prstGeom prst="diamond">
+            <a:avLst/>
+          </a:prstGeom>
+          <a:solidFill>
+            <a:schemeClr val="bg1"/>
+          </a:solidFill>
+          <a:ln>
+            <a:solidFill>
+              <a:schemeClr val="tx1"/>
+            </a:solidFill>
+          </a:ln>
+        </p:spPr>
+        <p:style>
+          <a:lnRef idx="2">
+            <a:schemeClr val="accent1">
+              <a:shade val="50000"/>
+            </a:schemeClr>
+          </a:lnRef>
+          <a:fillRef idx="1">
+            <a:schemeClr val="accent1"/>
+          </a:fillRef>
+          <a:effectRef idx="0">
+            <a:schemeClr val="accent1"/>
+          </a:effectRef>
+          <a:fontRef idx="minor">
+            <a:schemeClr val="lt1"/>
+          </a:fontRef>
+        </p:style>
+        <p:txBody>
+          <a:bodyPr rtlCol="0" anchor="ctr"/>
+          <a:lstStyle/>
+          <a:p>
+            <a:pPr algn="ctr"/>
+            <a:r>
+              <a:rPr lang="en-US" altLang="ko-KR" sz="1400" dirty="0">
+                <a:solidFill>
+                  <a:schemeClr val="tx1"/>
+                </a:solidFill>
+                <a:latin typeface="이롭게 바탕체 OTF Medium" panose="020B0600000101010101" pitchFamily="34" charset="-127"/>
+                <a:ea typeface="이롭게 바탕체 OTF Medium" panose="020B0600000101010101" pitchFamily="34" charset="-127"/>
+              </a:rPr>
+              <a:t>“Result”</a:t>
+            </a:r>
+            <a:endParaRPr lang="ko-KR" altLang="en-US" sz="1400" dirty="0">
+              <a:solidFill>
+                <a:schemeClr val="tx1"/>
+              </a:solidFill>
+              <a:latin typeface="이롭게 바탕체 OTF Medium" panose="020B0600000101010101" pitchFamily="34" charset="-127"/>
+              <a:ea typeface="이롭게 바탕체 OTF Medium" panose="020B0600000101010101" pitchFamily="34" charset="-127"/>
+            </a:endParaRPr>
+          </a:p>
+        </p:txBody>
+      </p:sp>
+      <p:cxnSp>
+        <p:nvCxnSpPr>
+          <p:cNvPr id="26" name="직선 화살표 연결선 25">
+            <a:extLst>
+              <a:ext uri="{FF2B5EF4-FFF2-40B4-BE49-F238E27FC236}">
+                <a16:creationId xmlns:a16="http://schemas.microsoft.com/office/drawing/2014/main" id="{204C8D9C-3BF6-4A40-B8DD-6B37D3DAAA97}"/>
+              </a:ext>
+            </a:extLst>
+          </p:cNvPr>
+          <p:cNvCxnSpPr>
+            <a:endCxn id="25" idx="0"/>
+          </p:cNvCxnSpPr>
+          <p:nvPr/>
+        </p:nvCxnSpPr>
+        <p:spPr>
+          <a:xfrm>
+            <a:off x="4757525" y="4998976"/>
+            <a:ext cx="0" cy="221976"/>
+          </a:xfrm>
+          <a:prstGeom prst="straightConnector1">
+            <a:avLst/>
+          </a:prstGeom>
+          <a:ln w="12700">
+            <a:solidFill>
+              <a:srgbClr val="FF0000"/>
+            </a:solidFill>
+            <a:tailEnd type="triangle"/>
+          </a:ln>
+        </p:spPr>
+        <p:style>
+          <a:lnRef idx="1">
+            <a:schemeClr val="accent1"/>
+          </a:lnRef>
+          <a:fillRef idx="0">
+            <a:schemeClr val="accent1"/>
+          </a:fillRef>
+          <a:effectRef idx="0">
+            <a:schemeClr val="accent1"/>
+          </a:effectRef>
+          <a:fontRef idx="minor">
+            <a:schemeClr val="tx1"/>
+          </a:fontRef>
+        </p:style>
+      </p:cxnSp>
+      <p:sp>
+        <p:nvSpPr>
+          <p:cNvPr id="27" name="다이아몬드 26">
+            <a:extLst>
+              <a:ext uri="{FF2B5EF4-FFF2-40B4-BE49-F238E27FC236}">
+                <a16:creationId xmlns:a16="http://schemas.microsoft.com/office/drawing/2014/main" id="{04A2C0B0-CD01-4F8A-9599-B6C668470364}"/>
+              </a:ext>
+            </a:extLst>
+          </p:cNvPr>
+          <p:cNvSpPr/>
+          <p:nvPr/>
+        </p:nvSpPr>
+        <p:spPr>
+          <a:xfrm>
+            <a:off x="3260029" y="5979641"/>
+            <a:ext cx="2994991" cy="536713"/>
+          </a:xfrm>
+          <a:prstGeom prst="diamond">
+            <a:avLst/>
+          </a:prstGeom>
+          <a:solidFill>
+            <a:schemeClr val="bg1"/>
+          </a:solidFill>
+          <a:ln>
+            <a:solidFill>
+              <a:schemeClr val="tx1"/>
+            </a:solidFill>
+          </a:ln>
+        </p:spPr>
+        <p:style>
+          <a:lnRef idx="2">
+            <a:schemeClr val="accent1">
+              <a:shade val="50000"/>
+            </a:schemeClr>
+          </a:lnRef>
+          <a:fillRef idx="1">
+            <a:schemeClr val="accent1"/>
+          </a:fillRef>
+          <a:effectRef idx="0">
+            <a:schemeClr val="accent1"/>
+          </a:effectRef>
+          <a:fontRef idx="minor">
+            <a:schemeClr val="lt1"/>
+          </a:fontRef>
+        </p:style>
+        <p:txBody>
+          <a:bodyPr rtlCol="0" anchor="ctr"/>
+          <a:lstStyle/>
+          <a:p>
+            <a:pPr algn="ctr"/>
+            <a:r>
+              <a:rPr lang="en-US" altLang="ko-KR" sz="1400" dirty="0">
+                <a:solidFill>
+                  <a:schemeClr val="tx1"/>
+                </a:solidFill>
+                <a:latin typeface="이롭게 바탕체 OTF Medium" panose="020B0600000101010101" pitchFamily="34" charset="-127"/>
+                <a:ea typeface="이롭게 바탕체 OTF Medium" panose="020B0600000101010101" pitchFamily="34" charset="-127"/>
+              </a:rPr>
+              <a:t>“Finish”</a:t>
+            </a:r>
+            <a:endParaRPr lang="ko-KR" altLang="en-US" sz="1400" dirty="0">
+              <a:solidFill>
+                <a:schemeClr val="tx1"/>
+              </a:solidFill>
+              <a:latin typeface="이롭게 바탕체 OTF Medium" panose="020B0600000101010101" pitchFamily="34" charset="-127"/>
+              <a:ea typeface="이롭게 바탕체 OTF Medium" panose="020B0600000101010101" pitchFamily="34" charset="-127"/>
+            </a:endParaRPr>
+          </a:p>
+        </p:txBody>
+      </p:sp>
+      <p:cxnSp>
+        <p:nvCxnSpPr>
+          <p:cNvPr id="28" name="직선 화살표 연결선 27">
+            <a:extLst>
+              <a:ext uri="{FF2B5EF4-FFF2-40B4-BE49-F238E27FC236}">
+                <a16:creationId xmlns:a16="http://schemas.microsoft.com/office/drawing/2014/main" id="{B266C74F-019F-4AD5-B69E-1F5B1E1CB8F6}"/>
+              </a:ext>
+            </a:extLst>
+          </p:cNvPr>
+          <p:cNvCxnSpPr>
+            <a:endCxn id="27" idx="0"/>
+          </p:cNvCxnSpPr>
+          <p:nvPr/>
+        </p:nvCxnSpPr>
+        <p:spPr>
+          <a:xfrm>
+            <a:off x="4757525" y="5757665"/>
+            <a:ext cx="0" cy="221976"/>
+          </a:xfrm>
+          <a:prstGeom prst="straightConnector1">
+            <a:avLst/>
+          </a:prstGeom>
+          <a:ln w="12700">
+            <a:solidFill>
+              <a:srgbClr val="FF0000"/>
+            </a:solidFill>
+            <a:tailEnd type="triangle"/>
+          </a:ln>
+        </p:spPr>
+        <p:style>
+          <a:lnRef idx="1">
+            <a:schemeClr val="accent1"/>
+          </a:lnRef>
+          <a:fillRef idx="0">
+            <a:schemeClr val="accent1"/>
+          </a:fillRef>
+          <a:effectRef idx="0">
+            <a:schemeClr val="accent1"/>
+          </a:effectRef>
+          <a:fontRef idx="minor">
+            <a:schemeClr val="tx1"/>
+          </a:fontRef>
+        </p:style>
+      </p:cxnSp>
+      <p:cxnSp>
+        <p:nvCxnSpPr>
+          <p:cNvPr id="30" name="직선 화살표 연결선 29">
+            <a:extLst>
+              <a:ext uri="{FF2B5EF4-FFF2-40B4-BE49-F238E27FC236}">
+                <a16:creationId xmlns:a16="http://schemas.microsoft.com/office/drawing/2014/main" id="{80BFD839-2955-4226-B9B4-660FB98C8E0F}"/>
+              </a:ext>
+            </a:extLst>
+          </p:cNvPr>
+          <p:cNvCxnSpPr>
+            <a:cxnSpLocks/>
+            <a:stCxn id="8" idx="3"/>
+          </p:cNvCxnSpPr>
+          <p:nvPr/>
+        </p:nvCxnSpPr>
+        <p:spPr>
+          <a:xfrm flipV="1">
+            <a:off x="6255020" y="2427424"/>
+            <a:ext cx="1020423" cy="1"/>
+          </a:xfrm>
+          <a:prstGeom prst="straightConnector1">
+            <a:avLst/>
+          </a:prstGeom>
+          <a:ln w="12700">
+            <a:solidFill>
+              <a:srgbClr val="002060"/>
+            </a:solidFill>
+            <a:tailEnd type="triangle"/>
+          </a:ln>
+        </p:spPr>
+        <p:style>
+          <a:lnRef idx="1">
+            <a:schemeClr val="accent1"/>
+          </a:lnRef>
+          <a:fillRef idx="0">
+            <a:schemeClr val="accent1"/>
+          </a:fillRef>
+          <a:effectRef idx="0">
+            <a:schemeClr val="accent1"/>
+          </a:effectRef>
+          <a:fontRef idx="minor">
+            <a:schemeClr val="tx1"/>
+          </a:fontRef>
+        </p:style>
+      </p:cxnSp>
+      <p:sp>
+        <p:nvSpPr>
+          <p:cNvPr id="32" name="TextBox 31">
+            <a:extLst>
+              <a:ext uri="{FF2B5EF4-FFF2-40B4-BE49-F238E27FC236}">
+                <a16:creationId xmlns:a16="http://schemas.microsoft.com/office/drawing/2014/main" id="{6026B59A-2705-4F1D-B5E3-9F17707EC357}"/>
+              </a:ext>
+            </a:extLst>
+          </p:cNvPr>
+          <p:cNvSpPr txBox="1"/>
+          <p:nvPr/>
+        </p:nvSpPr>
+        <p:spPr>
+          <a:xfrm>
+            <a:off x="2753133" y="1504157"/>
+            <a:ext cx="2693504" cy="369332"/>
+          </a:xfrm>
+          <a:prstGeom prst="rect">
+            <a:avLst/>
+          </a:prstGeom>
+          <a:noFill/>
+        </p:spPr>
+        <p:txBody>
+          <a:bodyPr wrap="square" rtlCol="0">
+            <a:spAutoFit/>
+          </a:bodyPr>
+          <a:lstStyle/>
+          <a:p>
+            <a:r>
+              <a:rPr lang="en-US" altLang="ko-KR" dirty="0">
+                <a:latin typeface="이롭게 바탕체 OTF Medium" panose="020B0600000101010101" pitchFamily="34" charset="-127"/>
+                <a:ea typeface="이롭게 바탕체 OTF Medium" panose="020B0600000101010101" pitchFamily="34" charset="-127"/>
+              </a:rPr>
+              <a:t>main.py       </a:t>
+            </a:r>
+            <a:r>
+              <a:rPr lang="en-US" altLang="ko-KR" dirty="0" err="1">
+                <a:latin typeface="이롭게 바탕체 OTF Medium" panose="020B0600000101010101" pitchFamily="34" charset="-127"/>
+                <a:ea typeface="이롭게 바탕체 OTF Medium" panose="020B0600000101010101" pitchFamily="34" charset="-127"/>
+              </a:rPr>
+              <a:t>new_content</a:t>
+            </a:r>
+            <a:endParaRPr lang="ko-KR" altLang="en-US" dirty="0">
+              <a:latin typeface="이롭게 바탕체 OTF Medium" panose="020B0600000101010101" pitchFamily="34" charset="-127"/>
+              <a:ea typeface="이롭게 바탕체 OTF Medium" panose="020B0600000101010101" pitchFamily="34" charset="-127"/>
+            </a:endParaRPr>
+          </a:p>
+        </p:txBody>
+      </p:sp>
+      <p:cxnSp>
+        <p:nvCxnSpPr>
+          <p:cNvPr id="34" name="직선 연결선 33">
+            <a:extLst>
+              <a:ext uri="{FF2B5EF4-FFF2-40B4-BE49-F238E27FC236}">
+                <a16:creationId xmlns:a16="http://schemas.microsoft.com/office/drawing/2014/main" id="{B079A26E-5DB8-499C-BFD9-C5F629B18685}"/>
+              </a:ext>
+            </a:extLst>
+          </p:cNvPr>
+          <p:cNvCxnSpPr/>
+          <p:nvPr/>
+        </p:nvCxnSpPr>
+        <p:spPr>
+          <a:xfrm>
+            <a:off x="4757525" y="1875354"/>
+            <a:ext cx="0" cy="283714"/>
+          </a:xfrm>
+          <a:prstGeom prst="line">
+            <a:avLst/>
+          </a:prstGeom>
+          <a:ln w="12700">
+            <a:solidFill>
+              <a:schemeClr val="tx1"/>
+            </a:solidFill>
+          </a:ln>
+        </p:spPr>
+        <p:style>
+          <a:lnRef idx="1">
+            <a:schemeClr val="accent1"/>
+          </a:lnRef>
+          <a:fillRef idx="0">
+            <a:schemeClr val="accent1"/>
+          </a:fillRef>
+          <a:effectRef idx="0">
+            <a:schemeClr val="accent1"/>
+          </a:effectRef>
+          <a:fontRef idx="minor">
+            <a:schemeClr val="tx1"/>
+          </a:fontRef>
+        </p:style>
+      </p:cxnSp>
+      <p:cxnSp>
+        <p:nvCxnSpPr>
+          <p:cNvPr id="36" name="직선 화살표 연결선 35">
+            <a:extLst>
+              <a:ext uri="{FF2B5EF4-FFF2-40B4-BE49-F238E27FC236}">
+                <a16:creationId xmlns:a16="http://schemas.microsoft.com/office/drawing/2014/main" id="{86042547-3DB6-4CB2-99E7-599AEA2CE70E}"/>
+              </a:ext>
+            </a:extLst>
+          </p:cNvPr>
+          <p:cNvCxnSpPr>
+            <a:cxnSpLocks/>
+          </p:cNvCxnSpPr>
+          <p:nvPr/>
+        </p:nvCxnSpPr>
+        <p:spPr>
+          <a:xfrm>
+            <a:off x="6255020" y="3186112"/>
+            <a:ext cx="1020423" cy="0"/>
+          </a:xfrm>
+          <a:prstGeom prst="straightConnector1">
+            <a:avLst/>
+          </a:prstGeom>
+          <a:ln w="12700">
+            <a:solidFill>
+              <a:srgbClr val="002060"/>
+            </a:solidFill>
+            <a:tailEnd type="triangle"/>
+          </a:ln>
+        </p:spPr>
+        <p:style>
+          <a:lnRef idx="1">
+            <a:schemeClr val="accent1"/>
+          </a:lnRef>
+          <a:fillRef idx="0">
+            <a:schemeClr val="accent1"/>
+          </a:fillRef>
+          <a:effectRef idx="0">
+            <a:schemeClr val="accent1"/>
+          </a:effectRef>
+          <a:fontRef idx="minor">
+            <a:schemeClr val="tx1"/>
+          </a:fontRef>
+        </p:style>
+      </p:cxnSp>
+      <p:cxnSp>
+        <p:nvCxnSpPr>
+          <p:cNvPr id="38" name="직선 화살표 연결선 37">
+            <a:extLst>
+              <a:ext uri="{FF2B5EF4-FFF2-40B4-BE49-F238E27FC236}">
+                <a16:creationId xmlns:a16="http://schemas.microsoft.com/office/drawing/2014/main" id="{A52407DB-0DE4-41D2-8F4E-5B501326499D}"/>
+              </a:ext>
+            </a:extLst>
+          </p:cNvPr>
+          <p:cNvCxnSpPr>
+            <a:cxnSpLocks/>
+            <a:endCxn id="118" idx="1"/>
+          </p:cNvCxnSpPr>
+          <p:nvPr/>
+        </p:nvCxnSpPr>
+        <p:spPr>
+          <a:xfrm>
+            <a:off x="6255020" y="5482051"/>
+            <a:ext cx="1020423" cy="15583"/>
+          </a:xfrm>
+          <a:prstGeom prst="straightConnector1">
+            <a:avLst/>
+          </a:prstGeom>
+          <a:ln w="12700">
+            <a:solidFill>
+              <a:srgbClr val="002060"/>
+            </a:solidFill>
+            <a:tailEnd type="triangle"/>
+          </a:ln>
+        </p:spPr>
+        <p:style>
+          <a:lnRef idx="1">
+            <a:schemeClr val="accent1"/>
+          </a:lnRef>
+          <a:fillRef idx="0">
+            <a:schemeClr val="accent1"/>
+          </a:fillRef>
+          <a:effectRef idx="0">
+            <a:schemeClr val="accent1"/>
+          </a:effectRef>
+          <a:fontRef idx="minor">
+            <a:schemeClr val="tx1"/>
+          </a:fontRef>
+        </p:style>
+      </p:cxnSp>
+      <p:cxnSp>
+        <p:nvCxnSpPr>
+          <p:cNvPr id="39" name="직선 화살표 연결선 38">
+            <a:extLst>
+              <a:ext uri="{FF2B5EF4-FFF2-40B4-BE49-F238E27FC236}">
+                <a16:creationId xmlns:a16="http://schemas.microsoft.com/office/drawing/2014/main" id="{370BCA39-DCD5-40A2-84D9-2EC439BF41E1}"/>
+              </a:ext>
+            </a:extLst>
+          </p:cNvPr>
+          <p:cNvCxnSpPr>
+            <a:cxnSpLocks/>
+            <a:endCxn id="117" idx="1"/>
+          </p:cNvCxnSpPr>
+          <p:nvPr/>
+        </p:nvCxnSpPr>
+        <p:spPr>
+          <a:xfrm flipV="1">
+            <a:off x="6255020" y="4719560"/>
+            <a:ext cx="1020423" cy="7118"/>
+          </a:xfrm>
+          <a:prstGeom prst="straightConnector1">
+            <a:avLst/>
+          </a:prstGeom>
+          <a:ln w="12700">
+            <a:solidFill>
+              <a:srgbClr val="002060"/>
+            </a:solidFill>
+            <a:tailEnd type="triangle"/>
+          </a:ln>
+        </p:spPr>
+        <p:style>
+          <a:lnRef idx="1">
+            <a:schemeClr val="accent1"/>
+          </a:lnRef>
+          <a:fillRef idx="0">
+            <a:schemeClr val="accent1"/>
+          </a:fillRef>
+          <a:effectRef idx="0">
+            <a:schemeClr val="accent1"/>
+          </a:effectRef>
+          <a:fontRef idx="minor">
+            <a:schemeClr val="tx1"/>
+          </a:fontRef>
+        </p:style>
+      </p:cxnSp>
+      <p:cxnSp>
+        <p:nvCxnSpPr>
+          <p:cNvPr id="40" name="직선 화살표 연결선 39">
+            <a:extLst>
+              <a:ext uri="{FF2B5EF4-FFF2-40B4-BE49-F238E27FC236}">
+                <a16:creationId xmlns:a16="http://schemas.microsoft.com/office/drawing/2014/main" id="{173B7EC9-D522-4604-9616-E03DCD1AC052}"/>
+              </a:ext>
+            </a:extLst>
+          </p:cNvPr>
+          <p:cNvCxnSpPr>
+            <a:cxnSpLocks/>
+            <a:endCxn id="116" idx="1"/>
+          </p:cNvCxnSpPr>
+          <p:nvPr/>
+        </p:nvCxnSpPr>
+        <p:spPr>
+          <a:xfrm>
+            <a:off x="6255020" y="3941486"/>
+            <a:ext cx="1027044" cy="0"/>
+          </a:xfrm>
+          <a:prstGeom prst="straightConnector1">
+            <a:avLst/>
+          </a:prstGeom>
+          <a:ln w="12700">
+            <a:solidFill>
+              <a:srgbClr val="002060"/>
+            </a:solidFill>
+            <a:tailEnd type="triangle"/>
+          </a:ln>
+        </p:spPr>
+        <p:style>
+          <a:lnRef idx="1">
+            <a:schemeClr val="accent1"/>
+          </a:lnRef>
+          <a:fillRef idx="0">
+            <a:schemeClr val="accent1"/>
+          </a:fillRef>
+          <a:effectRef idx="0">
+            <a:schemeClr val="accent1"/>
+          </a:effectRef>
+          <a:fontRef idx="minor">
+            <a:schemeClr val="tx1"/>
+          </a:fontRef>
+        </p:style>
+      </p:cxnSp>
+      <p:sp>
+        <p:nvSpPr>
+          <p:cNvPr id="41" name="직사각형 40">
+            <a:extLst>
+              <a:ext uri="{FF2B5EF4-FFF2-40B4-BE49-F238E27FC236}">
+                <a16:creationId xmlns:a16="http://schemas.microsoft.com/office/drawing/2014/main" id="{4C003CFF-02CC-4205-A50B-2AEF5996C9A9}"/>
+              </a:ext>
+            </a:extLst>
+          </p:cNvPr>
+          <p:cNvSpPr/>
+          <p:nvPr/>
+        </p:nvSpPr>
+        <p:spPr>
+          <a:xfrm>
+            <a:off x="223624" y="3269974"/>
+            <a:ext cx="2085561" cy="3379306"/>
+          </a:xfrm>
+          <a:prstGeom prst="rect">
+            <a:avLst/>
+          </a:prstGeom>
+          <a:solidFill>
+            <a:schemeClr val="accent1">
+              <a:lumMod val="20000"/>
+              <a:lumOff val="80000"/>
+            </a:schemeClr>
+          </a:solidFill>
+          <a:ln>
+            <a:noFill/>
+          </a:ln>
+        </p:spPr>
+        <p:style>
+          <a:lnRef idx="2">
+            <a:schemeClr val="accent1">
+              <a:shade val="50000"/>
+            </a:schemeClr>
+          </a:lnRef>
+          <a:fillRef idx="1">
+            <a:schemeClr val="accent1"/>
+          </a:fillRef>
+          <a:effectRef idx="0">
+            <a:schemeClr val="accent1"/>
+          </a:effectRef>
+          <a:fontRef idx="minor">
+            <a:schemeClr val="lt1"/>
+          </a:fontRef>
+        </p:style>
+        <p:txBody>
+          <a:bodyPr rtlCol="0" anchor="ctr"/>
+          <a:lstStyle/>
+          <a:p>
+            <a:pPr algn="ctr"/>
+            <a:endParaRPr lang="ko-KR" altLang="en-US"/>
+          </a:p>
+        </p:txBody>
+      </p:sp>
+      <p:sp>
+        <p:nvSpPr>
+          <p:cNvPr id="42" name="TextBox 41">
+            <a:extLst>
+              <a:ext uri="{FF2B5EF4-FFF2-40B4-BE49-F238E27FC236}">
+                <a16:creationId xmlns:a16="http://schemas.microsoft.com/office/drawing/2014/main" id="{25D866DD-4255-4943-BD04-40442AE57413}"/>
+              </a:ext>
+            </a:extLst>
+          </p:cNvPr>
+          <p:cNvSpPr txBox="1"/>
+          <p:nvPr/>
+        </p:nvSpPr>
+        <p:spPr>
+          <a:xfrm>
+            <a:off x="139147" y="2890238"/>
+            <a:ext cx="2170037" cy="369332"/>
+          </a:xfrm>
+          <a:prstGeom prst="rect">
+            <a:avLst/>
+          </a:prstGeom>
+          <a:noFill/>
+        </p:spPr>
+        <p:txBody>
+          <a:bodyPr wrap="square" rtlCol="0">
+            <a:spAutoFit/>
+          </a:bodyPr>
+          <a:lstStyle/>
+          <a:p>
+            <a:r>
+              <a:rPr lang="en-US" altLang="ko-KR" dirty="0">
+                <a:latin typeface="이롭게 바탕체 OTF Medium" panose="020B0600000101010101" pitchFamily="34" charset="-127"/>
+                <a:ea typeface="이롭게 바탕체 OTF Medium" panose="020B0600000101010101" pitchFamily="34" charset="-127"/>
+              </a:rPr>
+              <a:t>database.py</a:t>
+            </a:r>
+            <a:endParaRPr lang="ko-KR" altLang="en-US" dirty="0">
+              <a:latin typeface="이롭게 바탕체 OTF Medium" panose="020B0600000101010101" pitchFamily="34" charset="-127"/>
+              <a:ea typeface="이롭게 바탕체 OTF Medium" panose="020B0600000101010101" pitchFamily="34" charset="-127"/>
+            </a:endParaRPr>
+          </a:p>
+        </p:txBody>
+      </p:sp>
+      <p:sp>
+        <p:nvSpPr>
+          <p:cNvPr id="43" name="직사각형 42">
+            <a:extLst>
+              <a:ext uri="{FF2B5EF4-FFF2-40B4-BE49-F238E27FC236}">
+                <a16:creationId xmlns:a16="http://schemas.microsoft.com/office/drawing/2014/main" id="{E07742F0-913E-4396-9123-E3021838D8FB}"/>
+              </a:ext>
+            </a:extLst>
+          </p:cNvPr>
+          <p:cNvSpPr/>
+          <p:nvPr/>
+        </p:nvSpPr>
+        <p:spPr>
+          <a:xfrm>
+            <a:off x="477078" y="6028704"/>
+            <a:ext cx="1470992" cy="437321"/>
+          </a:xfrm>
+          <a:prstGeom prst="rect">
+            <a:avLst/>
+          </a:prstGeom>
+          <a:solidFill>
+            <a:schemeClr val="bg1"/>
+          </a:solidFill>
+          <a:ln>
+            <a:solidFill>
+              <a:schemeClr val="tx1"/>
+            </a:solidFill>
+          </a:ln>
+        </p:spPr>
+        <p:style>
+          <a:lnRef idx="2">
+            <a:schemeClr val="accent1">
+              <a:shade val="50000"/>
+            </a:schemeClr>
+          </a:lnRef>
+          <a:fillRef idx="1">
+            <a:schemeClr val="accent1"/>
+          </a:fillRef>
+          <a:effectRef idx="0">
+            <a:schemeClr val="accent1"/>
+          </a:effectRef>
+          <a:fontRef idx="minor">
+            <a:schemeClr val="lt1"/>
+          </a:fontRef>
+        </p:style>
+        <p:txBody>
+          <a:bodyPr rtlCol="0" anchor="ctr"/>
+          <a:lstStyle/>
+          <a:p>
+            <a:pPr algn="ctr"/>
+            <a:r>
+              <a:rPr lang="en-US" altLang="ko-KR" sz="1400" dirty="0" err="1">
+                <a:solidFill>
+                  <a:schemeClr val="tx1"/>
+                </a:solidFill>
+                <a:latin typeface="이롭게 바탕체 OTF Medium" panose="020B0600000101010101" pitchFamily="34" charset="-127"/>
+                <a:ea typeface="이롭게 바탕체 OTF Medium" panose="020B0600000101010101" pitchFamily="34" charset="-127"/>
+              </a:rPr>
+              <a:t>writeDB</a:t>
+            </a:r>
+            <a:r>
+              <a:rPr lang="en-US" altLang="ko-KR" sz="1400" dirty="0">
+                <a:solidFill>
+                  <a:schemeClr val="tx1"/>
+                </a:solidFill>
+                <a:latin typeface="이롭게 바탕체 OTF Medium" panose="020B0600000101010101" pitchFamily="34" charset="-127"/>
+                <a:ea typeface="이롭게 바탕체 OTF Medium" panose="020B0600000101010101" pitchFamily="34" charset="-127"/>
+              </a:rPr>
+              <a:t>()</a:t>
+            </a:r>
+            <a:endParaRPr lang="ko-KR" altLang="en-US" sz="1400" dirty="0">
+              <a:solidFill>
+                <a:schemeClr val="tx1"/>
+              </a:solidFill>
+              <a:latin typeface="이롭게 바탕체 OTF Medium" panose="020B0600000101010101" pitchFamily="34" charset="-127"/>
+              <a:ea typeface="이롭게 바탕체 OTF Medium" panose="020B0600000101010101" pitchFamily="34" charset="-127"/>
+            </a:endParaRPr>
+          </a:p>
+        </p:txBody>
+      </p:sp>
+      <p:sp>
+        <p:nvSpPr>
+          <p:cNvPr id="44" name="직사각형 43">
+            <a:extLst>
+              <a:ext uri="{FF2B5EF4-FFF2-40B4-BE49-F238E27FC236}">
+                <a16:creationId xmlns:a16="http://schemas.microsoft.com/office/drawing/2014/main" id="{AEAFFDC2-7B48-45C1-BE1A-C653B5E72AD8}"/>
+              </a:ext>
+            </a:extLst>
+          </p:cNvPr>
+          <p:cNvSpPr/>
+          <p:nvPr/>
+        </p:nvSpPr>
+        <p:spPr>
+          <a:xfrm>
+            <a:off x="477078" y="5406718"/>
+            <a:ext cx="1470992" cy="437321"/>
+          </a:xfrm>
+          <a:prstGeom prst="rect">
+            <a:avLst/>
+          </a:prstGeom>
+          <a:solidFill>
+            <a:schemeClr val="bg1"/>
+          </a:solidFill>
+          <a:ln>
+            <a:solidFill>
+              <a:schemeClr val="tx1"/>
+            </a:solidFill>
+          </a:ln>
+        </p:spPr>
+        <p:style>
+          <a:lnRef idx="2">
+            <a:schemeClr val="accent1">
+              <a:shade val="50000"/>
+            </a:schemeClr>
+          </a:lnRef>
+          <a:fillRef idx="1">
+            <a:schemeClr val="accent1"/>
+          </a:fillRef>
+          <a:effectRef idx="0">
+            <a:schemeClr val="accent1"/>
+          </a:effectRef>
+          <a:fontRef idx="minor">
+            <a:schemeClr val="lt1"/>
+          </a:fontRef>
+        </p:style>
+        <p:txBody>
+          <a:bodyPr rtlCol="0" anchor="ctr"/>
+          <a:lstStyle/>
+          <a:p>
+            <a:pPr algn="ctr"/>
+            <a:r>
+              <a:rPr lang="en-US" altLang="ko-KR" sz="1400" dirty="0" err="1">
+                <a:solidFill>
+                  <a:schemeClr val="tx1"/>
+                </a:solidFill>
+                <a:latin typeface="이롭게 바탕체 OTF Medium" panose="020B0600000101010101" pitchFamily="34" charset="-127"/>
+                <a:ea typeface="이롭게 바탕체 OTF Medium" panose="020B0600000101010101" pitchFamily="34" charset="-127"/>
+              </a:rPr>
+              <a:t>editScore</a:t>
+            </a:r>
+            <a:r>
+              <a:rPr lang="en-US" altLang="ko-KR" sz="1400" dirty="0">
+                <a:solidFill>
+                  <a:schemeClr val="tx1"/>
+                </a:solidFill>
+                <a:latin typeface="이롭게 바탕체 OTF Medium" panose="020B0600000101010101" pitchFamily="34" charset="-127"/>
+                <a:ea typeface="이롭게 바탕체 OTF Medium" panose="020B0600000101010101" pitchFamily="34" charset="-127"/>
+              </a:rPr>
+              <a:t>()</a:t>
+            </a:r>
+            <a:endParaRPr lang="ko-KR" altLang="en-US" sz="1400" dirty="0">
+              <a:solidFill>
+                <a:schemeClr val="tx1"/>
+              </a:solidFill>
+              <a:latin typeface="이롭게 바탕체 OTF Medium" panose="020B0600000101010101" pitchFamily="34" charset="-127"/>
+              <a:ea typeface="이롭게 바탕체 OTF Medium" panose="020B0600000101010101" pitchFamily="34" charset="-127"/>
+            </a:endParaRPr>
+          </a:p>
+        </p:txBody>
+      </p:sp>
+      <p:sp>
+        <p:nvSpPr>
+          <p:cNvPr id="45" name="직사각형 44">
+            <a:extLst>
+              <a:ext uri="{FF2B5EF4-FFF2-40B4-BE49-F238E27FC236}">
+                <a16:creationId xmlns:a16="http://schemas.microsoft.com/office/drawing/2014/main" id="{21569BA4-4806-4BBB-905F-0D3C057166B4}"/>
+              </a:ext>
+            </a:extLst>
+          </p:cNvPr>
+          <p:cNvSpPr/>
+          <p:nvPr/>
+        </p:nvSpPr>
+        <p:spPr>
+          <a:xfrm>
+            <a:off x="477078" y="3509103"/>
+            <a:ext cx="1470992" cy="874645"/>
+          </a:xfrm>
+          <a:prstGeom prst="rect">
+            <a:avLst/>
+          </a:prstGeom>
+          <a:solidFill>
+            <a:schemeClr val="bg1"/>
+          </a:solidFill>
+          <a:ln>
+            <a:solidFill>
+              <a:schemeClr val="tx1"/>
+            </a:solidFill>
+          </a:ln>
+        </p:spPr>
+        <p:style>
+          <a:lnRef idx="2">
+            <a:schemeClr val="accent1">
+              <a:shade val="50000"/>
+            </a:schemeClr>
+          </a:lnRef>
+          <a:fillRef idx="1">
+            <a:schemeClr val="accent1"/>
+          </a:fillRef>
+          <a:effectRef idx="0">
+            <a:schemeClr val="accent1"/>
+          </a:effectRef>
+          <a:fontRef idx="minor">
+            <a:schemeClr val="lt1"/>
+          </a:fontRef>
+        </p:style>
+        <p:txBody>
+          <a:bodyPr rtlCol="0" anchor="ctr"/>
+          <a:lstStyle/>
+          <a:p>
+            <a:pPr algn="ctr"/>
+            <a:r>
+              <a:rPr lang="en-US" altLang="ko-KR" sz="1400" dirty="0" err="1">
+                <a:solidFill>
+                  <a:schemeClr val="tx1"/>
+                </a:solidFill>
+                <a:latin typeface="이롭게 바탕체 OTF Medium" panose="020B0600000101010101" pitchFamily="34" charset="-127"/>
+                <a:ea typeface="이롭게 바탕체 OTF Medium" panose="020B0600000101010101" pitchFamily="34" charset="-127"/>
+              </a:rPr>
+              <a:t>writeDB</a:t>
+            </a:r>
+            <a:r>
+              <a:rPr lang="en-US" altLang="ko-KR" sz="1400" dirty="0">
+                <a:solidFill>
+                  <a:schemeClr val="tx1"/>
+                </a:solidFill>
+                <a:latin typeface="이롭게 바탕체 OTF Medium" panose="020B0600000101010101" pitchFamily="34" charset="-127"/>
+                <a:ea typeface="이롭게 바탕체 OTF Medium" panose="020B0600000101010101" pitchFamily="34" charset="-127"/>
+              </a:rPr>
+              <a:t>()</a:t>
+            </a:r>
+          </a:p>
+          <a:p>
+            <a:pPr algn="ctr"/>
+            <a:r>
+              <a:rPr lang="en-US" altLang="ko-KR" sz="1400" dirty="0">
+                <a:solidFill>
+                  <a:schemeClr val="tx1"/>
+                </a:solidFill>
+                <a:latin typeface="이롭게 바탕체 OTF Medium" panose="020B0600000101010101" pitchFamily="34" charset="-127"/>
+                <a:ea typeface="이롭게 바탕체 OTF Medium" panose="020B0600000101010101" pitchFamily="34" charset="-127"/>
+              </a:rPr>
+              <a:t>DB()</a:t>
+            </a:r>
+            <a:endParaRPr lang="ko-KR" altLang="en-US" sz="1400" dirty="0">
+              <a:solidFill>
+                <a:schemeClr val="tx1"/>
+              </a:solidFill>
+              <a:latin typeface="이롭게 바탕체 OTF Medium" panose="020B0600000101010101" pitchFamily="34" charset="-127"/>
+              <a:ea typeface="이롭게 바탕체 OTF Medium" panose="020B0600000101010101" pitchFamily="34" charset="-127"/>
+            </a:endParaRPr>
+          </a:p>
+        </p:txBody>
+      </p:sp>
+      <p:cxnSp>
+        <p:nvCxnSpPr>
+          <p:cNvPr id="51" name="연결선: 꺾임 50">
+            <a:extLst>
+              <a:ext uri="{FF2B5EF4-FFF2-40B4-BE49-F238E27FC236}">
+                <a16:creationId xmlns:a16="http://schemas.microsoft.com/office/drawing/2014/main" id="{F696FE22-EBFB-48A8-9D67-219459685733}"/>
+              </a:ext>
+            </a:extLst>
+          </p:cNvPr>
+          <p:cNvCxnSpPr>
+            <a:stCxn id="21" idx="1"/>
+            <a:endCxn id="25" idx="1"/>
+          </p:cNvCxnSpPr>
+          <p:nvPr/>
+        </p:nvCxnSpPr>
+        <p:spPr>
+          <a:xfrm rot="10800000" flipV="1">
+            <a:off x="3260029" y="3944803"/>
+            <a:ext cx="12700" cy="1544506"/>
+          </a:xfrm>
+          <a:prstGeom prst="bentConnector3">
+            <a:avLst>
+              <a:gd name="adj1" fmla="val 4539134"/>
+            </a:avLst>
+          </a:prstGeom>
+          <a:ln w="12700">
+            <a:solidFill>
+              <a:srgbClr val="002060"/>
+            </a:solidFill>
+          </a:ln>
+        </p:spPr>
+        <p:style>
+          <a:lnRef idx="1">
+            <a:schemeClr val="accent1"/>
+          </a:lnRef>
+          <a:fillRef idx="0">
+            <a:schemeClr val="accent1"/>
+          </a:fillRef>
+          <a:effectRef idx="0">
+            <a:schemeClr val="accent1"/>
+          </a:effectRef>
+          <a:fontRef idx="minor">
+            <a:schemeClr val="tx1"/>
+          </a:fontRef>
+        </p:style>
+      </p:cxnSp>
+      <p:cxnSp>
+        <p:nvCxnSpPr>
+          <p:cNvPr id="59" name="직선 화살표 연결선 58">
+            <a:extLst>
+              <a:ext uri="{FF2B5EF4-FFF2-40B4-BE49-F238E27FC236}">
+                <a16:creationId xmlns:a16="http://schemas.microsoft.com/office/drawing/2014/main" id="{FA4F9F12-CA00-4F28-9D05-2E5DBCD5CB6E}"/>
+              </a:ext>
+            </a:extLst>
+          </p:cNvPr>
+          <p:cNvCxnSpPr>
+            <a:cxnSpLocks/>
+            <a:stCxn id="27" idx="1"/>
+            <a:endCxn id="43" idx="3"/>
+          </p:cNvCxnSpPr>
+          <p:nvPr/>
+        </p:nvCxnSpPr>
+        <p:spPr>
+          <a:xfrm flipH="1" flipV="1">
+            <a:off x="1948070" y="6247365"/>
+            <a:ext cx="1311959" cy="633"/>
+          </a:xfrm>
+          <a:prstGeom prst="straightConnector1">
+            <a:avLst/>
+          </a:prstGeom>
+          <a:ln w="12700">
+            <a:solidFill>
+              <a:srgbClr val="002060"/>
+            </a:solidFill>
+            <a:tailEnd type="triangle"/>
+          </a:ln>
+        </p:spPr>
+        <p:style>
+          <a:lnRef idx="1">
+            <a:schemeClr val="accent1"/>
+          </a:lnRef>
+          <a:fillRef idx="0">
+            <a:schemeClr val="accent1"/>
+          </a:fillRef>
+          <a:effectRef idx="0">
+            <a:schemeClr val="accent1"/>
+          </a:effectRef>
+          <a:fontRef idx="minor">
+            <a:schemeClr val="tx1"/>
+          </a:fontRef>
+        </p:style>
+      </p:cxnSp>
+      <p:cxnSp>
+        <p:nvCxnSpPr>
+          <p:cNvPr id="64" name="직선 화살표 연결선 63">
+            <a:extLst>
+              <a:ext uri="{FF2B5EF4-FFF2-40B4-BE49-F238E27FC236}">
+                <a16:creationId xmlns:a16="http://schemas.microsoft.com/office/drawing/2014/main" id="{16EF8727-645A-4D95-B0E4-F250F717E360}"/>
+              </a:ext>
+            </a:extLst>
+          </p:cNvPr>
+          <p:cNvCxnSpPr/>
+          <p:nvPr/>
+        </p:nvCxnSpPr>
+        <p:spPr>
+          <a:xfrm flipH="1">
+            <a:off x="1948070" y="3941486"/>
+            <a:ext cx="805063" cy="0"/>
+          </a:xfrm>
+          <a:prstGeom prst="straightConnector1">
+            <a:avLst/>
+          </a:prstGeom>
+          <a:ln w="12700">
+            <a:solidFill>
+              <a:srgbClr val="002060"/>
+            </a:solidFill>
+            <a:tailEnd type="triangle"/>
+          </a:ln>
+        </p:spPr>
+        <p:style>
+          <a:lnRef idx="1">
+            <a:schemeClr val="accent1"/>
+          </a:lnRef>
+          <a:fillRef idx="0">
+            <a:schemeClr val="accent1"/>
+          </a:fillRef>
+          <a:effectRef idx="0">
+            <a:schemeClr val="accent1"/>
+          </a:effectRef>
+          <a:fontRef idx="minor">
+            <a:schemeClr val="tx1"/>
+          </a:fontRef>
+        </p:style>
+      </p:cxnSp>
+      <p:cxnSp>
+        <p:nvCxnSpPr>
+          <p:cNvPr id="67" name="연결선: 꺾임 66">
+            <a:extLst>
+              <a:ext uri="{FF2B5EF4-FFF2-40B4-BE49-F238E27FC236}">
+                <a16:creationId xmlns:a16="http://schemas.microsoft.com/office/drawing/2014/main" id="{A362D776-4C42-4D7A-B780-6CD04A15D173}"/>
+              </a:ext>
+            </a:extLst>
+          </p:cNvPr>
+          <p:cNvCxnSpPr>
+            <a:stCxn id="25" idx="1"/>
+            <a:endCxn id="44" idx="3"/>
+          </p:cNvCxnSpPr>
+          <p:nvPr/>
+        </p:nvCxnSpPr>
+        <p:spPr>
+          <a:xfrm rot="10800000" flipV="1">
+            <a:off x="1948071" y="5489309"/>
+            <a:ext cx="1311959" cy="136070"/>
+          </a:xfrm>
+          <a:prstGeom prst="bentConnector3">
+            <a:avLst>
+              <a:gd name="adj1" fmla="val -2273"/>
+            </a:avLst>
+          </a:prstGeom>
+          <a:ln w="12700">
+            <a:solidFill>
+              <a:srgbClr val="002060"/>
+            </a:solidFill>
+            <a:tailEnd type="triangle"/>
+          </a:ln>
+        </p:spPr>
+        <p:style>
+          <a:lnRef idx="1">
+            <a:schemeClr val="accent1"/>
+          </a:lnRef>
+          <a:fillRef idx="0">
+            <a:schemeClr val="accent1"/>
+          </a:fillRef>
+          <a:effectRef idx="0">
+            <a:schemeClr val="accent1"/>
+          </a:effectRef>
+          <a:fontRef idx="minor">
+            <a:schemeClr val="tx1"/>
+          </a:fontRef>
+        </p:style>
+      </p:cxnSp>
+      <p:sp>
+        <p:nvSpPr>
+          <p:cNvPr id="112" name="직사각형 111">
+            <a:extLst>
+              <a:ext uri="{FF2B5EF4-FFF2-40B4-BE49-F238E27FC236}">
+                <a16:creationId xmlns:a16="http://schemas.microsoft.com/office/drawing/2014/main" id="{34D8DBA9-E7ED-4D90-B3D5-8B8A02EF9412}"/>
+              </a:ext>
+            </a:extLst>
+          </p:cNvPr>
+          <p:cNvSpPr/>
+          <p:nvPr/>
+        </p:nvSpPr>
+        <p:spPr>
+          <a:xfrm>
+            <a:off x="7275443" y="2197192"/>
+            <a:ext cx="1507430" cy="536684"/>
+          </a:xfrm>
+          <a:prstGeom prst="rect">
+            <a:avLst/>
+          </a:prstGeom>
+          <a:solidFill>
+            <a:schemeClr val="bg1"/>
+          </a:solidFill>
+          <a:ln>
+            <a:solidFill>
+              <a:schemeClr val="tx1"/>
+            </a:solidFill>
+          </a:ln>
+        </p:spPr>
+        <p:style>
+          <a:lnRef idx="2">
+            <a:schemeClr val="accent1">
+              <a:shade val="50000"/>
+            </a:schemeClr>
+          </a:lnRef>
+          <a:fillRef idx="1">
+            <a:schemeClr val="accent1"/>
+          </a:fillRef>
+          <a:effectRef idx="0">
+            <a:schemeClr val="accent1"/>
+          </a:effectRef>
+          <a:fontRef idx="minor">
+            <a:schemeClr val="lt1"/>
+          </a:fontRef>
+        </p:style>
+        <p:txBody>
+          <a:bodyPr rtlCol="0" anchor="ctr"/>
+          <a:lstStyle/>
+          <a:p>
+            <a:pPr algn="ctr"/>
+            <a:r>
+              <a:rPr lang="en-US" altLang="ko-KR" sz="1400" dirty="0" err="1">
+                <a:solidFill>
+                  <a:schemeClr val="tx1"/>
+                </a:solidFill>
+                <a:latin typeface="이롭게 바탕체 OTF Medium" panose="020B0600000101010101" pitchFamily="34" charset="-127"/>
+                <a:ea typeface="이롭게 바탕체 OTF Medium" panose="020B0600000101010101" pitchFamily="34" charset="-127"/>
+              </a:rPr>
+              <a:t>loginWidget</a:t>
+            </a:r>
+            <a:endParaRPr lang="ko-KR" altLang="en-US" sz="1400" dirty="0">
+              <a:solidFill>
+                <a:schemeClr val="tx1"/>
+              </a:solidFill>
+              <a:latin typeface="이롭게 바탕체 OTF Medium" panose="020B0600000101010101" pitchFamily="34" charset="-127"/>
+              <a:ea typeface="이롭게 바탕체 OTF Medium" panose="020B0600000101010101" pitchFamily="34" charset="-127"/>
+            </a:endParaRPr>
+          </a:p>
+        </p:txBody>
+      </p:sp>
+      <p:sp>
+        <p:nvSpPr>
+          <p:cNvPr id="115" name="직사각형 114">
+            <a:extLst>
+              <a:ext uri="{FF2B5EF4-FFF2-40B4-BE49-F238E27FC236}">
+                <a16:creationId xmlns:a16="http://schemas.microsoft.com/office/drawing/2014/main" id="{1AAF0C26-B42D-45D2-86A0-A94DB3285F95}"/>
+              </a:ext>
+            </a:extLst>
+          </p:cNvPr>
+          <p:cNvSpPr/>
+          <p:nvPr/>
+        </p:nvSpPr>
+        <p:spPr>
+          <a:xfrm>
+            <a:off x="7275443" y="2936417"/>
+            <a:ext cx="1507430" cy="536684"/>
+          </a:xfrm>
+          <a:prstGeom prst="rect">
+            <a:avLst/>
+          </a:prstGeom>
+          <a:solidFill>
+            <a:schemeClr val="bg1"/>
+          </a:solidFill>
+          <a:ln>
+            <a:solidFill>
+              <a:schemeClr val="tx1"/>
+            </a:solidFill>
+          </a:ln>
+        </p:spPr>
+        <p:style>
+          <a:lnRef idx="2">
+            <a:schemeClr val="accent1">
+              <a:shade val="50000"/>
+            </a:schemeClr>
+          </a:lnRef>
+          <a:fillRef idx="1">
+            <a:schemeClr val="accent1"/>
+          </a:fillRef>
+          <a:effectRef idx="0">
+            <a:schemeClr val="accent1"/>
+          </a:effectRef>
+          <a:fontRef idx="minor">
+            <a:schemeClr val="lt1"/>
+          </a:fontRef>
+        </p:style>
+        <p:txBody>
+          <a:bodyPr rtlCol="0" anchor="ctr"/>
+          <a:lstStyle/>
+          <a:p>
+            <a:pPr algn="ctr"/>
+            <a:r>
+              <a:rPr lang="en-US" altLang="ko-KR" sz="1400" dirty="0" err="1">
+                <a:solidFill>
+                  <a:schemeClr val="tx1"/>
+                </a:solidFill>
+                <a:latin typeface="이롭게 바탕체 OTF Medium" panose="020B0600000101010101" pitchFamily="34" charset="-127"/>
+                <a:ea typeface="이롭게 바탕체 OTF Medium" panose="020B0600000101010101" pitchFamily="34" charset="-127"/>
+              </a:rPr>
+              <a:t>signupWidget</a:t>
+            </a:r>
+            <a:endParaRPr lang="ko-KR" altLang="en-US" sz="1400" dirty="0">
+              <a:solidFill>
+                <a:schemeClr val="tx1"/>
+              </a:solidFill>
+              <a:latin typeface="이롭게 바탕체 OTF Medium" panose="020B0600000101010101" pitchFamily="34" charset="-127"/>
+              <a:ea typeface="이롭게 바탕체 OTF Medium" panose="020B0600000101010101" pitchFamily="34" charset="-127"/>
+            </a:endParaRPr>
+          </a:p>
+        </p:txBody>
+      </p:sp>
+      <p:sp>
+        <p:nvSpPr>
+          <p:cNvPr id="116" name="직사각형 115">
+            <a:extLst>
+              <a:ext uri="{FF2B5EF4-FFF2-40B4-BE49-F238E27FC236}">
+                <a16:creationId xmlns:a16="http://schemas.microsoft.com/office/drawing/2014/main" id="{260F12AF-8BB6-4871-BC3C-6FBE811CAD61}"/>
+              </a:ext>
+            </a:extLst>
+          </p:cNvPr>
+          <p:cNvSpPr/>
+          <p:nvPr/>
+        </p:nvSpPr>
+        <p:spPr>
+          <a:xfrm>
+            <a:off x="7282064" y="3673144"/>
+            <a:ext cx="1507430" cy="536684"/>
+          </a:xfrm>
+          <a:prstGeom prst="rect">
+            <a:avLst/>
+          </a:prstGeom>
+          <a:solidFill>
+            <a:schemeClr val="bg1"/>
+          </a:solidFill>
+          <a:ln>
+            <a:solidFill>
+              <a:schemeClr val="tx1"/>
+            </a:solidFill>
+          </a:ln>
+        </p:spPr>
+        <p:style>
+          <a:lnRef idx="2">
+            <a:schemeClr val="accent1">
+              <a:shade val="50000"/>
+            </a:schemeClr>
+          </a:lnRef>
+          <a:fillRef idx="1">
+            <a:schemeClr val="accent1"/>
+          </a:fillRef>
+          <a:effectRef idx="0">
+            <a:schemeClr val="accent1"/>
+          </a:effectRef>
+          <a:fontRef idx="minor">
+            <a:schemeClr val="lt1"/>
+          </a:fontRef>
+        </p:style>
+        <p:txBody>
+          <a:bodyPr rtlCol="0" anchor="ctr"/>
+          <a:lstStyle/>
+          <a:p>
+            <a:pPr algn="ctr"/>
+            <a:r>
+              <a:rPr lang="en-US" altLang="ko-KR" sz="1400" dirty="0" err="1">
+                <a:solidFill>
+                  <a:schemeClr val="tx1"/>
+                </a:solidFill>
+                <a:latin typeface="이롭게 바탕체 OTF Medium" panose="020B0600000101010101" pitchFamily="34" charset="-127"/>
+                <a:ea typeface="이롭게 바탕체 OTF Medium" panose="020B0600000101010101" pitchFamily="34" charset="-127"/>
+              </a:rPr>
+              <a:t>chooseCharacterWidget</a:t>
+            </a:r>
+            <a:endParaRPr lang="ko-KR" altLang="en-US" sz="1400" dirty="0">
+              <a:solidFill>
+                <a:schemeClr val="tx1"/>
+              </a:solidFill>
+              <a:latin typeface="이롭게 바탕체 OTF Medium" panose="020B0600000101010101" pitchFamily="34" charset="-127"/>
+              <a:ea typeface="이롭게 바탕체 OTF Medium" panose="020B0600000101010101" pitchFamily="34" charset="-127"/>
+            </a:endParaRPr>
+          </a:p>
+        </p:txBody>
+      </p:sp>
+      <p:sp>
+        <p:nvSpPr>
+          <p:cNvPr id="117" name="직사각형 116">
+            <a:extLst>
+              <a:ext uri="{FF2B5EF4-FFF2-40B4-BE49-F238E27FC236}">
+                <a16:creationId xmlns:a16="http://schemas.microsoft.com/office/drawing/2014/main" id="{A7235AB4-63C0-4BFE-A7E3-24F4068ACC51}"/>
+              </a:ext>
+            </a:extLst>
+          </p:cNvPr>
+          <p:cNvSpPr/>
+          <p:nvPr/>
+        </p:nvSpPr>
+        <p:spPr>
+          <a:xfrm>
+            <a:off x="7275443" y="4451218"/>
+            <a:ext cx="1507430" cy="536684"/>
+          </a:xfrm>
+          <a:prstGeom prst="rect">
+            <a:avLst/>
+          </a:prstGeom>
+          <a:solidFill>
+            <a:schemeClr val="bg1"/>
+          </a:solidFill>
+          <a:ln>
+            <a:solidFill>
+              <a:schemeClr val="tx1"/>
+            </a:solidFill>
+          </a:ln>
+        </p:spPr>
+        <p:style>
+          <a:lnRef idx="2">
+            <a:schemeClr val="accent1">
+              <a:shade val="50000"/>
+            </a:schemeClr>
+          </a:lnRef>
+          <a:fillRef idx="1">
+            <a:schemeClr val="accent1"/>
+          </a:fillRef>
+          <a:effectRef idx="0">
+            <a:schemeClr val="accent1"/>
+          </a:effectRef>
+          <a:fontRef idx="minor">
+            <a:schemeClr val="lt1"/>
+          </a:fontRef>
+        </p:style>
+        <p:txBody>
+          <a:bodyPr rtlCol="0" anchor="ctr"/>
+          <a:lstStyle/>
+          <a:p>
+            <a:pPr algn="ctr"/>
+            <a:r>
+              <a:rPr lang="en-US" altLang="ko-KR" sz="1400" dirty="0" err="1">
+                <a:solidFill>
+                  <a:schemeClr val="tx1"/>
+                </a:solidFill>
+                <a:latin typeface="이롭게 바탕체 OTF Medium" panose="020B0600000101010101" pitchFamily="34" charset="-127"/>
+                <a:ea typeface="이롭게 바탕체 OTF Medium" panose="020B0600000101010101" pitchFamily="34" charset="-127"/>
+              </a:rPr>
+              <a:t>gameWidget</a:t>
+            </a:r>
+            <a:endParaRPr lang="ko-KR" altLang="en-US" sz="1400" dirty="0">
+              <a:solidFill>
+                <a:schemeClr val="tx1"/>
+              </a:solidFill>
+              <a:latin typeface="이롭게 바탕체 OTF Medium" panose="020B0600000101010101" pitchFamily="34" charset="-127"/>
+              <a:ea typeface="이롭게 바탕체 OTF Medium" panose="020B0600000101010101" pitchFamily="34" charset="-127"/>
+            </a:endParaRPr>
+          </a:p>
+        </p:txBody>
+      </p:sp>
+      <p:sp>
+        <p:nvSpPr>
+          <p:cNvPr id="118" name="직사각형 117">
+            <a:extLst>
+              <a:ext uri="{FF2B5EF4-FFF2-40B4-BE49-F238E27FC236}">
+                <a16:creationId xmlns:a16="http://schemas.microsoft.com/office/drawing/2014/main" id="{156F4BB0-D3EB-4698-96CC-9F8C30EBA32F}"/>
+              </a:ext>
+            </a:extLst>
+          </p:cNvPr>
+          <p:cNvSpPr/>
+          <p:nvPr/>
+        </p:nvSpPr>
+        <p:spPr>
+          <a:xfrm>
+            <a:off x="7275443" y="5229292"/>
+            <a:ext cx="1507430" cy="536684"/>
+          </a:xfrm>
+          <a:prstGeom prst="rect">
+            <a:avLst/>
+          </a:prstGeom>
+          <a:solidFill>
+            <a:schemeClr val="bg1"/>
+          </a:solidFill>
+          <a:ln>
+            <a:solidFill>
+              <a:schemeClr val="tx1"/>
+            </a:solidFill>
+          </a:ln>
+        </p:spPr>
+        <p:style>
+          <a:lnRef idx="2">
+            <a:schemeClr val="accent1">
+              <a:shade val="50000"/>
+            </a:schemeClr>
+          </a:lnRef>
+          <a:fillRef idx="1">
+            <a:schemeClr val="accent1"/>
+          </a:fillRef>
+          <a:effectRef idx="0">
+            <a:schemeClr val="accent1"/>
+          </a:effectRef>
+          <a:fontRef idx="minor">
+            <a:schemeClr val="lt1"/>
+          </a:fontRef>
+        </p:style>
+        <p:txBody>
+          <a:bodyPr rtlCol="0" anchor="ctr"/>
+          <a:lstStyle/>
+          <a:p>
+            <a:pPr algn="ctr"/>
+            <a:r>
+              <a:rPr lang="en-US" altLang="ko-KR" sz="1400" dirty="0" err="1">
+                <a:solidFill>
+                  <a:schemeClr val="tx1"/>
+                </a:solidFill>
+                <a:latin typeface="이롭게 바탕체 OTF Medium" panose="020B0600000101010101" pitchFamily="34" charset="-127"/>
+                <a:ea typeface="이롭게 바탕체 OTF Medium" panose="020B0600000101010101" pitchFamily="34" charset="-127"/>
+              </a:rPr>
+              <a:t>resultWidget</a:t>
+            </a:r>
+            <a:endParaRPr lang="ko-KR" altLang="en-US" sz="1400" dirty="0">
+              <a:solidFill>
+                <a:schemeClr val="tx1"/>
+              </a:solidFill>
+              <a:latin typeface="이롭게 바탕체 OTF Medium" panose="020B0600000101010101" pitchFamily="34" charset="-127"/>
+              <a:ea typeface="이롭게 바탕체 OTF Medium" panose="020B0600000101010101" pitchFamily="34" charset="-127"/>
+            </a:endParaRPr>
+          </a:p>
+        </p:txBody>
+      </p:sp>
+      <p:cxnSp>
+        <p:nvCxnSpPr>
+          <p:cNvPr id="126" name="직선 화살표 연결선 125">
+            <a:extLst>
+              <a:ext uri="{FF2B5EF4-FFF2-40B4-BE49-F238E27FC236}">
+                <a16:creationId xmlns:a16="http://schemas.microsoft.com/office/drawing/2014/main" id="{B08A4619-1EA2-40E0-961A-C46963516E25}"/>
+              </a:ext>
+            </a:extLst>
+          </p:cNvPr>
+          <p:cNvCxnSpPr>
+            <a:stCxn id="27" idx="2"/>
+          </p:cNvCxnSpPr>
+          <p:nvPr/>
+        </p:nvCxnSpPr>
+        <p:spPr>
+          <a:xfrm flipH="1">
+            <a:off x="4757524" y="6516354"/>
+            <a:ext cx="1" cy="341646"/>
+          </a:xfrm>
+          <a:prstGeom prst="straightConnector1">
+            <a:avLst/>
+          </a:prstGeom>
+          <a:ln>
+            <a:solidFill>
+              <a:srgbClr val="002060"/>
+            </a:solidFill>
+            <a:tailEnd type="triangle"/>
+          </a:ln>
+        </p:spPr>
+        <p:style>
+          <a:lnRef idx="1">
+            <a:schemeClr val="accent1"/>
+          </a:lnRef>
+          <a:fillRef idx="0">
+            <a:schemeClr val="accent1"/>
+          </a:fillRef>
+          <a:effectRef idx="0">
+            <a:schemeClr val="accent1"/>
+          </a:effectRef>
+          <a:fontRef idx="minor">
+            <a:schemeClr val="tx1"/>
+          </a:fontRef>
+        </p:style>
+      </p:cxnSp>
+      <p:cxnSp>
+        <p:nvCxnSpPr>
+          <p:cNvPr id="133" name="직선 화살표 연결선 132">
+            <a:extLst>
+              <a:ext uri="{FF2B5EF4-FFF2-40B4-BE49-F238E27FC236}">
+                <a16:creationId xmlns:a16="http://schemas.microsoft.com/office/drawing/2014/main" id="{B25FC81B-B812-452A-A453-69877A18F1E5}"/>
+              </a:ext>
+            </a:extLst>
+          </p:cNvPr>
+          <p:cNvCxnSpPr>
+            <a:stCxn id="112" idx="1"/>
+          </p:cNvCxnSpPr>
+          <p:nvPr/>
+        </p:nvCxnSpPr>
+        <p:spPr>
+          <a:xfrm flipH="1">
+            <a:off x="5864087" y="2465534"/>
+            <a:ext cx="1411356" cy="609370"/>
+          </a:xfrm>
+          <a:prstGeom prst="straightConnector1">
+            <a:avLst/>
+          </a:prstGeom>
+          <a:ln w="12700">
+            <a:solidFill>
+              <a:srgbClr val="00B050"/>
+            </a:solidFill>
+            <a:tailEnd type="triangle"/>
+          </a:ln>
+        </p:spPr>
+        <p:style>
+          <a:lnRef idx="1">
+            <a:schemeClr val="accent1"/>
+          </a:lnRef>
+          <a:fillRef idx="0">
+            <a:schemeClr val="accent1"/>
+          </a:fillRef>
+          <a:effectRef idx="0">
+            <a:schemeClr val="accent1"/>
+          </a:effectRef>
+          <a:fontRef idx="minor">
+            <a:schemeClr val="tx1"/>
+          </a:fontRef>
+        </p:style>
+      </p:cxnSp>
+      <p:cxnSp>
+        <p:nvCxnSpPr>
+          <p:cNvPr id="134" name="직선 화살표 연결선 133">
+            <a:extLst>
+              <a:ext uri="{FF2B5EF4-FFF2-40B4-BE49-F238E27FC236}">
+                <a16:creationId xmlns:a16="http://schemas.microsoft.com/office/drawing/2014/main" id="{424FB7C6-3FC0-4B21-87C4-557CCFDDBF82}"/>
+              </a:ext>
+            </a:extLst>
+          </p:cNvPr>
+          <p:cNvCxnSpPr/>
+          <p:nvPr/>
+        </p:nvCxnSpPr>
+        <p:spPr>
+          <a:xfrm flipH="1">
+            <a:off x="5870708" y="3263355"/>
+            <a:ext cx="1411356" cy="609370"/>
+          </a:xfrm>
+          <a:prstGeom prst="straightConnector1">
+            <a:avLst/>
+          </a:prstGeom>
+          <a:ln w="12700">
+            <a:solidFill>
+              <a:srgbClr val="00B050"/>
+            </a:solidFill>
+            <a:tailEnd type="triangle"/>
+          </a:ln>
+        </p:spPr>
+        <p:style>
+          <a:lnRef idx="1">
+            <a:schemeClr val="accent1"/>
+          </a:lnRef>
+          <a:fillRef idx="0">
+            <a:schemeClr val="accent1"/>
+          </a:fillRef>
+          <a:effectRef idx="0">
+            <a:schemeClr val="accent1"/>
+          </a:effectRef>
+          <a:fontRef idx="minor">
+            <a:schemeClr val="tx1"/>
+          </a:fontRef>
+        </p:style>
+      </p:cxnSp>
+      <p:cxnSp>
+        <p:nvCxnSpPr>
+          <p:cNvPr id="135" name="직선 화살표 연결선 134">
+            <a:extLst>
+              <a:ext uri="{FF2B5EF4-FFF2-40B4-BE49-F238E27FC236}">
+                <a16:creationId xmlns:a16="http://schemas.microsoft.com/office/drawing/2014/main" id="{EF5D18E5-9924-4FC9-BE78-FF5C18921903}"/>
+              </a:ext>
+            </a:extLst>
+          </p:cNvPr>
+          <p:cNvCxnSpPr/>
+          <p:nvPr/>
+        </p:nvCxnSpPr>
+        <p:spPr>
+          <a:xfrm flipH="1">
+            <a:off x="5864085" y="4032963"/>
+            <a:ext cx="1411356" cy="609370"/>
+          </a:xfrm>
+          <a:prstGeom prst="straightConnector1">
+            <a:avLst/>
+          </a:prstGeom>
+          <a:ln w="12700">
+            <a:solidFill>
+              <a:srgbClr val="00B050"/>
+            </a:solidFill>
+            <a:tailEnd type="triangle"/>
+          </a:ln>
+        </p:spPr>
+        <p:style>
+          <a:lnRef idx="1">
+            <a:schemeClr val="accent1"/>
+          </a:lnRef>
+          <a:fillRef idx="0">
+            <a:schemeClr val="accent1"/>
+          </a:fillRef>
+          <a:effectRef idx="0">
+            <a:schemeClr val="accent1"/>
+          </a:effectRef>
+          <a:fontRef idx="minor">
+            <a:schemeClr val="tx1"/>
+          </a:fontRef>
+        </p:style>
+      </p:cxnSp>
+      <p:cxnSp>
+        <p:nvCxnSpPr>
+          <p:cNvPr id="136" name="직선 화살표 연결선 135">
+            <a:extLst>
+              <a:ext uri="{FF2B5EF4-FFF2-40B4-BE49-F238E27FC236}">
+                <a16:creationId xmlns:a16="http://schemas.microsoft.com/office/drawing/2014/main" id="{4C72822B-175F-4859-8158-1B76B1C43C03}"/>
+              </a:ext>
+            </a:extLst>
+          </p:cNvPr>
+          <p:cNvCxnSpPr/>
+          <p:nvPr/>
+        </p:nvCxnSpPr>
+        <p:spPr>
+          <a:xfrm flipH="1">
+            <a:off x="5858009" y="5491104"/>
+            <a:ext cx="1411356" cy="609370"/>
+          </a:xfrm>
+          <a:prstGeom prst="straightConnector1">
+            <a:avLst/>
+          </a:prstGeom>
+          <a:ln w="12700">
+            <a:solidFill>
+              <a:srgbClr val="00B050"/>
+            </a:solidFill>
+            <a:tailEnd type="triangle"/>
+          </a:ln>
+        </p:spPr>
+        <p:style>
+          <a:lnRef idx="1">
+            <a:schemeClr val="accent1"/>
+          </a:lnRef>
+          <a:fillRef idx="0">
+            <a:schemeClr val="accent1"/>
+          </a:fillRef>
+          <a:effectRef idx="0">
+            <a:schemeClr val="accent1"/>
+          </a:effectRef>
+          <a:fontRef idx="minor">
+            <a:schemeClr val="tx1"/>
+          </a:fontRef>
+        </p:style>
+      </p:cxnSp>
+      <p:cxnSp>
+        <p:nvCxnSpPr>
+          <p:cNvPr id="138" name="직선 화살표 연결선 137">
+            <a:extLst>
+              <a:ext uri="{FF2B5EF4-FFF2-40B4-BE49-F238E27FC236}">
+                <a16:creationId xmlns:a16="http://schemas.microsoft.com/office/drawing/2014/main" id="{D3B968B7-E626-4A89-B1D8-E0C422F9ADA3}"/>
+              </a:ext>
+            </a:extLst>
+          </p:cNvPr>
+          <p:cNvCxnSpPr>
+            <a:stCxn id="118" idx="1"/>
+          </p:cNvCxnSpPr>
+          <p:nvPr/>
+        </p:nvCxnSpPr>
+        <p:spPr>
+          <a:xfrm flipH="1" flipV="1">
+            <a:off x="5870708" y="4830417"/>
+            <a:ext cx="1404735" cy="667217"/>
+          </a:xfrm>
+          <a:prstGeom prst="straightConnector1">
+            <a:avLst/>
+          </a:prstGeom>
+          <a:ln w="12700">
+            <a:solidFill>
+              <a:srgbClr val="00B050"/>
+            </a:solidFill>
+            <a:tailEnd type="triangle"/>
+          </a:ln>
+        </p:spPr>
+        <p:style>
+          <a:lnRef idx="1">
+            <a:schemeClr val="accent1"/>
+          </a:lnRef>
+          <a:fillRef idx="0">
+            <a:schemeClr val="accent1"/>
+          </a:fillRef>
+          <a:effectRef idx="0">
+            <a:schemeClr val="accent1"/>
+          </a:effectRef>
+          <a:fontRef idx="minor">
+            <a:schemeClr val="tx1"/>
+          </a:fontRef>
+        </p:style>
+      </p:cxnSp>
+      <p:cxnSp>
+        <p:nvCxnSpPr>
+          <p:cNvPr id="139" name="직선 화살표 연결선 138">
+            <a:extLst>
+              <a:ext uri="{FF2B5EF4-FFF2-40B4-BE49-F238E27FC236}">
+                <a16:creationId xmlns:a16="http://schemas.microsoft.com/office/drawing/2014/main" id="{3A302696-64CA-4859-B914-2659AC877CFE}"/>
+              </a:ext>
+            </a:extLst>
+          </p:cNvPr>
+          <p:cNvCxnSpPr/>
+          <p:nvPr/>
+        </p:nvCxnSpPr>
+        <p:spPr>
+          <a:xfrm flipH="1">
+            <a:off x="5870708" y="4770539"/>
+            <a:ext cx="1411356" cy="609370"/>
+          </a:xfrm>
+          <a:prstGeom prst="straightConnector1">
+            <a:avLst/>
+          </a:prstGeom>
+          <a:ln w="12700">
+            <a:solidFill>
+              <a:srgbClr val="00B050"/>
+            </a:solidFill>
+            <a:tailEnd type="triangle"/>
+          </a:ln>
+        </p:spPr>
+        <p:style>
+          <a:lnRef idx="1">
+            <a:schemeClr val="accent1"/>
+          </a:lnRef>
+          <a:fillRef idx="0">
+            <a:schemeClr val="accent1"/>
+          </a:fillRef>
+          <a:effectRef idx="0">
+            <a:schemeClr val="accent1"/>
+          </a:effectRef>
+          <a:fontRef idx="minor">
+            <a:schemeClr val="tx1"/>
+          </a:fontRef>
+        </p:style>
+      </p:cxnSp>
+      <p:sp>
+        <p:nvSpPr>
+          <p:cNvPr id="140" name="TextBox 139">
+            <a:extLst>
+              <a:ext uri="{FF2B5EF4-FFF2-40B4-BE49-F238E27FC236}">
+                <a16:creationId xmlns:a16="http://schemas.microsoft.com/office/drawing/2014/main" id="{50C7486B-1C10-4A12-8CB6-1266E04E8954}"/>
+              </a:ext>
+            </a:extLst>
+          </p:cNvPr>
+          <p:cNvSpPr txBox="1"/>
+          <p:nvPr/>
+        </p:nvSpPr>
+        <p:spPr>
+          <a:xfrm>
+            <a:off x="6450497" y="5959763"/>
+            <a:ext cx="5300875" cy="584775"/>
+          </a:xfrm>
+          <a:prstGeom prst="rect">
+            <a:avLst/>
+          </a:prstGeom>
+          <a:noFill/>
+        </p:spPr>
+        <p:txBody>
+          <a:bodyPr wrap="square" rtlCol="0">
+            <a:spAutoFit/>
+          </a:bodyPr>
+          <a:lstStyle/>
+          <a:p>
+            <a:r>
+              <a:rPr lang="ko-KR" altLang="en-US" sz="1600" dirty="0">
+                <a:latin typeface="이롭게 바탕체 OTF Medium" panose="020B0600000101010101" pitchFamily="34" charset="-127"/>
+                <a:ea typeface="이롭게 바탕체 OTF Medium" panose="020B0600000101010101" pitchFamily="34" charset="-127"/>
+              </a:rPr>
+              <a:t>초록색 화살표는 특정 </a:t>
+            </a:r>
+            <a:r>
+              <a:rPr lang="en-US" altLang="ko-KR" sz="1600" dirty="0">
+                <a:latin typeface="이롭게 바탕체 OTF Medium" panose="020B0600000101010101" pitchFamily="34" charset="-127"/>
+                <a:ea typeface="이롭게 바탕체 OTF Medium" panose="020B0600000101010101" pitchFamily="34" charset="-127"/>
+              </a:rPr>
+              <a:t>event </a:t>
+            </a:r>
+            <a:r>
+              <a:rPr lang="ko-KR" altLang="en-US" sz="1600" dirty="0">
+                <a:latin typeface="이롭게 바탕체 OTF Medium" panose="020B0600000101010101" pitchFamily="34" charset="-127"/>
+                <a:ea typeface="이롭게 바탕체 OTF Medium" panose="020B0600000101010101" pitchFamily="34" charset="-127"/>
+              </a:rPr>
+              <a:t>발생시 움직임</a:t>
+            </a:r>
+            <a:r>
+              <a:rPr lang="en-US" altLang="ko-KR" sz="1600" dirty="0">
+                <a:latin typeface="이롭게 바탕체 OTF Medium" panose="020B0600000101010101" pitchFamily="34" charset="-127"/>
+                <a:ea typeface="이롭게 바탕체 OTF Medium" panose="020B0600000101010101" pitchFamily="34" charset="-127"/>
+              </a:rPr>
+              <a:t>(ex.</a:t>
+            </a:r>
+            <a:r>
+              <a:rPr lang="ko-KR" altLang="en-US" sz="1600" dirty="0">
+                <a:latin typeface="이롭게 바탕체 OTF Medium" panose="020B0600000101010101" pitchFamily="34" charset="-127"/>
+                <a:ea typeface="이롭게 바탕체 OTF Medium" panose="020B0600000101010101" pitchFamily="34" charset="-127"/>
+              </a:rPr>
+              <a:t> </a:t>
+            </a:r>
+            <a:r>
+              <a:rPr lang="en-US" altLang="ko-KR" sz="1600" dirty="0">
+                <a:latin typeface="이롭게 바탕체 OTF Medium" panose="020B0600000101010101" pitchFamily="34" charset="-127"/>
+                <a:ea typeface="이롭게 바탕체 OTF Medium" panose="020B0600000101010101" pitchFamily="34" charset="-127"/>
+              </a:rPr>
+              <a:t>login </a:t>
+            </a:r>
+            <a:r>
+              <a:rPr lang="ko-KR" altLang="en-US" sz="1600" dirty="0">
+                <a:latin typeface="이롭게 바탕체 OTF Medium" panose="020B0600000101010101" pitchFamily="34" charset="-127"/>
+                <a:ea typeface="이롭게 바탕체 OTF Medium" panose="020B0600000101010101" pitchFamily="34" charset="-127"/>
+              </a:rPr>
+              <a:t>성공</a:t>
+            </a:r>
+            <a:r>
+              <a:rPr lang="en-US" altLang="ko-KR" sz="1600" dirty="0">
+                <a:latin typeface="이롭게 바탕체 OTF Medium" panose="020B0600000101010101" pitchFamily="34" charset="-127"/>
+                <a:ea typeface="이롭게 바탕체 OTF Medium" panose="020B0600000101010101" pitchFamily="34" charset="-127"/>
+              </a:rPr>
+              <a:t>, sign up </a:t>
+            </a:r>
+            <a:r>
+              <a:rPr lang="ko-KR" altLang="en-US" sz="1600" dirty="0">
+                <a:latin typeface="이롭게 바탕체 OTF Medium" panose="020B0600000101010101" pitchFamily="34" charset="-127"/>
+                <a:ea typeface="이롭게 바탕체 OTF Medium" panose="020B0600000101010101" pitchFamily="34" charset="-127"/>
+              </a:rPr>
+              <a:t>성공</a:t>
+            </a:r>
+            <a:r>
+              <a:rPr lang="en-US" altLang="ko-KR" sz="1600" dirty="0">
+                <a:latin typeface="이롭게 바탕체 OTF Medium" panose="020B0600000101010101" pitchFamily="34" charset="-127"/>
+                <a:ea typeface="이롭게 바탕체 OTF Medium" panose="020B0600000101010101" pitchFamily="34" charset="-127"/>
+              </a:rPr>
+              <a:t>, choose character </a:t>
+            </a:r>
+            <a:r>
+              <a:rPr lang="ko-KR" altLang="en-US" sz="1600" dirty="0">
+                <a:latin typeface="이롭게 바탕체 OTF Medium" panose="020B0600000101010101" pitchFamily="34" charset="-127"/>
+                <a:ea typeface="이롭게 바탕체 OTF Medium" panose="020B0600000101010101" pitchFamily="34" charset="-127"/>
+              </a:rPr>
+              <a:t>등</a:t>
+            </a:r>
+            <a:r>
+              <a:rPr lang="en-US" altLang="ko-KR" sz="1600" dirty="0">
+                <a:latin typeface="이롭게 바탕체 OTF Medium" panose="020B0600000101010101" pitchFamily="34" charset="-127"/>
+                <a:ea typeface="이롭게 바탕체 OTF Medium" panose="020B0600000101010101" pitchFamily="34" charset="-127"/>
+              </a:rPr>
+              <a:t>)</a:t>
+            </a:r>
+            <a:endParaRPr lang="ko-KR" altLang="en-US" sz="1600" dirty="0">
+              <a:latin typeface="이롭게 바탕체 OTF Medium" panose="020B0600000101010101" pitchFamily="34" charset="-127"/>
+              <a:ea typeface="이롭게 바탕체 OTF Medium" panose="020B0600000101010101" pitchFamily="34" charset="-127"/>
+            </a:endParaRPr>
+          </a:p>
+        </p:txBody>
+      </p:sp>
+      <p:sp>
+        <p:nvSpPr>
+          <p:cNvPr id="141" name="직사각형 140">
+            <a:extLst>
+              <a:ext uri="{FF2B5EF4-FFF2-40B4-BE49-F238E27FC236}">
+                <a16:creationId xmlns:a16="http://schemas.microsoft.com/office/drawing/2014/main" id="{E5F78860-B558-4379-9900-01B7DB5E2190}"/>
+              </a:ext>
+            </a:extLst>
+          </p:cNvPr>
+          <p:cNvSpPr/>
+          <p:nvPr/>
+        </p:nvSpPr>
+        <p:spPr>
+          <a:xfrm>
+            <a:off x="9629361" y="2315534"/>
+            <a:ext cx="2085561" cy="3379306"/>
+          </a:xfrm>
+          <a:prstGeom prst="rect">
+            <a:avLst/>
+          </a:prstGeom>
+          <a:solidFill>
+            <a:schemeClr val="accent1">
+              <a:lumMod val="20000"/>
+              <a:lumOff val="80000"/>
+            </a:schemeClr>
+          </a:solidFill>
+          <a:ln>
+            <a:noFill/>
+          </a:ln>
+        </p:spPr>
+        <p:style>
+          <a:lnRef idx="2">
+            <a:schemeClr val="accent1">
+              <a:shade val="50000"/>
+            </a:schemeClr>
+          </a:lnRef>
+          <a:fillRef idx="1">
+            <a:schemeClr val="accent1"/>
+          </a:fillRef>
+          <a:effectRef idx="0">
+            <a:schemeClr val="accent1"/>
+          </a:effectRef>
+          <a:fontRef idx="minor">
+            <a:schemeClr val="lt1"/>
+          </a:fontRef>
+        </p:style>
+        <p:txBody>
+          <a:bodyPr rtlCol="0" anchor="ctr"/>
+          <a:lstStyle/>
+          <a:p>
+            <a:pPr algn="ctr"/>
+            <a:endParaRPr lang="ko-KR" altLang="en-US"/>
+          </a:p>
+        </p:txBody>
+      </p:sp>
+      <p:sp>
+        <p:nvSpPr>
+          <p:cNvPr id="142" name="TextBox 141">
+            <a:extLst>
+              <a:ext uri="{FF2B5EF4-FFF2-40B4-BE49-F238E27FC236}">
+                <a16:creationId xmlns:a16="http://schemas.microsoft.com/office/drawing/2014/main" id="{EBC58AC7-FE56-4A17-A45D-3D7551A8AE64}"/>
+              </a:ext>
+            </a:extLst>
+          </p:cNvPr>
+          <p:cNvSpPr txBox="1"/>
+          <p:nvPr/>
+        </p:nvSpPr>
+        <p:spPr>
+          <a:xfrm>
+            <a:off x="9609482" y="1939151"/>
+            <a:ext cx="2122011" cy="369332"/>
+          </a:xfrm>
+          <a:prstGeom prst="rect">
+            <a:avLst/>
+          </a:prstGeom>
+          <a:noFill/>
+        </p:spPr>
+        <p:txBody>
+          <a:bodyPr wrap="square" rtlCol="0">
+            <a:spAutoFit/>
+          </a:bodyPr>
+          <a:lstStyle/>
+          <a:p>
+            <a:r>
+              <a:rPr lang="en-US" altLang="ko-KR" dirty="0">
+                <a:latin typeface="이롭게 바탕체 OTF Medium" panose="020B0600000101010101" pitchFamily="34" charset="-127"/>
+                <a:ea typeface="이롭게 바탕체 OTF Medium" panose="020B0600000101010101" pitchFamily="34" charset="-127"/>
+              </a:rPr>
+              <a:t>game.py game class</a:t>
+            </a:r>
+            <a:endParaRPr lang="ko-KR" altLang="en-US" dirty="0">
+              <a:latin typeface="이롭게 바탕체 OTF Medium" panose="020B0600000101010101" pitchFamily="34" charset="-127"/>
+              <a:ea typeface="이롭게 바탕체 OTF Medium" panose="020B0600000101010101" pitchFamily="34" charset="-127"/>
+            </a:endParaRPr>
+          </a:p>
+        </p:txBody>
+      </p:sp>
+      <p:sp>
+        <p:nvSpPr>
+          <p:cNvPr id="143" name="직사각형 142">
+            <a:extLst>
+              <a:ext uri="{FF2B5EF4-FFF2-40B4-BE49-F238E27FC236}">
+                <a16:creationId xmlns:a16="http://schemas.microsoft.com/office/drawing/2014/main" id="{17CB998D-80E2-4C18-B263-0771D6823439}"/>
+              </a:ext>
+            </a:extLst>
+          </p:cNvPr>
+          <p:cNvSpPr/>
+          <p:nvPr/>
+        </p:nvSpPr>
+        <p:spPr>
+          <a:xfrm>
+            <a:off x="9891091" y="3454470"/>
+            <a:ext cx="1490870" cy="680208"/>
+          </a:xfrm>
+          <a:prstGeom prst="rect">
+            <a:avLst/>
+          </a:prstGeom>
+          <a:solidFill>
+            <a:schemeClr val="bg1"/>
+          </a:solidFill>
+          <a:ln>
+            <a:solidFill>
+              <a:schemeClr val="tx1"/>
+            </a:solidFill>
+          </a:ln>
+        </p:spPr>
+        <p:style>
+          <a:lnRef idx="2">
+            <a:schemeClr val="accent1">
+              <a:shade val="50000"/>
+            </a:schemeClr>
+          </a:lnRef>
+          <a:fillRef idx="1">
+            <a:schemeClr val="accent1"/>
+          </a:fillRef>
+          <a:effectRef idx="0">
+            <a:schemeClr val="accent1"/>
+          </a:effectRef>
+          <a:fontRef idx="minor">
+            <a:schemeClr val="lt1"/>
+          </a:fontRef>
+        </p:style>
+        <p:txBody>
+          <a:bodyPr rtlCol="0" anchor="ctr"/>
+          <a:lstStyle/>
+          <a:p>
+            <a:pPr algn="ctr"/>
+            <a:r>
+              <a:rPr lang="en-US" altLang="ko-KR" dirty="0" err="1">
+                <a:solidFill>
+                  <a:schemeClr val="tx1"/>
+                </a:solidFill>
+                <a:latin typeface="이롭게 바탕체 OTF Medium" panose="020B0600000101010101" pitchFamily="34" charset="-127"/>
+                <a:ea typeface="이롭게 바탕체 OTF Medium" panose="020B0600000101010101" pitchFamily="34" charset="-127"/>
+              </a:rPr>
+              <a:t>mainGame</a:t>
+            </a:r>
+            <a:endParaRPr lang="ko-KR" altLang="en-US" dirty="0">
+              <a:solidFill>
+                <a:schemeClr val="tx1"/>
+              </a:solidFill>
+              <a:latin typeface="이롭게 바탕체 OTF Medium" panose="020B0600000101010101" pitchFamily="34" charset="-127"/>
+              <a:ea typeface="이롭게 바탕체 OTF Medium" panose="020B0600000101010101" pitchFamily="34" charset="-127"/>
+            </a:endParaRPr>
+          </a:p>
+        </p:txBody>
+      </p:sp>
+      <p:cxnSp>
+        <p:nvCxnSpPr>
+          <p:cNvPr id="145" name="직선 화살표 연결선 144">
+            <a:extLst>
+              <a:ext uri="{FF2B5EF4-FFF2-40B4-BE49-F238E27FC236}">
+                <a16:creationId xmlns:a16="http://schemas.microsoft.com/office/drawing/2014/main" id="{6198B486-C317-459C-B618-D1C0EF17C877}"/>
+              </a:ext>
+            </a:extLst>
+          </p:cNvPr>
+          <p:cNvCxnSpPr>
+            <a:stCxn id="143" idx="1"/>
+          </p:cNvCxnSpPr>
+          <p:nvPr/>
+        </p:nvCxnSpPr>
+        <p:spPr>
+          <a:xfrm flipH="1">
+            <a:off x="8789494" y="3794574"/>
+            <a:ext cx="1101597" cy="924986"/>
+          </a:xfrm>
+          <a:prstGeom prst="straightConnector1">
+            <a:avLst/>
+          </a:prstGeom>
+          <a:ln w="12700">
+            <a:solidFill>
+              <a:schemeClr val="tx1"/>
+            </a:solidFill>
+            <a:tailEnd type="triangle"/>
+          </a:ln>
+        </p:spPr>
+        <p:style>
+          <a:lnRef idx="1">
+            <a:schemeClr val="accent1"/>
+          </a:lnRef>
+          <a:fillRef idx="0">
+            <a:schemeClr val="accent1"/>
+          </a:fillRef>
+          <a:effectRef idx="0">
+            <a:schemeClr val="accent1"/>
+          </a:effectRef>
+          <a:fontRef idx="minor">
+            <a:schemeClr val="tx1"/>
+          </a:fontRef>
+        </p:style>
+      </p:cxnSp>
     </p:spTree>
     <p:extLst>
       <p:ext uri="{BB962C8B-B14F-4D97-AF65-F5344CB8AC3E}">

--- a/AD산출물.pptx
+++ b/AD산출물.pptx
@@ -5,7 +5,7 @@
     <p:sldMasterId id="2147483648" r:id="rId1"/>
   </p:sldMasterIdLst>
   <p:notesMasterIdLst>
-    <p:notesMasterId r:id="rId16"/>
+    <p:notesMasterId r:id="rId17"/>
   </p:notesMasterIdLst>
   <p:sldIdLst>
     <p:sldId id="256" r:id="rId2"/>
@@ -18,10 +18,11 @@
     <p:sldId id="262" r:id="rId9"/>
     <p:sldId id="264" r:id="rId10"/>
     <p:sldId id="269" r:id="rId11"/>
-    <p:sldId id="265" r:id="rId12"/>
-    <p:sldId id="266" r:id="rId13"/>
-    <p:sldId id="267" r:id="rId14"/>
-    <p:sldId id="270" r:id="rId15"/>
+    <p:sldId id="271" r:id="rId12"/>
+    <p:sldId id="265" r:id="rId13"/>
+    <p:sldId id="266" r:id="rId14"/>
+    <p:sldId id="267" r:id="rId15"/>
+    <p:sldId id="270" r:id="rId16"/>
   </p:sldIdLst>
   <p:sldSz cx="12192000" cy="6858000"/>
   <p:notesSz cx="6858000" cy="9144000"/>
@@ -120,6 +121,11 @@
       </a:defRPr>
     </a:lvl9pPr>
   </p:defaultTextStyle>
+  <p:extLst>
+    <p:ext uri="{EFAFB233-063F-42B5-8137-9DF3F51BA10A}">
+      <p15:sldGuideLst xmlns:p15="http://schemas.microsoft.com/office/powerpoint/2012/main"/>
+    </p:ext>
+  </p:extLst>
 </p:presentation>
 </file>
 
@@ -205,7 +211,7 @@
           <a:p>
             <a:fld id="{E7D0CD28-E189-49F6-B8B0-48E38BB9A694}" type="datetimeFigureOut">
               <a:rPr lang="ko-KR" altLang="en-US" smtClean="0"/>
-              <a:t>2020-11-30</a:t>
+              <a:t>2020-12-01</a:t>
             </a:fld>
             <a:endParaRPr lang="ko-KR" altLang="en-US"/>
           </a:p>
@@ -619,7 +625,7 @@
           <a:p>
             <a:fld id="{019F069A-B44E-4DE5-8DD5-CA01B315C983}" type="datetimeFigureOut">
               <a:rPr lang="ko-KR" altLang="en-US" smtClean="0"/>
-              <a:t>2020-11-30</a:t>
+              <a:t>2020-12-01</a:t>
             </a:fld>
             <a:endParaRPr lang="ko-KR" altLang="en-US"/>
           </a:p>
@@ -817,7 +823,7 @@
           <a:p>
             <a:fld id="{019F069A-B44E-4DE5-8DD5-CA01B315C983}" type="datetimeFigureOut">
               <a:rPr lang="ko-KR" altLang="en-US" smtClean="0"/>
-              <a:t>2020-11-30</a:t>
+              <a:t>2020-12-01</a:t>
             </a:fld>
             <a:endParaRPr lang="ko-KR" altLang="en-US"/>
           </a:p>
@@ -1025,7 +1031,7 @@
           <a:p>
             <a:fld id="{019F069A-B44E-4DE5-8DD5-CA01B315C983}" type="datetimeFigureOut">
               <a:rPr lang="ko-KR" altLang="en-US" smtClean="0"/>
-              <a:t>2020-11-30</a:t>
+              <a:t>2020-12-01</a:t>
             </a:fld>
             <a:endParaRPr lang="ko-KR" altLang="en-US"/>
           </a:p>
@@ -1223,7 +1229,7 @@
           <a:p>
             <a:fld id="{019F069A-B44E-4DE5-8DD5-CA01B315C983}" type="datetimeFigureOut">
               <a:rPr lang="ko-KR" altLang="en-US" smtClean="0"/>
-              <a:t>2020-11-30</a:t>
+              <a:t>2020-12-01</a:t>
             </a:fld>
             <a:endParaRPr lang="ko-KR" altLang="en-US"/>
           </a:p>
@@ -1498,7 +1504,7 @@
           <a:p>
             <a:fld id="{019F069A-B44E-4DE5-8DD5-CA01B315C983}" type="datetimeFigureOut">
               <a:rPr lang="ko-KR" altLang="en-US" smtClean="0"/>
-              <a:t>2020-11-30</a:t>
+              <a:t>2020-12-01</a:t>
             </a:fld>
             <a:endParaRPr lang="ko-KR" altLang="en-US"/>
           </a:p>
@@ -1763,7 +1769,7 @@
           <a:p>
             <a:fld id="{019F069A-B44E-4DE5-8DD5-CA01B315C983}" type="datetimeFigureOut">
               <a:rPr lang="ko-KR" altLang="en-US" smtClean="0"/>
-              <a:t>2020-11-30</a:t>
+              <a:t>2020-12-01</a:t>
             </a:fld>
             <a:endParaRPr lang="ko-KR" altLang="en-US"/>
           </a:p>
@@ -2175,7 +2181,7 @@
           <a:p>
             <a:fld id="{019F069A-B44E-4DE5-8DD5-CA01B315C983}" type="datetimeFigureOut">
               <a:rPr lang="ko-KR" altLang="en-US" smtClean="0"/>
-              <a:t>2020-11-30</a:t>
+              <a:t>2020-12-01</a:t>
             </a:fld>
             <a:endParaRPr lang="ko-KR" altLang="en-US"/>
           </a:p>
@@ -2316,7 +2322,7 @@
           <a:p>
             <a:fld id="{019F069A-B44E-4DE5-8DD5-CA01B315C983}" type="datetimeFigureOut">
               <a:rPr lang="ko-KR" altLang="en-US" smtClean="0"/>
-              <a:t>2020-11-30</a:t>
+              <a:t>2020-12-01</a:t>
             </a:fld>
             <a:endParaRPr lang="ko-KR" altLang="en-US"/>
           </a:p>
@@ -2429,7 +2435,7 @@
           <a:p>
             <a:fld id="{019F069A-B44E-4DE5-8DD5-CA01B315C983}" type="datetimeFigureOut">
               <a:rPr lang="ko-KR" altLang="en-US" smtClean="0"/>
-              <a:t>2020-11-30</a:t>
+              <a:t>2020-12-01</a:t>
             </a:fld>
             <a:endParaRPr lang="ko-KR" altLang="en-US"/>
           </a:p>
@@ -2740,7 +2746,7 @@
           <a:p>
             <a:fld id="{019F069A-B44E-4DE5-8DD5-CA01B315C983}" type="datetimeFigureOut">
               <a:rPr lang="ko-KR" altLang="en-US" smtClean="0"/>
-              <a:t>2020-11-30</a:t>
+              <a:t>2020-12-01</a:t>
             </a:fld>
             <a:endParaRPr lang="ko-KR" altLang="en-US"/>
           </a:p>
@@ -3028,7 +3034,7 @@
           <a:p>
             <a:fld id="{019F069A-B44E-4DE5-8DD5-CA01B315C983}" type="datetimeFigureOut">
               <a:rPr lang="ko-KR" altLang="en-US" smtClean="0"/>
-              <a:t>2020-11-30</a:t>
+              <a:t>2020-12-01</a:t>
             </a:fld>
             <a:endParaRPr lang="ko-KR" altLang="en-US"/>
           </a:p>
@@ -3269,7 +3275,7 @@
           <a:p>
             <a:fld id="{019F069A-B44E-4DE5-8DD5-CA01B315C983}" type="datetimeFigureOut">
               <a:rPr lang="ko-KR" altLang="en-US" smtClean="0"/>
-              <a:t>2020-11-30</a:t>
+              <a:t>2020-12-01</a:t>
             </a:fld>
             <a:endParaRPr lang="ko-KR" altLang="en-US"/>
           </a:p>
@@ -5911,6 +5917,889 @@
           <p:cNvPr id="2" name="제목 1">
             <a:extLst>
               <a:ext uri="{FF2B5EF4-FFF2-40B4-BE49-F238E27FC236}">
+                <a16:creationId xmlns:a16="http://schemas.microsoft.com/office/drawing/2014/main" id="{680F62B8-004B-4B92-81DD-DDC054278628}"/>
+              </a:ext>
+            </a:extLst>
+          </p:cNvPr>
+          <p:cNvSpPr>
+            <a:spLocks noGrp="1"/>
+          </p:cNvSpPr>
+          <p:nvPr>
+            <p:ph type="title"/>
+          </p:nvPr>
+        </p:nvSpPr>
+        <p:spPr/>
+        <p:txBody>
+          <a:bodyPr/>
+          <a:lstStyle/>
+          <a:p>
+            <a:r>
+              <a:rPr lang="ko-KR" altLang="en-US" b="1">
+                <a:latin typeface="HY견고딕" panose="02030600000101010101" pitchFamily="18" charset="-127"/>
+                <a:ea typeface="HY견고딕" panose="02030600000101010101" pitchFamily="18" charset="-127"/>
+              </a:rPr>
+              <a:t>구현 </a:t>
+            </a:r>
+            <a:r>
+              <a:rPr lang="ko-KR" altLang="en-US" b="1" dirty="0">
+                <a:latin typeface="HY견고딕" panose="02030600000101010101" pitchFamily="18" charset="-127"/>
+                <a:ea typeface="HY견고딕" panose="02030600000101010101" pitchFamily="18" charset="-127"/>
+              </a:rPr>
+              <a:t>상세 설계 </a:t>
+            </a:r>
+            <a:r>
+              <a:rPr lang="en-US" altLang="ko-KR" b="1" dirty="0">
+                <a:latin typeface="HY견고딕" panose="02030600000101010101" pitchFamily="18" charset="-127"/>
+                <a:ea typeface="HY견고딕" panose="02030600000101010101" pitchFamily="18" charset="-127"/>
+              </a:rPr>
+              <a:t>(game class)</a:t>
+            </a:r>
+            <a:endParaRPr lang="ko-KR" altLang="en-US" b="1" dirty="0">
+              <a:latin typeface="HY견고딕" panose="02030600000101010101" pitchFamily="18" charset="-127"/>
+              <a:ea typeface="HY견고딕" panose="02030600000101010101" pitchFamily="18" charset="-127"/>
+            </a:endParaRPr>
+          </a:p>
+        </p:txBody>
+      </p:sp>
+      <p:graphicFrame>
+        <p:nvGraphicFramePr>
+          <p:cNvPr id="6" name="표 6">
+            <a:extLst>
+              <a:ext uri="{FF2B5EF4-FFF2-40B4-BE49-F238E27FC236}">
+                <a16:creationId xmlns:a16="http://schemas.microsoft.com/office/drawing/2014/main" id="{BD7C8207-8723-4A20-BF74-D2B13A90E61F}"/>
+              </a:ext>
+            </a:extLst>
+          </p:cNvPr>
+          <p:cNvGraphicFramePr>
+            <a:graphicFrameLocks noGrp="1"/>
+          </p:cNvGraphicFramePr>
+          <p:nvPr>
+            <p:ph idx="1"/>
+            <p:extLst>
+              <p:ext uri="{D42A27DB-BD31-4B8C-83A1-F6EECF244321}">
+                <p14:modId xmlns:p14="http://schemas.microsoft.com/office/powerpoint/2010/main" val="1582726394"/>
+              </p:ext>
+            </p:extLst>
+          </p:nvPr>
+        </p:nvGraphicFramePr>
+        <p:xfrm>
+          <a:off x="838200" y="1826067"/>
+          <a:ext cx="10515601" cy="3876040"/>
+        </p:xfrm>
+        <a:graphic>
+          <a:graphicData uri="http://schemas.openxmlformats.org/drawingml/2006/table">
+            <a:tbl>
+              <a:tblPr firstRow="1" bandRow="1">
+                <a:tableStyleId>{5C22544A-7EE6-4342-B048-85BDC9FD1C3A}</a:tableStyleId>
+              </a:tblPr>
+              <a:tblGrid>
+                <a:gridCol w="2062931">
+                  <a:extLst>
+                    <a:ext uri="{9D8B030D-6E8A-4147-A177-3AD203B41FA5}">
+                      <a16:colId xmlns:a16="http://schemas.microsoft.com/office/drawing/2014/main" val="627403690"/>
+                    </a:ext>
+                  </a:extLst>
+                </a:gridCol>
+                <a:gridCol w="2015614">
+                  <a:extLst>
+                    <a:ext uri="{9D8B030D-6E8A-4147-A177-3AD203B41FA5}">
+                      <a16:colId xmlns:a16="http://schemas.microsoft.com/office/drawing/2014/main" val="3550277370"/>
+                    </a:ext>
+                  </a:extLst>
+                </a:gridCol>
+                <a:gridCol w="2015614">
+                  <a:extLst>
+                    <a:ext uri="{9D8B030D-6E8A-4147-A177-3AD203B41FA5}">
+                      <a16:colId xmlns:a16="http://schemas.microsoft.com/office/drawing/2014/main" val="4061334626"/>
+                    </a:ext>
+                  </a:extLst>
+                </a:gridCol>
+                <a:gridCol w="4421442">
+                  <a:extLst>
+                    <a:ext uri="{9D8B030D-6E8A-4147-A177-3AD203B41FA5}">
+                      <a16:colId xmlns:a16="http://schemas.microsoft.com/office/drawing/2014/main" val="3774375279"/>
+                    </a:ext>
+                  </a:extLst>
+                </a:gridCol>
+              </a:tblGrid>
+              <a:tr h="370840">
+                <a:tc>
+                  <a:txBody>
+                    <a:bodyPr/>
+                    <a:lstStyle/>
+                    <a:p>
+                      <a:pPr algn="ctr" latinLnBrk="1"/>
+                      <a:r>
+                        <a:rPr lang="ko-KR" altLang="en-US" dirty="0"/>
+                        <a:t>기능</a:t>
+                      </a:r>
+                    </a:p>
+                  </a:txBody>
+                  <a:tcPr anchor="ctr"/>
+                </a:tc>
+                <a:tc>
+                  <a:txBody>
+                    <a:bodyPr/>
+                    <a:lstStyle/>
+                    <a:p>
+                      <a:pPr algn="ctr" latinLnBrk="1"/>
+                      <a:r>
+                        <a:rPr lang="ko-KR" altLang="en-US" dirty="0"/>
+                        <a:t>이름</a:t>
+                      </a:r>
+                    </a:p>
+                  </a:txBody>
+                  <a:tcPr anchor="ctr"/>
+                </a:tc>
+                <a:tc>
+                  <a:txBody>
+                    <a:bodyPr/>
+                    <a:lstStyle/>
+                    <a:p>
+                      <a:pPr algn="ctr" latinLnBrk="1"/>
+                      <a:r>
+                        <a:rPr lang="en-US" altLang="ko-KR" dirty="0"/>
+                        <a:t>type</a:t>
+                      </a:r>
+                      <a:endParaRPr lang="ko-KR" altLang="en-US" dirty="0"/>
+                    </a:p>
+                  </a:txBody>
+                  <a:tcPr anchor="ctr"/>
+                </a:tc>
+                <a:tc>
+                  <a:txBody>
+                    <a:bodyPr/>
+                    <a:lstStyle/>
+                    <a:p>
+                      <a:pPr algn="ctr" latinLnBrk="1"/>
+                      <a:r>
+                        <a:rPr lang="ko-KR" altLang="en-US" dirty="0"/>
+                        <a:t>역할</a:t>
+                      </a:r>
+                      <a:r>
+                        <a:rPr lang="en-US" altLang="ko-KR" dirty="0"/>
+                        <a:t>, </a:t>
+                      </a:r>
+                      <a:r>
+                        <a:rPr lang="ko-KR" altLang="en-US" dirty="0"/>
+                        <a:t>설명</a:t>
+                      </a:r>
+                    </a:p>
+                  </a:txBody>
+                  <a:tcPr anchor="ctr"/>
+                </a:tc>
+                <a:extLst>
+                  <a:ext uri="{0D108BD9-81ED-4DB2-BD59-A6C34878D82A}">
+                    <a16:rowId xmlns:a16="http://schemas.microsoft.com/office/drawing/2014/main" val="1568470427"/>
+                  </a:ext>
+                </a:extLst>
+              </a:tr>
+              <a:tr h="370840">
+                <a:tc>
+                  <a:txBody>
+                    <a:bodyPr/>
+                    <a:lstStyle/>
+                    <a:p>
+                      <a:pPr algn="ctr" latinLnBrk="1"/>
+                      <a:r>
+                        <a:rPr lang="en-US" altLang="ko-KR" dirty="0"/>
+                        <a:t>-</a:t>
+                      </a:r>
+                    </a:p>
+                  </a:txBody>
+                  <a:tcPr anchor="ctr"/>
+                </a:tc>
+                <a:tc>
+                  <a:txBody>
+                    <a:bodyPr/>
+                    <a:lstStyle/>
+                    <a:p>
+                      <a:pPr algn="ctr" latinLnBrk="1"/>
+                      <a:r>
+                        <a:rPr lang="en-US" altLang="ko-KR" dirty="0" err="1"/>
+                        <a:t>readyToStart</a:t>
+                      </a:r>
+                      <a:endParaRPr lang="ko-KR" altLang="en-US" dirty="0"/>
+                    </a:p>
+                  </a:txBody>
+                  <a:tcPr anchor="ctr"/>
+                </a:tc>
+                <a:tc>
+                  <a:txBody>
+                    <a:bodyPr/>
+                    <a:lstStyle/>
+                    <a:p>
+                      <a:pPr algn="ctr" latinLnBrk="1"/>
+                      <a:r>
+                        <a:rPr lang="en-US" altLang="ko-KR" dirty="0" err="1"/>
+                        <a:t>boolean</a:t>
+                      </a:r>
+                      <a:endParaRPr lang="ko-KR" altLang="en-US" dirty="0"/>
+                    </a:p>
+                  </a:txBody>
+                  <a:tcPr anchor="ctr"/>
+                </a:tc>
+                <a:tc>
+                  <a:txBody>
+                    <a:bodyPr/>
+                    <a:lstStyle/>
+                    <a:p>
+                      <a:pPr algn="ctr" latinLnBrk="1"/>
+                      <a:r>
+                        <a:rPr lang="ko-KR" altLang="en-US" dirty="0"/>
+                        <a:t>화면 세팅 여부 </a:t>
+                      </a:r>
+                      <a:r>
+                        <a:rPr lang="en-US" altLang="ko-KR" dirty="0" err="1"/>
+                        <a:t>boolean</a:t>
+                      </a:r>
+                      <a:endParaRPr lang="ko-KR" altLang="en-US" dirty="0"/>
+                    </a:p>
+                  </a:txBody>
+                  <a:tcPr anchor="ctr"/>
+                </a:tc>
+                <a:extLst>
+                  <a:ext uri="{0D108BD9-81ED-4DB2-BD59-A6C34878D82A}">
+                    <a16:rowId xmlns:a16="http://schemas.microsoft.com/office/drawing/2014/main" val="3185307735"/>
+                  </a:ext>
+                </a:extLst>
+              </a:tr>
+              <a:tr h="370840">
+                <a:tc rowSpan="6">
+                  <a:txBody>
+                    <a:bodyPr/>
+                    <a:lstStyle/>
+                    <a:p>
+                      <a:pPr algn="ctr" latinLnBrk="1"/>
+                      <a:r>
+                        <a:rPr lang="en-US" altLang="ko-KR" dirty="0"/>
+                        <a:t>jump</a:t>
+                      </a:r>
+                    </a:p>
+                  </a:txBody>
+                  <a:tcPr anchor="ctr"/>
+                </a:tc>
+                <a:tc>
+                  <a:txBody>
+                    <a:bodyPr/>
+                    <a:lstStyle/>
+                    <a:p>
+                      <a:pPr algn="ctr" latinLnBrk="1"/>
+                      <a:r>
+                        <a:rPr lang="en-US" altLang="ko-KR" dirty="0" err="1"/>
+                        <a:t>isJumping</a:t>
+                      </a:r>
+                      <a:endParaRPr lang="ko-KR" altLang="en-US" dirty="0"/>
+                    </a:p>
+                  </a:txBody>
+                  <a:tcPr anchor="ctr"/>
+                </a:tc>
+                <a:tc>
+                  <a:txBody>
+                    <a:bodyPr/>
+                    <a:lstStyle/>
+                    <a:p>
+                      <a:pPr algn="ctr" latinLnBrk="1"/>
+                      <a:r>
+                        <a:rPr lang="en-US" altLang="ko-KR" dirty="0" err="1"/>
+                        <a:t>boolean</a:t>
+                      </a:r>
+                      <a:endParaRPr lang="ko-KR" altLang="en-US" dirty="0"/>
+                    </a:p>
+                  </a:txBody>
+                  <a:tcPr anchor="ctr"/>
+                </a:tc>
+                <a:tc>
+                  <a:txBody>
+                    <a:bodyPr/>
+                    <a:lstStyle/>
+                    <a:p>
+                      <a:pPr algn="ctr" latinLnBrk="1"/>
+                      <a:r>
+                        <a:rPr lang="en-US" altLang="ko-KR" dirty="0"/>
+                        <a:t>True </a:t>
+                      </a:r>
+                      <a:r>
+                        <a:rPr lang="ko-KR" altLang="en-US" dirty="0"/>
+                        <a:t>일 때까지 </a:t>
+                      </a:r>
+                      <a:r>
+                        <a:rPr lang="en-US" altLang="ko-KR" dirty="0"/>
+                        <a:t>jump action</a:t>
+                      </a:r>
+                      <a:endParaRPr lang="ko-KR" altLang="en-US" dirty="0"/>
+                    </a:p>
+                  </a:txBody>
+                  <a:tcPr anchor="ctr"/>
+                </a:tc>
+                <a:extLst>
+                  <a:ext uri="{0D108BD9-81ED-4DB2-BD59-A6C34878D82A}">
+                    <a16:rowId xmlns:a16="http://schemas.microsoft.com/office/drawing/2014/main" val="1404222216"/>
+                  </a:ext>
+                </a:extLst>
+              </a:tr>
+              <a:tr h="370840">
+                <a:tc vMerge="1">
+                  <a:txBody>
+                    <a:bodyPr/>
+                    <a:lstStyle/>
+                    <a:p>
+                      <a:pPr algn="ctr" latinLnBrk="1"/>
+                      <a:endParaRPr lang="ko-KR" altLang="en-US" dirty="0"/>
+                    </a:p>
+                  </a:txBody>
+                  <a:tcPr anchor="ctr"/>
+                </a:tc>
+                <a:tc>
+                  <a:txBody>
+                    <a:bodyPr/>
+                    <a:lstStyle/>
+                    <a:p>
+                      <a:pPr algn="ctr" latinLnBrk="1"/>
+                      <a:r>
+                        <a:rPr lang="en-US" altLang="ko-KR" dirty="0" err="1"/>
+                        <a:t>canJump</a:t>
+                      </a:r>
+                      <a:endParaRPr lang="ko-KR" altLang="en-US" dirty="0"/>
+                    </a:p>
+                  </a:txBody>
+                  <a:tcPr anchor="ctr"/>
+                </a:tc>
+                <a:tc>
+                  <a:txBody>
+                    <a:bodyPr/>
+                    <a:lstStyle/>
+                    <a:p>
+                      <a:pPr algn="ctr" latinLnBrk="1"/>
+                      <a:r>
+                        <a:rPr lang="en-US" altLang="ko-KR" dirty="0" err="1"/>
+                        <a:t>boolean</a:t>
+                      </a:r>
+                      <a:endParaRPr lang="ko-KR" altLang="en-US" dirty="0"/>
+                    </a:p>
+                  </a:txBody>
+                  <a:tcPr anchor="ctr"/>
+                </a:tc>
+                <a:tc>
+                  <a:txBody>
+                    <a:bodyPr/>
+                    <a:lstStyle/>
+                    <a:p>
+                      <a:pPr algn="ctr" latinLnBrk="1"/>
+                      <a:r>
+                        <a:rPr lang="ko-KR" altLang="en-US" dirty="0"/>
+                        <a:t>점프할 수 있는지</a:t>
+                      </a:r>
+                      <a:r>
+                        <a:rPr lang="en-US" altLang="ko-KR" dirty="0"/>
+                        <a:t>, if </a:t>
+                      </a:r>
+                      <a:r>
+                        <a:rPr lang="en-US" altLang="ko-KR" dirty="0" err="1"/>
+                        <a:t>jumpCount</a:t>
+                      </a:r>
+                      <a:r>
+                        <a:rPr lang="en-US" altLang="ko-KR" dirty="0"/>
+                        <a:t> == 2: False</a:t>
+                      </a:r>
+                      <a:endParaRPr lang="ko-KR" altLang="en-US" dirty="0"/>
+                    </a:p>
+                  </a:txBody>
+                  <a:tcPr anchor="ctr"/>
+                </a:tc>
+                <a:extLst>
+                  <a:ext uri="{0D108BD9-81ED-4DB2-BD59-A6C34878D82A}">
+                    <a16:rowId xmlns:a16="http://schemas.microsoft.com/office/drawing/2014/main" val="2708299726"/>
+                  </a:ext>
+                </a:extLst>
+              </a:tr>
+              <a:tr h="370840">
+                <a:tc vMerge="1">
+                  <a:txBody>
+                    <a:bodyPr/>
+                    <a:lstStyle/>
+                    <a:p>
+                      <a:pPr marL="0" marR="0" lvl="0" indent="0" algn="ctr" defTabSz="914400" rtl="0" eaLnBrk="1" fontAlgn="auto" latinLnBrk="1" hangingPunct="1">
+                        <a:lnSpc>
+                          <a:spcPct val="100000"/>
+                        </a:lnSpc>
+                        <a:spcBef>
+                          <a:spcPts val="0"/>
+                        </a:spcBef>
+                        <a:spcAft>
+                          <a:spcPts val="0"/>
+                        </a:spcAft>
+                        <a:buClrTx/>
+                        <a:buSzTx/>
+                        <a:buFontTx/>
+                        <a:buNone/>
+                        <a:tabLst/>
+                        <a:defRPr/>
+                      </a:pPr>
+                      <a:r>
+                        <a:rPr lang="en-US" altLang="ko-KR" dirty="0" err="1"/>
+                        <a:t>get_info</a:t>
+                      </a:r>
+                      <a:endParaRPr lang="ko-KR" altLang="en-US" dirty="0"/>
+                    </a:p>
+                  </a:txBody>
+                  <a:tcPr anchor="ctr"/>
+                </a:tc>
+                <a:tc>
+                  <a:txBody>
+                    <a:bodyPr/>
+                    <a:lstStyle/>
+                    <a:p>
+                      <a:pPr algn="ctr" latinLnBrk="1"/>
+                      <a:r>
+                        <a:rPr lang="en-US" altLang="ko-KR" dirty="0" err="1"/>
+                        <a:t>jumpCount</a:t>
+                      </a:r>
+                      <a:endParaRPr lang="ko-KR" altLang="en-US" dirty="0"/>
+                    </a:p>
+                  </a:txBody>
+                  <a:tcPr anchor="ctr"/>
+                </a:tc>
+                <a:tc>
+                  <a:txBody>
+                    <a:bodyPr/>
+                    <a:lstStyle/>
+                    <a:p>
+                      <a:pPr marL="0" marR="0" lvl="0" indent="0" algn="ctr" defTabSz="914400" rtl="0" eaLnBrk="1" fontAlgn="auto" latinLnBrk="1" hangingPunct="1">
+                        <a:lnSpc>
+                          <a:spcPct val="100000"/>
+                        </a:lnSpc>
+                        <a:spcBef>
+                          <a:spcPts val="0"/>
+                        </a:spcBef>
+                        <a:spcAft>
+                          <a:spcPts val="0"/>
+                        </a:spcAft>
+                        <a:buClrTx/>
+                        <a:buSzTx/>
+                        <a:buFontTx/>
+                        <a:buNone/>
+                        <a:tabLst/>
+                        <a:defRPr/>
+                      </a:pPr>
+                      <a:r>
+                        <a:rPr lang="en-US" altLang="ko-KR" dirty="0"/>
+                        <a:t>Int(0~2)</a:t>
+                      </a:r>
+                      <a:endParaRPr lang="ko-KR" altLang="en-US" dirty="0"/>
+                    </a:p>
+                  </a:txBody>
+                  <a:tcPr anchor="ctr"/>
+                </a:tc>
+                <a:tc>
+                  <a:txBody>
+                    <a:bodyPr/>
+                    <a:lstStyle/>
+                    <a:p>
+                      <a:pPr algn="ctr" latinLnBrk="1"/>
+                      <a:r>
+                        <a:rPr lang="ko-KR" altLang="en-US" dirty="0"/>
+                        <a:t>점프 최대 가능 횟수 제한</a:t>
+                      </a:r>
+                    </a:p>
+                  </a:txBody>
+                  <a:tcPr anchor="ctr"/>
+                </a:tc>
+                <a:extLst>
+                  <a:ext uri="{0D108BD9-81ED-4DB2-BD59-A6C34878D82A}">
+                    <a16:rowId xmlns:a16="http://schemas.microsoft.com/office/drawing/2014/main" val="1912452233"/>
+                  </a:ext>
+                </a:extLst>
+              </a:tr>
+              <a:tr h="370840">
+                <a:tc vMerge="1">
+                  <a:txBody>
+                    <a:bodyPr/>
+                    <a:lstStyle/>
+                    <a:p>
+                      <a:pPr marL="0" marR="0" lvl="0" indent="0" algn="ctr" defTabSz="914400" rtl="0" eaLnBrk="1" fontAlgn="auto" latinLnBrk="1" hangingPunct="1">
+                        <a:lnSpc>
+                          <a:spcPct val="100000"/>
+                        </a:lnSpc>
+                        <a:spcBef>
+                          <a:spcPts val="0"/>
+                        </a:spcBef>
+                        <a:spcAft>
+                          <a:spcPts val="0"/>
+                        </a:spcAft>
+                        <a:buClrTx/>
+                        <a:buSzTx/>
+                        <a:buFontTx/>
+                        <a:buNone/>
+                        <a:tabLst/>
+                        <a:defRPr/>
+                      </a:pPr>
+                      <a:r>
+                        <a:rPr lang="en-US" altLang="ko-KR" dirty="0" err="1"/>
+                        <a:t>edit_score</a:t>
+                      </a:r>
+                      <a:endParaRPr lang="ko-KR" altLang="en-US" dirty="0"/>
+                    </a:p>
+                  </a:txBody>
+                  <a:tcPr anchor="ctr"/>
+                </a:tc>
+                <a:tc>
+                  <a:txBody>
+                    <a:bodyPr/>
+                    <a:lstStyle/>
+                    <a:p>
+                      <a:pPr algn="ctr" latinLnBrk="1"/>
+                      <a:r>
+                        <a:rPr lang="en-US" altLang="ko-KR" dirty="0" err="1"/>
+                        <a:t>Jump_size</a:t>
+                      </a:r>
+                      <a:endParaRPr lang="ko-KR" altLang="en-US" dirty="0"/>
+                    </a:p>
+                  </a:txBody>
+                  <a:tcPr anchor="ctr"/>
+                </a:tc>
+                <a:tc>
+                  <a:txBody>
+                    <a:bodyPr/>
+                    <a:lstStyle/>
+                    <a:p>
+                      <a:pPr algn="ctr" latinLnBrk="1"/>
+                      <a:r>
+                        <a:rPr lang="en-US" altLang="ko-KR" dirty="0"/>
+                        <a:t>Int(5~10)</a:t>
+                      </a:r>
+                      <a:endParaRPr lang="ko-KR" altLang="en-US" dirty="0"/>
+                    </a:p>
+                  </a:txBody>
+                  <a:tcPr anchor="ctr"/>
+                </a:tc>
+                <a:tc>
+                  <a:txBody>
+                    <a:bodyPr/>
+                    <a:lstStyle/>
+                    <a:p>
+                      <a:pPr algn="ctr" latinLnBrk="1"/>
+                      <a:r>
+                        <a:rPr lang="ko-KR" altLang="en-US" dirty="0"/>
+                        <a:t>높이마다 달라지는 </a:t>
+                      </a:r>
+                      <a:r>
+                        <a:rPr lang="en-US" altLang="ko-KR" dirty="0"/>
+                        <a:t>y</a:t>
+                      </a:r>
+                      <a:r>
+                        <a:rPr lang="ko-KR" altLang="en-US" dirty="0"/>
+                        <a:t>변화량</a:t>
+                      </a:r>
+                      <a:r>
+                        <a:rPr lang="en-US" altLang="ko-KR" dirty="0"/>
+                        <a:t>, </a:t>
+                      </a:r>
+                      <a:r>
+                        <a:rPr lang="ko-KR" altLang="en-US" dirty="0"/>
+                        <a:t>즉 점프 속도</a:t>
+                      </a:r>
+                      <a:r>
+                        <a:rPr lang="en-US" altLang="ko-KR" dirty="0"/>
+                        <a:t>?</a:t>
+                      </a:r>
+                      <a:endParaRPr lang="ko-KR" altLang="en-US" dirty="0"/>
+                    </a:p>
+                  </a:txBody>
+                  <a:tcPr anchor="ctr"/>
+                </a:tc>
+                <a:extLst>
+                  <a:ext uri="{0D108BD9-81ED-4DB2-BD59-A6C34878D82A}">
+                    <a16:rowId xmlns:a16="http://schemas.microsoft.com/office/drawing/2014/main" val="1053291668"/>
+                  </a:ext>
+                </a:extLst>
+              </a:tr>
+              <a:tr h="370840">
+                <a:tc vMerge="1">
+                  <a:txBody>
+                    <a:bodyPr/>
+                    <a:lstStyle/>
+                    <a:p>
+                      <a:pPr marL="0" marR="0" lvl="0" indent="0" algn="ctr" defTabSz="914400" rtl="0" eaLnBrk="1" fontAlgn="auto" latinLnBrk="1" hangingPunct="1">
+                        <a:lnSpc>
+                          <a:spcPct val="100000"/>
+                        </a:lnSpc>
+                        <a:spcBef>
+                          <a:spcPts val="0"/>
+                        </a:spcBef>
+                        <a:spcAft>
+                          <a:spcPts val="0"/>
+                        </a:spcAft>
+                        <a:buClrTx/>
+                        <a:buSzTx/>
+                        <a:buFontTx/>
+                        <a:buNone/>
+                        <a:tabLst/>
+                        <a:defRPr/>
+                      </a:pPr>
+                      <a:r>
+                        <a:rPr lang="en-US" altLang="ko-KR" dirty="0" err="1"/>
+                        <a:t>db_add</a:t>
+                      </a:r>
+                      <a:endParaRPr lang="ko-KR" altLang="en-US" dirty="0"/>
+                    </a:p>
+                  </a:txBody>
+                  <a:tcPr anchor="ctr"/>
+                </a:tc>
+                <a:tc>
+                  <a:txBody>
+                    <a:bodyPr/>
+                    <a:lstStyle/>
+                    <a:p>
+                      <a:pPr algn="ctr" latinLnBrk="1"/>
+                      <a:r>
+                        <a:rPr lang="en-US" altLang="ko-KR" dirty="0"/>
+                        <a:t>aim</a:t>
+                      </a:r>
+                      <a:endParaRPr lang="ko-KR" altLang="en-US" dirty="0"/>
+                    </a:p>
+                  </a:txBody>
+                  <a:tcPr anchor="ctr"/>
+                </a:tc>
+                <a:tc>
+                  <a:txBody>
+                    <a:bodyPr/>
+                    <a:lstStyle/>
+                    <a:p>
+                      <a:pPr algn="ctr" latinLnBrk="1"/>
+                      <a:r>
+                        <a:rPr lang="en-US" altLang="ko-KR" dirty="0"/>
+                        <a:t>Int? float?</a:t>
+                      </a:r>
+                      <a:endParaRPr lang="ko-KR" altLang="en-US" dirty="0"/>
+                    </a:p>
+                  </a:txBody>
+                  <a:tcPr anchor="ctr"/>
+                </a:tc>
+                <a:tc>
+                  <a:txBody>
+                    <a:bodyPr/>
+                    <a:lstStyle/>
+                    <a:p>
+                      <a:pPr algn="ctr" latinLnBrk="1"/>
+                      <a:r>
+                        <a:rPr lang="en-US" altLang="ko-KR" dirty="0"/>
+                        <a:t>Jump</a:t>
+                      </a:r>
+                      <a:r>
+                        <a:rPr lang="ko-KR" altLang="en-US" dirty="0"/>
+                        <a:t> 최대 목표치</a:t>
+                      </a:r>
+                    </a:p>
+                  </a:txBody>
+                  <a:tcPr anchor="ctr"/>
+                </a:tc>
+                <a:extLst>
+                  <a:ext uri="{0D108BD9-81ED-4DB2-BD59-A6C34878D82A}">
+                    <a16:rowId xmlns:a16="http://schemas.microsoft.com/office/drawing/2014/main" val="62366673"/>
+                  </a:ext>
+                </a:extLst>
+              </a:tr>
+              <a:tr h="370840">
+                <a:tc vMerge="1">
+                  <a:txBody>
+                    <a:bodyPr/>
+                    <a:lstStyle/>
+                    <a:p>
+                      <a:pPr algn="ctr" latinLnBrk="1"/>
+                      <a:endParaRPr lang="en-US" altLang="ko-KR" dirty="0"/>
+                    </a:p>
+                  </a:txBody>
+                  <a:tcPr anchor="ctr"/>
+                </a:tc>
+                <a:tc>
+                  <a:txBody>
+                    <a:bodyPr/>
+                    <a:lstStyle/>
+                    <a:p>
+                      <a:pPr algn="ctr" latinLnBrk="1"/>
+                      <a:r>
+                        <a:rPr lang="en-US" altLang="ko-KR" dirty="0"/>
+                        <a:t>Up</a:t>
+                      </a:r>
+                      <a:endParaRPr lang="ko-KR" altLang="en-US" dirty="0"/>
+                    </a:p>
+                  </a:txBody>
+                  <a:tcPr anchor="ctr"/>
+                </a:tc>
+                <a:tc>
+                  <a:txBody>
+                    <a:bodyPr/>
+                    <a:lstStyle/>
+                    <a:p>
+                      <a:pPr algn="ctr" latinLnBrk="1"/>
+                      <a:r>
+                        <a:rPr lang="en-US" altLang="ko-KR" dirty="0" err="1"/>
+                        <a:t>boolean</a:t>
+                      </a:r>
+                      <a:endParaRPr lang="ko-KR" altLang="en-US" dirty="0"/>
+                    </a:p>
+                  </a:txBody>
+                  <a:tcPr anchor="ctr"/>
+                </a:tc>
+                <a:tc>
+                  <a:txBody>
+                    <a:bodyPr/>
+                    <a:lstStyle/>
+                    <a:p>
+                      <a:pPr algn="ctr" latinLnBrk="1"/>
+                      <a:endParaRPr lang="ko-KR" altLang="en-US" dirty="0"/>
+                    </a:p>
+                  </a:txBody>
+                  <a:tcPr anchor="ctr"/>
+                </a:tc>
+                <a:extLst>
+                  <a:ext uri="{0D108BD9-81ED-4DB2-BD59-A6C34878D82A}">
+                    <a16:rowId xmlns:a16="http://schemas.microsoft.com/office/drawing/2014/main" val="1928731522"/>
+                  </a:ext>
+                </a:extLst>
+              </a:tr>
+              <a:tr h="370840">
+                <a:tc>
+                  <a:txBody>
+                    <a:bodyPr/>
+                    <a:lstStyle/>
+                    <a:p>
+                      <a:pPr marL="0" marR="0" lvl="0" indent="0" algn="ctr" defTabSz="914400" rtl="0" eaLnBrk="1" fontAlgn="auto" latinLnBrk="1" hangingPunct="1">
+                        <a:lnSpc>
+                          <a:spcPct val="100000"/>
+                        </a:lnSpc>
+                        <a:spcBef>
+                          <a:spcPts val="0"/>
+                        </a:spcBef>
+                        <a:spcAft>
+                          <a:spcPts val="0"/>
+                        </a:spcAft>
+                        <a:buClrTx/>
+                        <a:buSzTx/>
+                        <a:buFontTx/>
+                        <a:buNone/>
+                        <a:tabLst/>
+                        <a:defRPr/>
+                      </a:pPr>
+                      <a:r>
+                        <a:rPr lang="en-US" altLang="ko-KR" dirty="0"/>
+                        <a:t>slide</a:t>
+                      </a:r>
+                      <a:endParaRPr lang="ko-KR" altLang="en-US" dirty="0"/>
+                    </a:p>
+                  </a:txBody>
+                  <a:tcPr anchor="ctr"/>
+                </a:tc>
+                <a:tc>
+                  <a:txBody>
+                    <a:bodyPr/>
+                    <a:lstStyle/>
+                    <a:p>
+                      <a:pPr algn="ctr" latinLnBrk="1"/>
+                      <a:r>
+                        <a:rPr lang="en-US" altLang="ko-KR" dirty="0" err="1"/>
+                        <a:t>isSliding</a:t>
+                      </a:r>
+                      <a:endParaRPr lang="ko-KR" altLang="en-US" dirty="0"/>
+                    </a:p>
+                  </a:txBody>
+                  <a:tcPr anchor="ctr"/>
+                </a:tc>
+                <a:tc>
+                  <a:txBody>
+                    <a:bodyPr/>
+                    <a:lstStyle/>
+                    <a:p>
+                      <a:pPr algn="ctr" latinLnBrk="1"/>
+                      <a:r>
+                        <a:rPr lang="en-US" altLang="ko-KR" dirty="0" err="1"/>
+                        <a:t>boolean</a:t>
+                      </a:r>
+                      <a:endParaRPr lang="ko-KR" altLang="en-US" dirty="0"/>
+                    </a:p>
+                  </a:txBody>
+                  <a:tcPr anchor="ctr"/>
+                </a:tc>
+                <a:tc>
+                  <a:txBody>
+                    <a:bodyPr/>
+                    <a:lstStyle/>
+                    <a:p>
+                      <a:pPr algn="ctr" latinLnBrk="1"/>
+                      <a:r>
+                        <a:rPr lang="en-US" altLang="ko-KR" dirty="0" err="1"/>
+                        <a:t>down_key</a:t>
+                      </a:r>
+                      <a:r>
+                        <a:rPr lang="en-US" altLang="ko-KR" dirty="0"/>
+                        <a:t> </a:t>
+                      </a:r>
+                      <a:r>
+                        <a:rPr lang="ko-KR" altLang="en-US" dirty="0"/>
+                        <a:t>누르고 뗄 때까지 </a:t>
+                      </a:r>
+                      <a:r>
+                        <a:rPr lang="en-US" altLang="ko-KR" dirty="0"/>
+                        <a:t>slide.</a:t>
+                      </a:r>
+                      <a:r>
+                        <a:rPr lang="ko-KR" altLang="en-US" dirty="0"/>
+                        <a:t> 이 때 제어 </a:t>
+                      </a:r>
+                      <a:r>
+                        <a:rPr lang="en-US" altLang="ko-KR" dirty="0"/>
+                        <a:t>flag</a:t>
+                      </a:r>
+                    </a:p>
+                  </a:txBody>
+                  <a:tcPr anchor="ctr"/>
+                </a:tc>
+                <a:extLst>
+                  <a:ext uri="{0D108BD9-81ED-4DB2-BD59-A6C34878D82A}">
+                    <a16:rowId xmlns:a16="http://schemas.microsoft.com/office/drawing/2014/main" val="538424159"/>
+                  </a:ext>
+                </a:extLst>
+              </a:tr>
+            </a:tbl>
+          </a:graphicData>
+        </a:graphic>
+      </p:graphicFrame>
+    </p:spTree>
+    <p:extLst>
+      <p:ext uri="{BB962C8B-B14F-4D97-AF65-F5344CB8AC3E}">
+        <p14:creationId xmlns:p14="http://schemas.microsoft.com/office/powerpoint/2010/main" val="2953943690"/>
+      </p:ext>
+    </p:extLst>
+  </p:cSld>
+  <p:clrMapOvr>
+    <a:masterClrMapping/>
+  </p:clrMapOvr>
+</p:sld>
+</file>
+
+<file path=ppt/slides/slide12.xml><?xml version="1.0" encoding="utf-8"?>
+<p:sld xmlns:a="http://schemas.openxmlformats.org/drawingml/2006/main" xmlns:r="http://schemas.openxmlformats.org/officeDocument/2006/relationships" xmlns:p="http://schemas.openxmlformats.org/presentationml/2006/main">
+  <p:cSld>
+    <p:spTree>
+      <p:nvGrpSpPr>
+        <p:cNvPr id="1" name=""/>
+        <p:cNvGrpSpPr/>
+        <p:nvPr/>
+      </p:nvGrpSpPr>
+      <p:grpSpPr>
+        <a:xfrm>
+          <a:off x="0" y="0"/>
+          <a:ext cx="0" cy="0"/>
+          <a:chOff x="0" y="0"/>
+          <a:chExt cx="0" cy="0"/>
+        </a:xfrm>
+      </p:grpSpPr>
+      <p:sp>
+        <p:nvSpPr>
+          <p:cNvPr id="2" name="제목 1">
+            <a:extLst>
+              <a:ext uri="{FF2B5EF4-FFF2-40B4-BE49-F238E27FC236}">
                 <a16:creationId xmlns:a16="http://schemas.microsoft.com/office/drawing/2014/main" id="{DDCDC4D4-A8FE-4565-875E-3BE45B76251A}"/>
               </a:ext>
             </a:extLst>
@@ -6053,7 +6942,7 @@
 </p:sld>
 </file>
 
-<file path=ppt/slides/slide12.xml><?xml version="1.0" encoding="utf-8"?>
+<file path=ppt/slides/slide13.xml><?xml version="1.0" encoding="utf-8"?>
 <p:sld xmlns:a="http://schemas.openxmlformats.org/drawingml/2006/main" xmlns:r="http://schemas.openxmlformats.org/officeDocument/2006/relationships" xmlns:p="http://schemas.openxmlformats.org/presentationml/2006/main">
   <p:cSld>
     <p:spTree>
@@ -6217,7 +7106,7 @@
 </p:sld>
 </file>
 
-<file path=ppt/slides/slide13.xml><?xml version="1.0" encoding="utf-8"?>
+<file path=ppt/slides/slide14.xml><?xml version="1.0" encoding="utf-8"?>
 <p:sld xmlns:a="http://schemas.openxmlformats.org/drawingml/2006/main" xmlns:r="http://schemas.openxmlformats.org/officeDocument/2006/relationships" xmlns:p="http://schemas.openxmlformats.org/presentationml/2006/main">
   <p:cSld>
     <p:spTree>
@@ -6380,7 +7269,7 @@
 </p:sld>
 </file>
 
-<file path=ppt/slides/slide14.xml><?xml version="1.0" encoding="utf-8"?>
+<file path=ppt/slides/slide15.xml><?xml version="1.0" encoding="utf-8"?>
 <p:sld xmlns:a="http://schemas.openxmlformats.org/drawingml/2006/main" xmlns:r="http://schemas.openxmlformats.org/officeDocument/2006/relationships" xmlns:p="http://schemas.openxmlformats.org/presentationml/2006/main">
   <p:cSld>
     <p:spTree>
